--- a/docs/diagrams/ModelComponentClassDiagram.pptx
+++ b/docs/diagrams/ModelComponentClassDiagram.pptx
@@ -107,7 +107,27 @@
       </a:defRPr>
     </a:lvl9pPr>
   </p:defaultTextStyle>
+  <p:extLst>
+    <p:ext uri="{EFAFB233-063F-42B5-8137-9DF3F51BA10A}">
+      <p15:sldGuideLst xmlns:p15="http://schemas.microsoft.com/office/powerpoint/2012/main">
+        <p15:guide id="1" orient="horz" pos="1488">
+          <p15:clr>
+            <a:srgbClr val="A4A3A4"/>
+          </p15:clr>
+        </p15:guide>
+        <p15:guide id="2" pos="2880">
+          <p15:clr>
+            <a:srgbClr val="A4A3A4"/>
+          </p15:clr>
+        </p15:guide>
+      </p15:sldGuideLst>
+    </p:ext>
+  </p:extLst>
 </p:presentation>
+</file>
+
+<file path=ppt/revisionInfo.xml><?xml version="1.0" encoding="utf-8"?>
+<p1510:revInfo xmlns:a="http://schemas.openxmlformats.org/drawingml/2006/main" xmlns:r="http://schemas.openxmlformats.org/officeDocument/2006/relationships" xmlns:p1510="http://schemas.microsoft.com/office/powerpoint/2015/10/main"/>
 </file>
 
 <file path=ppt/notesMasters/notesMaster1.xml><?xml version="1.0" encoding="utf-8"?>
@@ -192,7 +212,7 @@
           <a:p>
             <a:fld id="{F5CC4B3F-88C1-4FFA-B1B6-F41C21DC6924}" type="datetimeFigureOut">
               <a:rPr lang="en-US" smtClean="0"/>
-              <a:t>11/19/2016</a:t>
+              <a:t>7/11/2017</a:t>
             </a:fld>
             <a:endParaRPr lang="en-US"/>
           </a:p>
@@ -256,38 +276,37 @@
           <a:p>
             <a:pPr lvl="0"/>
             <a:r>
-              <a:rPr lang="en-US" smtClean="0"/>
+              <a:rPr lang="en-US"/>
               <a:t>Click to edit Master text styles</a:t>
             </a:r>
           </a:p>
           <a:p>
             <a:pPr lvl="1"/>
             <a:r>
-              <a:rPr lang="en-US" smtClean="0"/>
+              <a:rPr lang="en-US"/>
               <a:t>Second level</a:t>
             </a:r>
           </a:p>
           <a:p>
             <a:pPr lvl="2"/>
             <a:r>
-              <a:rPr lang="en-US" smtClean="0"/>
+              <a:rPr lang="en-US"/>
               <a:t>Third level</a:t>
             </a:r>
           </a:p>
           <a:p>
             <a:pPr lvl="3"/>
             <a:r>
-              <a:rPr lang="en-US" smtClean="0"/>
+              <a:rPr lang="en-US"/>
               <a:t>Fourth level</a:t>
             </a:r>
           </a:p>
           <a:p>
             <a:pPr lvl="4"/>
             <a:r>
-              <a:rPr lang="en-US" smtClean="0"/>
+              <a:rPr lang="en-US"/>
               <a:t>Fifth level</a:t>
             </a:r>
-            <a:endParaRPr lang="en-US"/>
           </a:p>
         </p:txBody>
       </p:sp>
@@ -498,10 +517,9 @@
           <a:lstStyle/>
           <a:p>
             <a:r>
-              <a:rPr lang="en-US" smtClean="0"/>
+              <a:rPr lang="en-US"/>
               <a:t>Click to edit Master title style</a:t>
             </a:r>
-            <a:endParaRPr lang="en-US"/>
           </a:p>
         </p:txBody>
       </p:sp>
@@ -617,10 +635,9 @@
           </a:lstStyle>
           <a:p>
             <a:r>
-              <a:rPr lang="en-US" smtClean="0"/>
+              <a:rPr lang="en-US"/>
               <a:t>Click to edit Master subtitle style</a:t>
             </a:r>
-            <a:endParaRPr lang="en-US"/>
           </a:p>
         </p:txBody>
       </p:sp>
@@ -641,7 +658,7 @@
           <a:p>
             <a:fld id="{78C97017-6FC3-485B-9764-EAC9E56C1D49}" type="datetimeFigureOut">
               <a:rPr lang="en-US" smtClean="0"/>
-              <a:t>11/19/2016</a:t>
+              <a:t>7/11/2017</a:t>
             </a:fld>
             <a:endParaRPr lang="en-US"/>
           </a:p>
@@ -735,10 +752,9 @@
           <a:lstStyle/>
           <a:p>
             <a:r>
-              <a:rPr lang="en-US" smtClean="0"/>
+              <a:rPr lang="en-US"/>
               <a:t>Click to edit Master title style</a:t>
             </a:r>
-            <a:endParaRPr lang="en-US"/>
           </a:p>
         </p:txBody>
       </p:sp>
@@ -759,38 +775,37 @@
           <a:p>
             <a:pPr lvl="0"/>
             <a:r>
-              <a:rPr lang="en-US" smtClean="0"/>
+              <a:rPr lang="en-US"/>
               <a:t>Click to edit Master text styles</a:t>
             </a:r>
           </a:p>
           <a:p>
             <a:pPr lvl="1"/>
             <a:r>
-              <a:rPr lang="en-US" smtClean="0"/>
+              <a:rPr lang="en-US"/>
               <a:t>Second level</a:t>
             </a:r>
           </a:p>
           <a:p>
             <a:pPr lvl="2"/>
             <a:r>
-              <a:rPr lang="en-US" smtClean="0"/>
+              <a:rPr lang="en-US"/>
               <a:t>Third level</a:t>
             </a:r>
           </a:p>
           <a:p>
             <a:pPr lvl="3"/>
             <a:r>
-              <a:rPr lang="en-US" smtClean="0"/>
+              <a:rPr lang="en-US"/>
               <a:t>Fourth level</a:t>
             </a:r>
           </a:p>
           <a:p>
             <a:pPr lvl="4"/>
             <a:r>
-              <a:rPr lang="en-US" smtClean="0"/>
+              <a:rPr lang="en-US"/>
               <a:t>Fifth level</a:t>
             </a:r>
-            <a:endParaRPr lang="en-US"/>
           </a:p>
         </p:txBody>
       </p:sp>
@@ -811,7 +826,7 @@
           <a:p>
             <a:fld id="{78C97017-6FC3-485B-9764-EAC9E56C1D49}" type="datetimeFigureOut">
               <a:rPr lang="en-US" smtClean="0"/>
-              <a:t>11/19/2016</a:t>
+              <a:t>7/11/2017</a:t>
             </a:fld>
             <a:endParaRPr lang="en-US"/>
           </a:p>
@@ -910,10 +925,9 @@
           <a:lstStyle/>
           <a:p>
             <a:r>
-              <a:rPr lang="en-US" smtClean="0"/>
+              <a:rPr lang="en-US"/>
               <a:t>Click to edit Master title style</a:t>
             </a:r>
-            <a:endParaRPr lang="en-US"/>
           </a:p>
         </p:txBody>
       </p:sp>
@@ -939,38 +953,37 @@
           <a:p>
             <a:pPr lvl="0"/>
             <a:r>
-              <a:rPr lang="en-US" smtClean="0"/>
+              <a:rPr lang="en-US"/>
               <a:t>Click to edit Master text styles</a:t>
             </a:r>
           </a:p>
           <a:p>
             <a:pPr lvl="1"/>
             <a:r>
-              <a:rPr lang="en-US" smtClean="0"/>
+              <a:rPr lang="en-US"/>
               <a:t>Second level</a:t>
             </a:r>
           </a:p>
           <a:p>
             <a:pPr lvl="2"/>
             <a:r>
-              <a:rPr lang="en-US" smtClean="0"/>
+              <a:rPr lang="en-US"/>
               <a:t>Third level</a:t>
             </a:r>
           </a:p>
           <a:p>
             <a:pPr lvl="3"/>
             <a:r>
-              <a:rPr lang="en-US" smtClean="0"/>
+              <a:rPr lang="en-US"/>
               <a:t>Fourth level</a:t>
             </a:r>
           </a:p>
           <a:p>
             <a:pPr lvl="4"/>
             <a:r>
-              <a:rPr lang="en-US" smtClean="0"/>
+              <a:rPr lang="en-US"/>
               <a:t>Fifth level</a:t>
             </a:r>
-            <a:endParaRPr lang="en-US"/>
           </a:p>
         </p:txBody>
       </p:sp>
@@ -991,7 +1004,7 @@
           <a:p>
             <a:fld id="{78C97017-6FC3-485B-9764-EAC9E56C1D49}" type="datetimeFigureOut">
               <a:rPr lang="en-US" smtClean="0"/>
-              <a:t>11/19/2016</a:t>
+              <a:t>7/11/2017</a:t>
             </a:fld>
             <a:endParaRPr lang="en-US"/>
           </a:p>
@@ -1085,10 +1098,9 @@
           <a:lstStyle/>
           <a:p>
             <a:r>
-              <a:rPr lang="en-US" smtClean="0"/>
+              <a:rPr lang="en-US"/>
               <a:t>Click to edit Master title style</a:t>
             </a:r>
-            <a:endParaRPr lang="en-US"/>
           </a:p>
         </p:txBody>
       </p:sp>
@@ -1109,38 +1121,37 @@
           <a:p>
             <a:pPr lvl="0"/>
             <a:r>
-              <a:rPr lang="en-US" smtClean="0"/>
+              <a:rPr lang="en-US"/>
               <a:t>Click to edit Master text styles</a:t>
             </a:r>
           </a:p>
           <a:p>
             <a:pPr lvl="1"/>
             <a:r>
-              <a:rPr lang="en-US" smtClean="0"/>
+              <a:rPr lang="en-US"/>
               <a:t>Second level</a:t>
             </a:r>
           </a:p>
           <a:p>
             <a:pPr lvl="2"/>
             <a:r>
-              <a:rPr lang="en-US" smtClean="0"/>
+              <a:rPr lang="en-US"/>
               <a:t>Third level</a:t>
             </a:r>
           </a:p>
           <a:p>
             <a:pPr lvl="3"/>
             <a:r>
-              <a:rPr lang="en-US" smtClean="0"/>
+              <a:rPr lang="en-US"/>
               <a:t>Fourth level</a:t>
             </a:r>
           </a:p>
           <a:p>
             <a:pPr lvl="4"/>
             <a:r>
-              <a:rPr lang="en-US" smtClean="0"/>
+              <a:rPr lang="en-US"/>
               <a:t>Fifth level</a:t>
             </a:r>
-            <a:endParaRPr lang="en-US"/>
           </a:p>
         </p:txBody>
       </p:sp>
@@ -1161,7 +1172,7 @@
           <a:p>
             <a:fld id="{78C97017-6FC3-485B-9764-EAC9E56C1D49}" type="datetimeFigureOut">
               <a:rPr lang="en-US" smtClean="0"/>
-              <a:t>11/19/2016</a:t>
+              <a:t>7/11/2017</a:t>
             </a:fld>
             <a:endParaRPr lang="en-US"/>
           </a:p>
@@ -1264,10 +1275,9 @@
           </a:lstStyle>
           <a:p>
             <a:r>
-              <a:rPr lang="en-US" smtClean="0"/>
+              <a:rPr lang="en-US"/>
               <a:t>Click to edit Master title style</a:t>
             </a:r>
-            <a:endParaRPr lang="en-US"/>
           </a:p>
         </p:txBody>
       </p:sp>
@@ -1384,7 +1394,7 @@
           <a:p>
             <a:pPr lvl="0"/>
             <a:r>
-              <a:rPr lang="en-US" smtClean="0"/>
+              <a:rPr lang="en-US"/>
               <a:t>Click to edit Master text styles</a:t>
             </a:r>
           </a:p>
@@ -1407,7 +1417,7 @@
           <a:p>
             <a:fld id="{78C97017-6FC3-485B-9764-EAC9E56C1D49}" type="datetimeFigureOut">
               <a:rPr lang="en-US" smtClean="0"/>
-              <a:t>11/19/2016</a:t>
+              <a:t>7/11/2017</a:t>
             </a:fld>
             <a:endParaRPr lang="en-US"/>
           </a:p>
@@ -1501,10 +1511,9 @@
           <a:lstStyle/>
           <a:p>
             <a:r>
-              <a:rPr lang="en-US" smtClean="0"/>
+              <a:rPr lang="en-US"/>
               <a:t>Click to edit Master title style</a:t>
             </a:r>
-            <a:endParaRPr lang="en-US"/>
           </a:p>
         </p:txBody>
       </p:sp>
@@ -1558,38 +1567,37 @@
           <a:p>
             <a:pPr lvl="0"/>
             <a:r>
-              <a:rPr lang="en-US" smtClean="0"/>
+              <a:rPr lang="en-US"/>
               <a:t>Click to edit Master text styles</a:t>
             </a:r>
           </a:p>
           <a:p>
             <a:pPr lvl="1"/>
             <a:r>
-              <a:rPr lang="en-US" smtClean="0"/>
+              <a:rPr lang="en-US"/>
               <a:t>Second level</a:t>
             </a:r>
           </a:p>
           <a:p>
             <a:pPr lvl="2"/>
             <a:r>
-              <a:rPr lang="en-US" smtClean="0"/>
+              <a:rPr lang="en-US"/>
               <a:t>Third level</a:t>
             </a:r>
           </a:p>
           <a:p>
             <a:pPr lvl="3"/>
             <a:r>
-              <a:rPr lang="en-US" smtClean="0"/>
+              <a:rPr lang="en-US"/>
               <a:t>Fourth level</a:t>
             </a:r>
           </a:p>
           <a:p>
             <a:pPr lvl="4"/>
             <a:r>
-              <a:rPr lang="en-US" smtClean="0"/>
+              <a:rPr lang="en-US"/>
               <a:t>Fifth level</a:t>
             </a:r>
-            <a:endParaRPr lang="en-US"/>
           </a:p>
         </p:txBody>
       </p:sp>
@@ -1643,38 +1651,37 @@
           <a:p>
             <a:pPr lvl="0"/>
             <a:r>
-              <a:rPr lang="en-US" smtClean="0"/>
+              <a:rPr lang="en-US"/>
               <a:t>Click to edit Master text styles</a:t>
             </a:r>
           </a:p>
           <a:p>
             <a:pPr lvl="1"/>
             <a:r>
-              <a:rPr lang="en-US" smtClean="0"/>
+              <a:rPr lang="en-US"/>
               <a:t>Second level</a:t>
             </a:r>
           </a:p>
           <a:p>
             <a:pPr lvl="2"/>
             <a:r>
-              <a:rPr lang="en-US" smtClean="0"/>
+              <a:rPr lang="en-US"/>
               <a:t>Third level</a:t>
             </a:r>
           </a:p>
           <a:p>
             <a:pPr lvl="3"/>
             <a:r>
-              <a:rPr lang="en-US" smtClean="0"/>
+              <a:rPr lang="en-US"/>
               <a:t>Fourth level</a:t>
             </a:r>
           </a:p>
           <a:p>
             <a:pPr lvl="4"/>
             <a:r>
-              <a:rPr lang="en-US" smtClean="0"/>
+              <a:rPr lang="en-US"/>
               <a:t>Fifth level</a:t>
             </a:r>
-            <a:endParaRPr lang="en-US"/>
           </a:p>
         </p:txBody>
       </p:sp>
@@ -1695,7 +1702,7 @@
           <a:p>
             <a:fld id="{78C97017-6FC3-485B-9764-EAC9E56C1D49}" type="datetimeFigureOut">
               <a:rPr lang="en-US" smtClean="0"/>
-              <a:t>11/19/2016</a:t>
+              <a:t>7/11/2017</a:t>
             </a:fld>
             <a:endParaRPr lang="en-US"/>
           </a:p>
@@ -1793,10 +1800,9 @@
           </a:lstStyle>
           <a:p>
             <a:r>
-              <a:rPr lang="en-US" smtClean="0"/>
+              <a:rPr lang="en-US"/>
               <a:t>Click to edit Master title style</a:t>
             </a:r>
-            <a:endParaRPr lang="en-US"/>
           </a:p>
         </p:txBody>
       </p:sp>
@@ -1859,7 +1865,7 @@
           <a:p>
             <a:pPr lvl="0"/>
             <a:r>
-              <a:rPr lang="en-US" smtClean="0"/>
+              <a:rPr lang="en-US"/>
               <a:t>Click to edit Master text styles</a:t>
             </a:r>
           </a:p>
@@ -1915,38 +1921,37 @@
           <a:p>
             <a:pPr lvl="0"/>
             <a:r>
-              <a:rPr lang="en-US" smtClean="0"/>
+              <a:rPr lang="en-US"/>
               <a:t>Click to edit Master text styles</a:t>
             </a:r>
           </a:p>
           <a:p>
             <a:pPr lvl="1"/>
             <a:r>
-              <a:rPr lang="en-US" smtClean="0"/>
+              <a:rPr lang="en-US"/>
               <a:t>Second level</a:t>
             </a:r>
           </a:p>
           <a:p>
             <a:pPr lvl="2"/>
             <a:r>
-              <a:rPr lang="en-US" smtClean="0"/>
+              <a:rPr lang="en-US"/>
               <a:t>Third level</a:t>
             </a:r>
           </a:p>
           <a:p>
             <a:pPr lvl="3"/>
             <a:r>
-              <a:rPr lang="en-US" smtClean="0"/>
+              <a:rPr lang="en-US"/>
               <a:t>Fourth level</a:t>
             </a:r>
           </a:p>
           <a:p>
             <a:pPr lvl="4"/>
             <a:r>
-              <a:rPr lang="en-US" smtClean="0"/>
+              <a:rPr lang="en-US"/>
               <a:t>Fifth level</a:t>
             </a:r>
-            <a:endParaRPr lang="en-US"/>
           </a:p>
         </p:txBody>
       </p:sp>
@@ -2009,7 +2014,7 @@
           <a:p>
             <a:pPr lvl="0"/>
             <a:r>
-              <a:rPr lang="en-US" smtClean="0"/>
+              <a:rPr lang="en-US"/>
               <a:t>Click to edit Master text styles</a:t>
             </a:r>
           </a:p>
@@ -2065,38 +2070,37 @@
           <a:p>
             <a:pPr lvl="0"/>
             <a:r>
-              <a:rPr lang="en-US" smtClean="0"/>
+              <a:rPr lang="en-US"/>
               <a:t>Click to edit Master text styles</a:t>
             </a:r>
           </a:p>
           <a:p>
             <a:pPr lvl="1"/>
             <a:r>
-              <a:rPr lang="en-US" smtClean="0"/>
+              <a:rPr lang="en-US"/>
               <a:t>Second level</a:t>
             </a:r>
           </a:p>
           <a:p>
             <a:pPr lvl="2"/>
             <a:r>
-              <a:rPr lang="en-US" smtClean="0"/>
+              <a:rPr lang="en-US"/>
               <a:t>Third level</a:t>
             </a:r>
           </a:p>
           <a:p>
             <a:pPr lvl="3"/>
             <a:r>
-              <a:rPr lang="en-US" smtClean="0"/>
+              <a:rPr lang="en-US"/>
               <a:t>Fourth level</a:t>
             </a:r>
           </a:p>
           <a:p>
             <a:pPr lvl="4"/>
             <a:r>
-              <a:rPr lang="en-US" smtClean="0"/>
+              <a:rPr lang="en-US"/>
               <a:t>Fifth level</a:t>
             </a:r>
-            <a:endParaRPr lang="en-US"/>
           </a:p>
         </p:txBody>
       </p:sp>
@@ -2117,7 +2121,7 @@
           <a:p>
             <a:fld id="{78C97017-6FC3-485B-9764-EAC9E56C1D49}" type="datetimeFigureOut">
               <a:rPr lang="en-US" smtClean="0"/>
-              <a:t>11/19/2016</a:t>
+              <a:t>7/11/2017</a:t>
             </a:fld>
             <a:endParaRPr lang="en-US"/>
           </a:p>
@@ -2211,10 +2215,9 @@
           <a:lstStyle/>
           <a:p>
             <a:r>
-              <a:rPr lang="en-US" smtClean="0"/>
+              <a:rPr lang="en-US"/>
               <a:t>Click to edit Master title style</a:t>
             </a:r>
-            <a:endParaRPr lang="en-US"/>
           </a:p>
         </p:txBody>
       </p:sp>
@@ -2235,7 +2238,7 @@
           <a:p>
             <a:fld id="{78C97017-6FC3-485B-9764-EAC9E56C1D49}" type="datetimeFigureOut">
               <a:rPr lang="en-US" smtClean="0"/>
-              <a:t>11/19/2016</a:t>
+              <a:t>7/11/2017</a:t>
             </a:fld>
             <a:endParaRPr lang="en-US"/>
           </a:p>
@@ -2330,7 +2333,7 @@
           <a:p>
             <a:fld id="{78C97017-6FC3-485B-9764-EAC9E56C1D49}" type="datetimeFigureOut">
               <a:rPr lang="en-US" smtClean="0"/>
-              <a:t>11/19/2016</a:t>
+              <a:t>7/11/2017</a:t>
             </a:fld>
             <a:endParaRPr lang="en-US"/>
           </a:p>
@@ -2433,10 +2436,9 @@
           </a:lstStyle>
           <a:p>
             <a:r>
-              <a:rPr lang="en-US" smtClean="0"/>
+              <a:rPr lang="en-US"/>
               <a:t>Click to edit Master title style</a:t>
             </a:r>
-            <a:endParaRPr lang="en-US"/>
           </a:p>
         </p:txBody>
       </p:sp>
@@ -2490,38 +2492,37 @@
           <a:p>
             <a:pPr lvl="0"/>
             <a:r>
-              <a:rPr lang="en-US" smtClean="0"/>
+              <a:rPr lang="en-US"/>
               <a:t>Click to edit Master text styles</a:t>
             </a:r>
           </a:p>
           <a:p>
             <a:pPr lvl="1"/>
             <a:r>
-              <a:rPr lang="en-US" smtClean="0"/>
+              <a:rPr lang="en-US"/>
               <a:t>Second level</a:t>
             </a:r>
           </a:p>
           <a:p>
             <a:pPr lvl="2"/>
             <a:r>
-              <a:rPr lang="en-US" smtClean="0"/>
+              <a:rPr lang="en-US"/>
               <a:t>Third level</a:t>
             </a:r>
           </a:p>
           <a:p>
             <a:pPr lvl="3"/>
             <a:r>
-              <a:rPr lang="en-US" smtClean="0"/>
+              <a:rPr lang="en-US"/>
               <a:t>Fourth level</a:t>
             </a:r>
           </a:p>
           <a:p>
             <a:pPr lvl="4"/>
             <a:r>
-              <a:rPr lang="en-US" smtClean="0"/>
+              <a:rPr lang="en-US"/>
               <a:t>Fifth level</a:t>
             </a:r>
-            <a:endParaRPr lang="en-US"/>
           </a:p>
         </p:txBody>
       </p:sp>
@@ -2584,7 +2585,7 @@
           <a:p>
             <a:pPr lvl="0"/>
             <a:r>
-              <a:rPr lang="en-US" smtClean="0"/>
+              <a:rPr lang="en-US"/>
               <a:t>Click to edit Master text styles</a:t>
             </a:r>
           </a:p>
@@ -2607,7 +2608,7 @@
           <a:p>
             <a:fld id="{78C97017-6FC3-485B-9764-EAC9E56C1D49}" type="datetimeFigureOut">
               <a:rPr lang="en-US" smtClean="0"/>
-              <a:t>11/19/2016</a:t>
+              <a:t>7/11/2017</a:t>
             </a:fld>
             <a:endParaRPr lang="en-US"/>
           </a:p>
@@ -2710,10 +2711,9 @@
           </a:lstStyle>
           <a:p>
             <a:r>
-              <a:rPr lang="en-US" smtClean="0"/>
+              <a:rPr lang="en-US"/>
               <a:t>Click to edit Master title style</a:t>
             </a:r>
-            <a:endParaRPr lang="en-US"/>
           </a:p>
         </p:txBody>
       </p:sp>
@@ -2837,7 +2837,7 @@
           <a:p>
             <a:pPr lvl="0"/>
             <a:r>
-              <a:rPr lang="en-US" smtClean="0"/>
+              <a:rPr lang="en-US"/>
               <a:t>Click to edit Master text styles</a:t>
             </a:r>
           </a:p>
@@ -2860,7 +2860,7 @@
           <a:p>
             <a:fld id="{78C97017-6FC3-485B-9764-EAC9E56C1D49}" type="datetimeFigureOut">
               <a:rPr lang="en-US" smtClean="0"/>
-              <a:t>11/19/2016</a:t>
+              <a:t>7/11/2017</a:t>
             </a:fld>
             <a:endParaRPr lang="en-US"/>
           </a:p>
@@ -2969,10 +2969,9 @@
           <a:lstStyle/>
           <a:p>
             <a:r>
-              <a:rPr lang="en-US" smtClean="0"/>
+              <a:rPr lang="en-US"/>
               <a:t>Click to edit Master title style</a:t>
             </a:r>
-            <a:endParaRPr lang="en-US"/>
           </a:p>
         </p:txBody>
       </p:sp>
@@ -3003,38 +3002,37 @@
           <a:p>
             <a:pPr lvl="0"/>
             <a:r>
-              <a:rPr lang="en-US" smtClean="0"/>
+              <a:rPr lang="en-US"/>
               <a:t>Click to edit Master text styles</a:t>
             </a:r>
           </a:p>
           <a:p>
             <a:pPr lvl="1"/>
             <a:r>
-              <a:rPr lang="en-US" smtClean="0"/>
+              <a:rPr lang="en-US"/>
               <a:t>Second level</a:t>
             </a:r>
           </a:p>
           <a:p>
             <a:pPr lvl="2"/>
             <a:r>
-              <a:rPr lang="en-US" smtClean="0"/>
+              <a:rPr lang="en-US"/>
               <a:t>Third level</a:t>
             </a:r>
           </a:p>
           <a:p>
             <a:pPr lvl="3"/>
             <a:r>
-              <a:rPr lang="en-US" smtClean="0"/>
+              <a:rPr lang="en-US"/>
               <a:t>Fourth level</a:t>
             </a:r>
           </a:p>
           <a:p>
             <a:pPr lvl="4"/>
             <a:r>
-              <a:rPr lang="en-US" smtClean="0"/>
+              <a:rPr lang="en-US"/>
               <a:t>Fifth level</a:t>
             </a:r>
-            <a:endParaRPr lang="en-US"/>
           </a:p>
         </p:txBody>
       </p:sp>
@@ -3073,7 +3071,7 @@
           <a:p>
             <a:fld id="{78C97017-6FC3-485B-9764-EAC9E56C1D49}" type="datetimeFigureOut">
               <a:rPr lang="en-US" smtClean="0"/>
-              <a:t>11/19/2016</a:t>
+              <a:t>7/11/2017</a:t>
             </a:fld>
             <a:endParaRPr lang="en-US"/>
           </a:p>
@@ -3456,8 +3454,8 @@
         </p:nvSpPr>
         <p:spPr>
           <a:xfrm>
-            <a:off x="1119865" y="1727200"/>
-            <a:ext cx="7490735" cy="2997200"/>
+            <a:off x="609600" y="1752600"/>
+            <a:ext cx="7871735" cy="2997200"/>
           </a:xfrm>
           <a:prstGeom prst="roundRect">
             <a:avLst>
@@ -3494,7 +3492,7 @@
           <a:lstStyle/>
           <a:p>
             <a:r>
-              <a:rPr lang="en-US" sz="1200" b="1" dirty="0" smtClean="0">
+              <a:rPr lang="en-US" sz="1200" b="1" dirty="0">
                 <a:solidFill>
                   <a:srgbClr val="7030A0"/>
                 </a:solidFill>
@@ -3517,7 +3515,7 @@
         </p:nvSpPr>
         <p:spPr>
           <a:xfrm>
-            <a:off x="2877180" y="3158440"/>
+            <a:off x="2366915" y="3183840"/>
             <a:ext cx="1093635" cy="346760"/>
           </a:xfrm>
           <a:prstGeom prst="rect">
@@ -3553,7 +3551,7 @@
           <a:p>
             <a:pPr algn="ctr"/>
             <a:r>
-              <a:rPr lang="en-US" sz="1050" dirty="0" err="1" smtClean="0">
+              <a:rPr lang="en-US" sz="1050" dirty="0" err="1">
                 <a:solidFill>
                   <a:schemeClr val="bg1"/>
                 </a:solidFill>
@@ -3576,7 +3574,7 @@
         </p:nvSpPr>
         <p:spPr>
           <a:xfrm rot="16200000">
-            <a:off x="1683963" y="2868687"/>
+            <a:off x="1173698" y="2894087"/>
             <a:ext cx="1093635" cy="346760"/>
           </a:xfrm>
           <a:prstGeom prst="rect">
@@ -3612,7 +3610,7 @@
           <a:p>
             <a:pPr algn="ctr"/>
             <a:r>
-              <a:rPr lang="en-US" sz="1050" dirty="0" err="1" smtClean="0">
+              <a:rPr lang="en-US" sz="1050" dirty="0" err="1">
                 <a:solidFill>
                   <a:schemeClr val="bg1"/>
                 </a:solidFill>
@@ -3637,7 +3635,7 @@
         </p:nvCxnSpPr>
         <p:spPr>
           <a:xfrm flipV="1">
-            <a:off x="6477000" y="3194131"/>
+            <a:off x="5966735" y="3219531"/>
             <a:ext cx="95385" cy="416514"/>
           </a:xfrm>
           <a:prstGeom prst="bentConnector2">
@@ -3678,7 +3676,7 @@
         </p:nvCxnSpPr>
         <p:spPr>
           <a:xfrm rot="5400000" flipH="1" flipV="1">
-            <a:off x="4360065" y="1080909"/>
+            <a:off x="3849800" y="1106309"/>
             <a:ext cx="378691" cy="4637261"/>
           </a:xfrm>
           <a:prstGeom prst="bentConnector4">
@@ -3720,7 +3718,7 @@
         </p:nvSpPr>
         <p:spPr>
           <a:xfrm rot="16200000">
-            <a:off x="956202" y="2861202"/>
+            <a:off x="445937" y="2886602"/>
             <a:ext cx="1093635" cy="346760"/>
           </a:xfrm>
           <a:prstGeom prst="rect">
@@ -3767,7 +3765,7 @@
           <a:p>
             <a:pPr algn="ctr"/>
             <a:r>
-              <a:rPr lang="en-US" sz="1050" dirty="0" smtClean="0">
+              <a:rPr lang="en-US" sz="1050" dirty="0">
                 <a:solidFill>
                   <a:schemeClr val="bg1"/>
                 </a:solidFill>
@@ -3790,7 +3788,7 @@
         </p:nvSpPr>
         <p:spPr>
           <a:xfrm rot="16200000">
-            <a:off x="1626910" y="2952291"/>
+            <a:off x="1116645" y="2977691"/>
             <a:ext cx="270504" cy="175523"/>
           </a:xfrm>
           <a:prstGeom prst="triangle">
@@ -3840,7 +3838,7 @@
         </p:nvCxnSpPr>
         <p:spPr>
           <a:xfrm>
-            <a:off x="2656370" y="3326536"/>
+            <a:off x="2146105" y="3351936"/>
             <a:ext cx="220810" cy="5284"/>
           </a:xfrm>
           <a:prstGeom prst="straightConnector1">
@@ -3878,7 +3876,7 @@
         </p:nvSpPr>
         <p:spPr>
           <a:xfrm rot="5400000" flipV="1">
-            <a:off x="6253986" y="3522883"/>
+            <a:off x="5743721" y="3548283"/>
             <a:ext cx="270504" cy="175523"/>
           </a:xfrm>
           <a:prstGeom prst="triangle">
@@ -3929,7 +3927,7 @@
         </p:nvCxnSpPr>
         <p:spPr>
           <a:xfrm>
-            <a:off x="910091" y="3040053"/>
+            <a:off x="399826" y="3065453"/>
             <a:ext cx="419548" cy="2860"/>
           </a:xfrm>
           <a:prstGeom prst="bentConnector3">
@@ -3974,7 +3972,7 @@
         </p:nvCxnSpPr>
         <p:spPr>
           <a:xfrm flipV="1">
-            <a:off x="1849924" y="3040052"/>
+            <a:off x="1339659" y="3065452"/>
             <a:ext cx="216105" cy="1"/>
           </a:xfrm>
           <a:prstGeom prst="line">
@@ -4013,7 +4011,7 @@
         </p:nvSpPr>
         <p:spPr>
           <a:xfrm>
-            <a:off x="2420322" y="3239846"/>
+            <a:off x="1910057" y="3265246"/>
             <a:ext cx="236048" cy="173380"/>
           </a:xfrm>
           <a:prstGeom prst="flowChartDecision">
@@ -4058,7 +4056,7 @@
         </p:nvSpPr>
         <p:spPr>
           <a:xfrm>
-            <a:off x="2879490" y="2627420"/>
+            <a:off x="2369225" y="2652820"/>
             <a:ext cx="1093635" cy="346760"/>
           </a:xfrm>
           <a:prstGeom prst="rect">
@@ -4091,12 +4089,12 @@
           <a:p>
             <a:pPr algn="ctr"/>
             <a:r>
-              <a:rPr lang="en-US" sz="1050" dirty="0" err="1" smtClean="0">
+              <a:rPr lang="en-US" sz="1050" dirty="0" err="1">
                 <a:solidFill>
                   <a:srgbClr val="7030A0"/>
                 </a:solidFill>
               </a:rPr>
-              <a:t>AddressBook</a:t>
+              <a:t>TaskManager</a:t>
             </a:r>
             <a:endParaRPr lang="en-SG" sz="1050" dirty="0">
               <a:solidFill>
@@ -4117,7 +4115,7 @@
         </p:nvCxnSpPr>
         <p:spPr>
           <a:xfrm>
-            <a:off x="2658680" y="2795516"/>
+            <a:off x="2148415" y="2820916"/>
             <a:ext cx="220810" cy="5284"/>
           </a:xfrm>
           <a:prstGeom prst="straightConnector1">
@@ -4155,7 +4153,7 @@
         </p:nvSpPr>
         <p:spPr>
           <a:xfrm>
-            <a:off x="2422632" y="2708826"/>
+            <a:off x="1912367" y="2734226"/>
             <a:ext cx="236048" cy="173380"/>
           </a:xfrm>
           <a:prstGeom prst="flowChartDecision">
@@ -4200,7 +4198,7 @@
         </p:nvSpPr>
         <p:spPr>
           <a:xfrm>
-            <a:off x="4487017" y="2847371"/>
+            <a:off x="3976752" y="2872771"/>
             <a:ext cx="1156969" cy="346760"/>
           </a:xfrm>
           <a:prstGeom prst="rect">
@@ -4233,12 +4231,12 @@
           <a:p>
             <a:pPr algn="ctr"/>
             <a:r>
-              <a:rPr lang="en-US" sz="1050" dirty="0" err="1" smtClean="0">
+              <a:rPr lang="en-US" sz="1050" dirty="0" err="1">
                 <a:solidFill>
                   <a:srgbClr val="7030A0"/>
                 </a:solidFill>
               </a:rPr>
-              <a:t>UniquePersonList</a:t>
+              <a:t>UniqueTaskList</a:t>
             </a:r>
             <a:endParaRPr lang="en-SG" sz="1050" dirty="0">
               <a:solidFill>
@@ -4256,7 +4254,7 @@
         </p:nvSpPr>
         <p:spPr>
           <a:xfrm>
-            <a:off x="3984303" y="2673991"/>
+            <a:off x="3474038" y="2699391"/>
             <a:ext cx="236048" cy="173380"/>
           </a:xfrm>
           <a:prstGeom prst="flowChartDecision">
@@ -4306,7 +4304,7 @@
         </p:nvCxnSpPr>
         <p:spPr>
           <a:xfrm>
-            <a:off x="4220351" y="2760681"/>
+            <a:off x="3710086" y="2786081"/>
             <a:ext cx="266666" cy="260070"/>
           </a:xfrm>
           <a:prstGeom prst="bentConnector3">
@@ -4344,7 +4342,7 @@
         </p:nvSpPr>
         <p:spPr>
           <a:xfrm>
-            <a:off x="4477328" y="2280569"/>
+            <a:off x="3967063" y="2305969"/>
             <a:ext cx="1156969" cy="346760"/>
           </a:xfrm>
           <a:prstGeom prst="rect">
@@ -4372,19 +4370,19 @@
           </a:fontRef>
         </p:style>
         <p:txBody>
-          <a:bodyPr rtlCol="0" anchor="ctr"/>
+          <a:bodyPr lIns="72000" rIns="72000" rtlCol="0" anchor="ctr"/>
           <a:lstStyle/>
           <a:p>
             <a:pPr algn="ctr"/>
             <a:r>
-              <a:rPr lang="en-US" sz="1050" dirty="0" err="1" smtClean="0">
+              <a:rPr lang="en-US" sz="1000" dirty="0" err="1">
                 <a:solidFill>
                   <a:srgbClr val="7030A0"/>
                 </a:solidFill>
               </a:rPr>
               <a:t>UniqueTagList</a:t>
             </a:r>
-            <a:endParaRPr lang="en-SG" sz="1050" dirty="0">
+            <a:endParaRPr lang="en-SG" sz="1000" dirty="0">
               <a:solidFill>
                 <a:srgbClr val="7030A0"/>
               </a:solidFill>
@@ -4403,7 +4401,7 @@
         </p:nvCxnSpPr>
         <p:spPr>
           <a:xfrm flipV="1">
-            <a:off x="4220351" y="2453949"/>
+            <a:off x="3710086" y="2479349"/>
             <a:ext cx="256977" cy="306732"/>
           </a:xfrm>
           <a:prstGeom prst="bentConnector3">
@@ -4443,7 +4441,7 @@
         </p:nvSpPr>
         <p:spPr>
           <a:xfrm>
-            <a:off x="6313677" y="2858066"/>
+            <a:off x="5803412" y="2883466"/>
             <a:ext cx="708186" cy="346760"/>
           </a:xfrm>
           <a:prstGeom prst="rect">
@@ -4476,12 +4474,12 @@
           <a:p>
             <a:pPr algn="ctr"/>
             <a:r>
-              <a:rPr lang="en-US" sz="1050" dirty="0" smtClean="0">
+              <a:rPr lang="en-US" sz="1050" dirty="0" err="1">
                 <a:solidFill>
                   <a:srgbClr val="7030A0"/>
                 </a:solidFill>
               </a:rPr>
-              <a:t>Person</a:t>
+              <a:t>BasicTask</a:t>
             </a:r>
             <a:endParaRPr lang="en-SG" sz="1050" dirty="0">
               <a:solidFill>
@@ -4499,7 +4497,7 @@
         </p:nvSpPr>
         <p:spPr>
           <a:xfrm>
-            <a:off x="5643227" y="2943979"/>
+            <a:off x="5132962" y="2969379"/>
             <a:ext cx="236048" cy="173380"/>
           </a:xfrm>
           <a:prstGeom prst="flowChartDecision">
@@ -4547,7 +4545,7 @@
         </p:nvCxnSpPr>
         <p:spPr>
           <a:xfrm>
-            <a:off x="5879275" y="3030669"/>
+            <a:off x="5369010" y="3056069"/>
             <a:ext cx="434402" cy="777"/>
           </a:xfrm>
           <a:prstGeom prst="bentConnector3">
@@ -4585,8 +4583,8 @@
         </p:nvSpPr>
         <p:spPr>
           <a:xfrm>
-            <a:off x="5336105" y="1809332"/>
-            <a:ext cx="483700" cy="346760"/>
+            <a:off x="4825840" y="1834732"/>
+            <a:ext cx="683695" cy="346760"/>
           </a:xfrm>
           <a:prstGeom prst="rect">
             <a:avLst/>
@@ -4618,7 +4616,7 @@
           <a:p>
             <a:pPr algn="ctr"/>
             <a:r>
-              <a:rPr lang="en-US" sz="1050" dirty="0" smtClean="0">
+              <a:rPr lang="en-US" sz="1050" dirty="0">
                 <a:solidFill>
                   <a:srgbClr val="7030A0"/>
                 </a:solidFill>
@@ -4641,7 +4639,7 @@
         </p:nvSpPr>
         <p:spPr>
           <a:xfrm rot="16200000">
-            <a:off x="4921666" y="2066540"/>
+            <a:off x="4411401" y="2091940"/>
             <a:ext cx="236048" cy="173380"/>
           </a:xfrm>
           <a:prstGeom prst="flowChartDecision">
@@ -4689,7 +4687,7 @@
         </p:nvCxnSpPr>
         <p:spPr>
           <a:xfrm rot="5400000" flipH="1" flipV="1">
-            <a:off x="5161650" y="1860752"/>
+            <a:off x="4651385" y="1886152"/>
             <a:ext cx="52494" cy="296415"/>
           </a:xfrm>
           <a:prstGeom prst="bentConnector2">
@@ -4727,8 +4725,8 @@
         </p:nvSpPr>
         <p:spPr>
           <a:xfrm>
-            <a:off x="5128257" y="3429000"/>
-            <a:ext cx="1156969" cy="346760"/>
+            <a:off x="4529424" y="3454400"/>
+            <a:ext cx="1245537" cy="346760"/>
           </a:xfrm>
           <a:prstGeom prst="rect">
             <a:avLst/>
@@ -4760,7 +4758,7 @@
           <a:p>
             <a:pPr algn="ctr"/>
             <a:r>
-              <a:rPr lang="en-US" sz="1050" dirty="0" smtClean="0">
+              <a:rPr lang="en-US" sz="1050" dirty="0">
                 <a:solidFill>
                   <a:srgbClr val="7030A0"/>
                 </a:solidFill>
@@ -4768,19 +4766,19 @@
               <a:t>&lt;&lt;interface&gt;&gt;</a:t>
             </a:r>
             <a:br>
-              <a:rPr lang="en-US" sz="1050" dirty="0" smtClean="0">
+              <a:rPr lang="en-US" sz="1050" dirty="0">
                 <a:solidFill>
                   <a:srgbClr val="7030A0"/>
                 </a:solidFill>
               </a:rPr>
             </a:br>
             <a:r>
-              <a:rPr lang="en-US" sz="1050" dirty="0" err="1" smtClean="0">
+              <a:rPr lang="en-US" sz="1050" dirty="0" err="1">
                 <a:solidFill>
                   <a:srgbClr val="7030A0"/>
                 </a:solidFill>
               </a:rPr>
-              <a:t>ReadOnlyPerson</a:t>
+              <a:t>BasicTaskFeatures</a:t>
             </a:r>
             <a:endParaRPr lang="en-SG" sz="1050" dirty="0">
               <a:solidFill>
@@ -4798,8 +4796,8 @@
         </p:nvSpPr>
         <p:spPr>
           <a:xfrm>
-            <a:off x="7712397" y="2564238"/>
-            <a:ext cx="708186" cy="285783"/>
+            <a:off x="7202131" y="2589638"/>
+            <a:ext cx="951269" cy="285783"/>
           </a:xfrm>
           <a:prstGeom prst="rect">
             <a:avLst/>
@@ -4826,17 +4824,17 @@
           </a:fontRef>
         </p:style>
         <p:txBody>
-          <a:bodyPr rtlCol="0" anchor="ctr"/>
+          <a:bodyPr lIns="72000" rIns="72000" rtlCol="0" anchor="ctr"/>
           <a:lstStyle/>
           <a:p>
             <a:pPr algn="ctr"/>
             <a:r>
-              <a:rPr lang="en-US" sz="1050" dirty="0" smtClean="0">
+              <a:rPr lang="en-US" sz="1050" dirty="0" err="1">
                 <a:solidFill>
                   <a:srgbClr val="7030A0"/>
                 </a:solidFill>
               </a:rPr>
-              <a:t>Name</a:t>
+              <a:t>startDateTime</a:t>
             </a:r>
             <a:endParaRPr lang="en-SG" sz="1050" dirty="0">
               <a:solidFill>
@@ -4854,7 +4852,7 @@
         </p:nvSpPr>
         <p:spPr>
           <a:xfrm>
-            <a:off x="7041947" y="2948201"/>
+            <a:off x="6531682" y="2973601"/>
             <a:ext cx="236048" cy="173380"/>
           </a:xfrm>
           <a:prstGeom prst="flowChartDecision">
@@ -4897,6 +4895,7 @@
         <p:nvCxnSpPr>
           <p:cNvPr id="79" name="Elbow Connector 78"/>
           <p:cNvCxnSpPr>
+            <a:cxnSpLocks/>
             <a:stCxn id="78" idx="3"/>
             <a:endCxn id="76" idx="1"/>
           </p:cNvCxnSpPr>
@@ -4904,8 +4903,8 @@
         </p:nvCxnSpPr>
         <p:spPr>
           <a:xfrm flipV="1">
-            <a:off x="7277995" y="2707130"/>
-            <a:ext cx="434402" cy="327761"/>
+            <a:off x="6767730" y="2732530"/>
+            <a:ext cx="434401" cy="327761"/>
           </a:xfrm>
           <a:prstGeom prst="bentConnector3">
             <a:avLst/>
@@ -4942,8 +4941,8 @@
         </p:nvSpPr>
         <p:spPr>
           <a:xfrm>
-            <a:off x="7712397" y="2887216"/>
-            <a:ext cx="708186" cy="285783"/>
+            <a:off x="7202131" y="2912616"/>
+            <a:ext cx="951267" cy="285783"/>
           </a:xfrm>
           <a:prstGeom prst="rect">
             <a:avLst/>
@@ -4970,17 +4969,17 @@
           </a:fontRef>
         </p:style>
         <p:txBody>
-          <a:bodyPr rtlCol="0" anchor="ctr"/>
+          <a:bodyPr lIns="72000" rIns="72000" rtlCol="0" anchor="ctr"/>
           <a:lstStyle/>
           <a:p>
             <a:pPr algn="ctr"/>
             <a:r>
-              <a:rPr lang="en-US" sz="1050" dirty="0" smtClean="0">
+              <a:rPr lang="en-US" sz="1050" dirty="0" err="1">
                 <a:solidFill>
                   <a:srgbClr val="7030A0"/>
                 </a:solidFill>
               </a:rPr>
-              <a:t>Phone</a:t>
+              <a:t>endDateTime</a:t>
             </a:r>
             <a:endParaRPr lang="en-SG" sz="1050" dirty="0">
               <a:solidFill>
@@ -4994,6 +4993,7 @@
         <p:nvCxnSpPr>
           <p:cNvPr id="81" name="Elbow Connector 80"/>
           <p:cNvCxnSpPr>
+            <a:cxnSpLocks/>
             <a:stCxn id="78" idx="3"/>
             <a:endCxn id="80" idx="1"/>
           </p:cNvCxnSpPr>
@@ -5001,8 +5001,8 @@
         </p:nvCxnSpPr>
         <p:spPr>
           <a:xfrm flipV="1">
-            <a:off x="7277995" y="3030108"/>
-            <a:ext cx="434402" cy="4783"/>
+            <a:off x="6767730" y="3055508"/>
+            <a:ext cx="434401" cy="4783"/>
           </a:xfrm>
           <a:prstGeom prst="bentConnector3">
             <a:avLst/>
@@ -5039,8 +5039,8 @@
         </p:nvSpPr>
         <p:spPr>
           <a:xfrm>
-            <a:off x="7712397" y="3210194"/>
-            <a:ext cx="708186" cy="285783"/>
+            <a:off x="7202132" y="3235594"/>
+            <a:ext cx="951264" cy="285783"/>
           </a:xfrm>
           <a:prstGeom prst="rect">
             <a:avLst/>
@@ -5072,12 +5072,12 @@
           <a:p>
             <a:pPr algn="ctr"/>
             <a:r>
-              <a:rPr lang="en-US" sz="1050" dirty="0" smtClean="0">
+              <a:rPr lang="en-SG" sz="1050">
                 <a:solidFill>
                   <a:srgbClr val="7030A0"/>
                 </a:solidFill>
               </a:rPr>
-              <a:t>Email</a:t>
+              <a:t>taskType</a:t>
             </a:r>
             <a:endParaRPr lang="en-SG" sz="1050" dirty="0">
               <a:solidFill>
@@ -5091,6 +5091,7 @@
         <p:nvCxnSpPr>
           <p:cNvPr id="84" name="Elbow Connector 83"/>
           <p:cNvCxnSpPr>
+            <a:cxnSpLocks/>
             <a:stCxn id="78" idx="3"/>
             <a:endCxn id="83" idx="1"/>
           </p:cNvCxnSpPr>
@@ -5098,7 +5099,7 @@
         </p:nvCxnSpPr>
         <p:spPr>
           <a:xfrm>
-            <a:off x="7277995" y="3034891"/>
+            <a:off x="6767730" y="3060291"/>
             <a:ext cx="434402" cy="318195"/>
           </a:xfrm>
           <a:prstGeom prst="bentConnector3">
@@ -5136,8 +5137,8 @@
         </p:nvSpPr>
         <p:spPr>
           <a:xfrm>
-            <a:off x="7712397" y="3533171"/>
-            <a:ext cx="708186" cy="285783"/>
+            <a:off x="7202131" y="3558571"/>
+            <a:ext cx="951265" cy="285783"/>
           </a:xfrm>
           <a:prstGeom prst="rect">
             <a:avLst/>
@@ -5169,12 +5170,12 @@
           <a:p>
             <a:pPr algn="ctr"/>
             <a:r>
-              <a:rPr lang="en-US" sz="1050" dirty="0" smtClean="0">
+              <a:rPr lang="en-US" sz="1050" dirty="0" err="1">
                 <a:solidFill>
                   <a:srgbClr val="7030A0"/>
                 </a:solidFill>
               </a:rPr>
-              <a:t>Address</a:t>
+              <a:t>isCompleted</a:t>
             </a:r>
             <a:endParaRPr lang="en-SG" sz="1050" dirty="0">
               <a:solidFill>
@@ -5188,6 +5189,7 @@
         <p:nvCxnSpPr>
           <p:cNvPr id="86" name="Elbow Connector 85"/>
           <p:cNvCxnSpPr>
+            <a:cxnSpLocks/>
             <a:stCxn id="78" idx="3"/>
             <a:endCxn id="85" idx="1"/>
           </p:cNvCxnSpPr>
@@ -5195,8 +5197,8 @@
         </p:nvCxnSpPr>
         <p:spPr>
           <a:xfrm>
-            <a:off x="7277995" y="3034891"/>
-            <a:ext cx="434402" cy="641172"/>
+            <a:off x="6767730" y="3060291"/>
+            <a:ext cx="434401" cy="641172"/>
           </a:xfrm>
           <a:prstGeom prst="bentConnector3">
             <a:avLst/>
@@ -5235,7 +5237,7 @@
         </p:nvCxnSpPr>
         <p:spPr>
           <a:xfrm rot="16200000" flipH="1">
-            <a:off x="3279321" y="2485431"/>
+            <a:off x="2769056" y="2510831"/>
             <a:ext cx="293825" cy="1"/>
           </a:xfrm>
           <a:prstGeom prst="bentConnector3">
@@ -5276,7 +5278,7 @@
         </p:nvSpPr>
         <p:spPr>
           <a:xfrm rot="10800000" flipV="1">
-            <a:off x="3290981" y="2162997"/>
+            <a:off x="2780716" y="2188397"/>
             <a:ext cx="270504" cy="175523"/>
           </a:xfrm>
           <a:prstGeom prst="triangle">
@@ -5324,7 +5326,7 @@
         </p:nvSpPr>
         <p:spPr>
           <a:xfrm>
-            <a:off x="2660303" y="1806470"/>
+            <a:off x="2150038" y="1831870"/>
             <a:ext cx="1539926" cy="346760"/>
           </a:xfrm>
           <a:prstGeom prst="rect">
@@ -5357,7 +5359,7 @@
           <a:p>
             <a:pPr algn="ctr"/>
             <a:r>
-              <a:rPr lang="en-US" sz="1050" dirty="0" smtClean="0">
+              <a:rPr lang="en-US" sz="1050" dirty="0">
                 <a:solidFill>
                   <a:srgbClr val="7030A0"/>
                 </a:solidFill>
@@ -5365,19 +5367,19 @@
               <a:t>&lt;&lt;interface&gt;&gt;</a:t>
             </a:r>
             <a:br>
-              <a:rPr lang="en-US" sz="1050" dirty="0" smtClean="0">
+              <a:rPr lang="en-US" sz="1050" dirty="0">
                 <a:solidFill>
                   <a:srgbClr val="7030A0"/>
                 </a:solidFill>
               </a:rPr>
             </a:br>
             <a:r>
-              <a:rPr lang="en-US" sz="1050" dirty="0" err="1" smtClean="0">
+              <a:rPr lang="en-US" sz="1050" dirty="0" err="1">
                 <a:solidFill>
                   <a:srgbClr val="7030A0"/>
                 </a:solidFill>
               </a:rPr>
-              <a:t>ReadOnlyAddressBook</a:t>
+              <a:t>ReadOnlyTaskManager</a:t>
             </a:r>
             <a:endParaRPr lang="en-SG" sz="1050" dirty="0">
               <a:solidFill>
@@ -5395,7 +5397,7 @@
         </p:nvSpPr>
         <p:spPr>
           <a:xfrm rot="16200000">
-            <a:off x="6527512" y="3586305"/>
+            <a:off x="6017247" y="3611705"/>
             <a:ext cx="881018" cy="261610"/>
           </a:xfrm>
           <a:prstGeom prst="rect">
@@ -5411,7 +5413,7 @@
           <a:p>
             <a:pPr algn="r"/>
             <a:r>
-              <a:rPr lang="en-US" sz="1100" dirty="0" smtClean="0">
+              <a:rPr lang="en-US" sz="1100" dirty="0">
                 <a:solidFill>
                   <a:srgbClr val="7030A0"/>
                 </a:solidFill>
@@ -5434,7 +5436,7 @@
         </p:nvSpPr>
         <p:spPr>
           <a:xfrm>
-            <a:off x="2057400" y="4239491"/>
+            <a:off x="1547135" y="4264891"/>
             <a:ext cx="1775949" cy="346760"/>
           </a:xfrm>
           <a:prstGeom prst="rect">
@@ -5467,20 +5469,12 @@
           <a:p>
             <a:pPr algn="ctr"/>
             <a:r>
-              <a:rPr lang="en-US" sz="1050" dirty="0" smtClean="0">
+              <a:rPr lang="en-US" sz="1050" dirty="0">
                 <a:solidFill>
                   <a:srgbClr val="7030A0"/>
                 </a:solidFill>
               </a:rPr>
               <a:t>&lt;&lt;interface&gt;&gt;</a:t>
-            </a:r>
-            <a:r>
-              <a:rPr lang="en-US" sz="1050" dirty="0">
-                <a:solidFill>
-                  <a:srgbClr val="7030A0"/>
-                </a:solidFill>
-              </a:rPr>
-              <a:t/>
             </a:r>
             <a:br>
               <a:rPr lang="en-US" sz="1050" dirty="0">
@@ -5490,7 +5484,7 @@
               </a:rPr>
             </a:br>
             <a:r>
-              <a:rPr lang="en-US" sz="1050" dirty="0" err="1" smtClean="0">
+              <a:rPr lang="en-US" sz="1050" dirty="0" err="1">
                 <a:solidFill>
                   <a:srgbClr val="7030A0"/>
                 </a:solidFill>
@@ -5516,7 +5510,7 @@
         </p:nvCxnSpPr>
         <p:spPr>
           <a:xfrm rot="16200000" flipH="1">
-            <a:off x="1364475" y="3719945"/>
+            <a:off x="854210" y="3745345"/>
             <a:ext cx="831471" cy="554380"/>
           </a:xfrm>
           <a:prstGeom prst="bentConnector2">
@@ -5558,7 +5552,7 @@
         </p:nvCxnSpPr>
         <p:spPr>
           <a:xfrm rot="16200000" flipV="1">
-            <a:off x="5948976" y="2139271"/>
+            <a:off x="5438711" y="2164671"/>
             <a:ext cx="404117" cy="1033473"/>
           </a:xfrm>
           <a:prstGeom prst="bentConnector2">
@@ -5596,7 +5590,7 @@
         </p:nvSpPr>
         <p:spPr>
           <a:xfrm>
-            <a:off x="4324972" y="2191228"/>
+            <a:off x="3814707" y="2216628"/>
             <a:ext cx="189257" cy="178683"/>
           </a:xfrm>
           <a:prstGeom prst="rect">
@@ -5612,7 +5606,7 @@
           <a:p>
             <a:pPr algn="ctr"/>
             <a:r>
-              <a:rPr lang="en-US" sz="1100" dirty="0" smtClean="0">
+              <a:rPr lang="en-US" sz="1100" dirty="0">
                 <a:solidFill>
                   <a:srgbClr val="7030A0"/>
                 </a:solidFill>
@@ -5635,7 +5629,7 @@
         </p:nvSpPr>
         <p:spPr>
           <a:xfrm>
-            <a:off x="4324972" y="3058864"/>
+            <a:off x="3814707" y="3084264"/>
             <a:ext cx="189257" cy="178683"/>
           </a:xfrm>
           <a:prstGeom prst="rect">
@@ -5651,7 +5645,7 @@
           <a:p>
             <a:pPr algn="ctr"/>
             <a:r>
-              <a:rPr lang="en-US" sz="1100" dirty="0" smtClean="0">
+              <a:rPr lang="en-US" sz="1100" dirty="0">
                 <a:solidFill>
                   <a:srgbClr val="7030A0"/>
                 </a:solidFill>
@@ -5674,7 +5668,7 @@
         </p:nvSpPr>
         <p:spPr>
           <a:xfrm>
-            <a:off x="5689761" y="2495413"/>
+            <a:off x="5179496" y="2520813"/>
             <a:ext cx="189257" cy="178683"/>
           </a:xfrm>
           <a:prstGeom prst="rect">
@@ -5690,7 +5684,7 @@
           <a:p>
             <a:pPr algn="ctr"/>
             <a:r>
-              <a:rPr lang="en-US" sz="1100" dirty="0" smtClean="0">
+              <a:rPr lang="en-US" sz="1100" dirty="0">
                 <a:solidFill>
                   <a:srgbClr val="7030A0"/>
                 </a:solidFill>
@@ -5713,7 +5707,7 @@
         </p:nvSpPr>
         <p:spPr>
           <a:xfrm>
-            <a:off x="5163172" y="1778919"/>
+            <a:off x="4652907" y="1804319"/>
             <a:ext cx="189257" cy="178683"/>
           </a:xfrm>
           <a:prstGeom prst="rect">
@@ -5729,7 +5723,7 @@
           <a:p>
             <a:pPr algn="ctr"/>
             <a:r>
-              <a:rPr lang="en-US" sz="1100" dirty="0" smtClean="0">
+              <a:rPr lang="en-US" sz="1100" dirty="0">
                 <a:solidFill>
                   <a:srgbClr val="7030A0"/>
                 </a:solidFill>
@@ -5752,7 +5746,7 @@
         </p:nvSpPr>
         <p:spPr>
           <a:xfrm>
-            <a:off x="6135256" y="3097917"/>
+            <a:off x="5624991" y="3123317"/>
             <a:ext cx="189257" cy="178683"/>
           </a:xfrm>
           <a:prstGeom prst="rect">
@@ -5768,7 +5762,7 @@
           <a:p>
             <a:pPr algn="ctr"/>
             <a:r>
-              <a:rPr lang="en-US" sz="1100" dirty="0" smtClean="0">
+              <a:rPr lang="en-US" sz="1100" dirty="0">
                 <a:solidFill>
                   <a:srgbClr val="7030A0"/>
                 </a:solidFill>
@@ -5791,7 +5785,7 @@
         </p:nvSpPr>
         <p:spPr>
           <a:xfrm>
-            <a:off x="2687923" y="2564238"/>
+            <a:off x="2177658" y="2589638"/>
             <a:ext cx="189257" cy="178683"/>
           </a:xfrm>
           <a:prstGeom prst="rect">
@@ -5807,7 +5801,7 @@
           <a:p>
             <a:pPr algn="ctr"/>
             <a:r>
-              <a:rPr lang="en-US" sz="1100" dirty="0" smtClean="0">
+              <a:rPr lang="en-US" sz="1100" dirty="0">
                 <a:solidFill>
                   <a:srgbClr val="7030A0"/>
                 </a:solidFill>
@@ -5830,7 +5824,7 @@
         </p:nvSpPr>
         <p:spPr>
           <a:xfrm>
-            <a:off x="2656370" y="3386050"/>
+            <a:off x="2146105" y="3411450"/>
             <a:ext cx="189257" cy="178683"/>
           </a:xfrm>
           <a:prstGeom prst="rect">
@@ -5846,7 +5840,7 @@
           <a:p>
             <a:pPr algn="ctr"/>
             <a:r>
-              <a:rPr lang="en-US" sz="1100" dirty="0" smtClean="0">
+              <a:rPr lang="en-US" sz="1100" dirty="0">
                 <a:solidFill>
                   <a:srgbClr val="7030A0"/>
                 </a:solidFill>
@@ -5869,7 +5863,7 @@
         </p:nvSpPr>
         <p:spPr>
           <a:xfrm>
-            <a:off x="6667770" y="3210194"/>
+            <a:off x="6157505" y="3235594"/>
             <a:ext cx="189257" cy="178683"/>
           </a:xfrm>
           <a:prstGeom prst="rect">
@@ -5885,7 +5879,7 @@
           <a:p>
             <a:pPr algn="ctr"/>
             <a:r>
-              <a:rPr lang="en-US" sz="1100" dirty="0" smtClean="0">
+              <a:rPr lang="en-US" sz="1100" dirty="0">
                 <a:solidFill>
                   <a:srgbClr val="7030A0"/>
                 </a:solidFill>
@@ -5893,6 +5887,103 @@
               <a:t>1</a:t>
             </a:r>
             <a:endParaRPr lang="en-SG" sz="1100" dirty="0">
+              <a:solidFill>
+                <a:srgbClr val="7030A0"/>
+              </a:solidFill>
+            </a:endParaRPr>
+          </a:p>
+        </p:txBody>
+      </p:sp>
+      <p:cxnSp>
+        <p:nvCxnSpPr>
+          <p:cNvPr id="73" name="Elbow Connector 78"/>
+          <p:cNvCxnSpPr>
+            <a:cxnSpLocks/>
+            <a:endCxn id="74" idx="1"/>
+          </p:cNvCxnSpPr>
+          <p:nvPr/>
+        </p:nvCxnSpPr>
+        <p:spPr>
+          <a:xfrm rot="5400000" flipH="1" flipV="1">
+            <a:off x="6770676" y="2626974"/>
+            <a:ext cx="642791" cy="214278"/>
+          </a:xfrm>
+          <a:prstGeom prst="bentConnector2">
+            <a:avLst/>
+          </a:prstGeom>
+          <a:ln w="19050">
+            <a:solidFill>
+              <a:srgbClr val="7030A0"/>
+            </a:solidFill>
+            <a:headEnd type="none" w="med" len="med"/>
+            <a:tailEnd type="arrow" w="med" len="med"/>
+          </a:ln>
+          <a:effectLst/>
+        </p:spPr>
+        <p:style>
+          <a:lnRef idx="1">
+            <a:schemeClr val="accent2"/>
+          </a:lnRef>
+          <a:fillRef idx="2">
+            <a:schemeClr val="accent2"/>
+          </a:fillRef>
+          <a:effectRef idx="1">
+            <a:schemeClr val="accent2"/>
+          </a:effectRef>
+          <a:fontRef idx="minor">
+            <a:schemeClr val="dk1"/>
+          </a:fontRef>
+        </p:style>
+      </p:cxnSp>
+      <p:sp>
+        <p:nvSpPr>
+          <p:cNvPr id="74" name="Rectangle 8"/>
+          <p:cNvSpPr/>
+          <p:nvPr/>
+        </p:nvSpPr>
+        <p:spPr>
+          <a:xfrm>
+            <a:off x="7199210" y="2269825"/>
+            <a:ext cx="954189" cy="285783"/>
+          </a:xfrm>
+          <a:prstGeom prst="rect">
+            <a:avLst/>
+          </a:prstGeom>
+          <a:ln w="19050">
+            <a:solidFill>
+              <a:srgbClr val="7030A0"/>
+            </a:solidFill>
+          </a:ln>
+          <a:effectLst/>
+        </p:spPr>
+        <p:style>
+          <a:lnRef idx="1">
+            <a:schemeClr val="accent4"/>
+          </a:lnRef>
+          <a:fillRef idx="2">
+            <a:schemeClr val="accent4"/>
+          </a:fillRef>
+          <a:effectRef idx="1">
+            <a:schemeClr val="accent4"/>
+          </a:effectRef>
+          <a:fontRef idx="minor">
+            <a:schemeClr val="dk1"/>
+          </a:fontRef>
+        </p:style>
+        <p:txBody>
+          <a:bodyPr lIns="72000" rIns="72000" rtlCol="0" anchor="ctr"/>
+          <a:lstStyle/>
+          <a:p>
+            <a:pPr algn="ctr"/>
+            <a:r>
+              <a:rPr lang="en-US" sz="1050" dirty="0" err="1">
+                <a:solidFill>
+                  <a:srgbClr val="7030A0"/>
+                </a:solidFill>
+              </a:rPr>
+              <a:t>TaskName</a:t>
+            </a:r>
+            <a:endParaRPr lang="en-SG" sz="1050" dirty="0">
               <a:solidFill>
                 <a:srgbClr val="7030A0"/>
               </a:solidFill>
@@ -5910,13 +6001,6 @@
   <p:clrMapOvr>
     <a:masterClrMapping/>
   </p:clrMapOvr>
-  <p:timing>
-    <p:tnLst>
-      <p:par>
-        <p:cTn id="1" dur="indefinite" restart="never" nodeType="tmRoot"/>
-      </p:par>
-    </p:tnLst>
-  </p:timing>
 </p:sld>
 </file>
 

--- a/docs/diagrams/ModelComponentClassDiagram.pptx
+++ b/docs/diagrams/ModelComponentClassDiagram.pptx
@@ -107,7 +107,27 @@
       </a:defRPr>
     </a:lvl9pPr>
   </p:defaultTextStyle>
+  <p:extLst>
+    <p:ext uri="{EFAFB233-063F-42B5-8137-9DF3F51BA10A}">
+      <p15:sldGuideLst xmlns:p15="http://schemas.microsoft.com/office/powerpoint/2012/main">
+        <p15:guide id="1" orient="horz" pos="1488">
+          <p15:clr>
+            <a:srgbClr val="A4A3A4"/>
+          </p15:clr>
+        </p15:guide>
+        <p15:guide id="2" pos="2880">
+          <p15:clr>
+            <a:srgbClr val="A4A3A4"/>
+          </p15:clr>
+        </p15:guide>
+      </p15:sldGuideLst>
+    </p:ext>
+  </p:extLst>
 </p:presentation>
+</file>
+
+<file path=ppt/revisionInfo.xml><?xml version="1.0" encoding="utf-8"?>
+<p1510:revInfo xmlns:a="http://schemas.openxmlformats.org/drawingml/2006/main" xmlns:r="http://schemas.openxmlformats.org/officeDocument/2006/relationships" xmlns:p1510="http://schemas.microsoft.com/office/powerpoint/2015/10/main"/>
 </file>
 
 <file path=ppt/notesMasters/notesMaster1.xml><?xml version="1.0" encoding="utf-8"?>
@@ -192,7 +212,7 @@
           <a:p>
             <a:fld id="{F5CC4B3F-88C1-4FFA-B1B6-F41C21DC6924}" type="datetimeFigureOut">
               <a:rPr lang="en-US" smtClean="0"/>
-              <a:t>11/19/2016</a:t>
+              <a:t>7/17/2017</a:t>
             </a:fld>
             <a:endParaRPr lang="en-US"/>
           </a:p>
@@ -256,38 +276,37 @@
           <a:p>
             <a:pPr lvl="0"/>
             <a:r>
-              <a:rPr lang="en-US" smtClean="0"/>
+              <a:rPr lang="en-US"/>
               <a:t>Click to edit Master text styles</a:t>
             </a:r>
           </a:p>
           <a:p>
             <a:pPr lvl="1"/>
             <a:r>
-              <a:rPr lang="en-US" smtClean="0"/>
+              <a:rPr lang="en-US"/>
               <a:t>Second level</a:t>
             </a:r>
           </a:p>
           <a:p>
             <a:pPr lvl="2"/>
             <a:r>
-              <a:rPr lang="en-US" smtClean="0"/>
+              <a:rPr lang="en-US"/>
               <a:t>Third level</a:t>
             </a:r>
           </a:p>
           <a:p>
             <a:pPr lvl="3"/>
             <a:r>
-              <a:rPr lang="en-US" smtClean="0"/>
+              <a:rPr lang="en-US"/>
               <a:t>Fourth level</a:t>
             </a:r>
           </a:p>
           <a:p>
             <a:pPr lvl="4"/>
             <a:r>
-              <a:rPr lang="en-US" smtClean="0"/>
+              <a:rPr lang="en-US"/>
               <a:t>Fifth level</a:t>
             </a:r>
-            <a:endParaRPr lang="en-US"/>
           </a:p>
         </p:txBody>
       </p:sp>
@@ -498,10 +517,9 @@
           <a:lstStyle/>
           <a:p>
             <a:r>
-              <a:rPr lang="en-US" smtClean="0"/>
+              <a:rPr lang="en-US"/>
               <a:t>Click to edit Master title style</a:t>
             </a:r>
-            <a:endParaRPr lang="en-US"/>
           </a:p>
         </p:txBody>
       </p:sp>
@@ -617,10 +635,9 @@
           </a:lstStyle>
           <a:p>
             <a:r>
-              <a:rPr lang="en-US" smtClean="0"/>
+              <a:rPr lang="en-US"/>
               <a:t>Click to edit Master subtitle style</a:t>
             </a:r>
-            <a:endParaRPr lang="en-US"/>
           </a:p>
         </p:txBody>
       </p:sp>
@@ -641,7 +658,7 @@
           <a:p>
             <a:fld id="{78C97017-6FC3-485B-9764-EAC9E56C1D49}" type="datetimeFigureOut">
               <a:rPr lang="en-US" smtClean="0"/>
-              <a:t>11/19/2016</a:t>
+              <a:t>7/17/2017</a:t>
             </a:fld>
             <a:endParaRPr lang="en-US"/>
           </a:p>
@@ -735,10 +752,9 @@
           <a:lstStyle/>
           <a:p>
             <a:r>
-              <a:rPr lang="en-US" smtClean="0"/>
+              <a:rPr lang="en-US"/>
               <a:t>Click to edit Master title style</a:t>
             </a:r>
-            <a:endParaRPr lang="en-US"/>
           </a:p>
         </p:txBody>
       </p:sp>
@@ -759,38 +775,37 @@
           <a:p>
             <a:pPr lvl="0"/>
             <a:r>
-              <a:rPr lang="en-US" smtClean="0"/>
+              <a:rPr lang="en-US"/>
               <a:t>Click to edit Master text styles</a:t>
             </a:r>
           </a:p>
           <a:p>
             <a:pPr lvl="1"/>
             <a:r>
-              <a:rPr lang="en-US" smtClean="0"/>
+              <a:rPr lang="en-US"/>
               <a:t>Second level</a:t>
             </a:r>
           </a:p>
           <a:p>
             <a:pPr lvl="2"/>
             <a:r>
-              <a:rPr lang="en-US" smtClean="0"/>
+              <a:rPr lang="en-US"/>
               <a:t>Third level</a:t>
             </a:r>
           </a:p>
           <a:p>
             <a:pPr lvl="3"/>
             <a:r>
-              <a:rPr lang="en-US" smtClean="0"/>
+              <a:rPr lang="en-US"/>
               <a:t>Fourth level</a:t>
             </a:r>
           </a:p>
           <a:p>
             <a:pPr lvl="4"/>
             <a:r>
-              <a:rPr lang="en-US" smtClean="0"/>
+              <a:rPr lang="en-US"/>
               <a:t>Fifth level</a:t>
             </a:r>
-            <a:endParaRPr lang="en-US"/>
           </a:p>
         </p:txBody>
       </p:sp>
@@ -811,7 +826,7 @@
           <a:p>
             <a:fld id="{78C97017-6FC3-485B-9764-EAC9E56C1D49}" type="datetimeFigureOut">
               <a:rPr lang="en-US" smtClean="0"/>
-              <a:t>11/19/2016</a:t>
+              <a:t>7/17/2017</a:t>
             </a:fld>
             <a:endParaRPr lang="en-US"/>
           </a:p>
@@ -910,10 +925,9 @@
           <a:lstStyle/>
           <a:p>
             <a:r>
-              <a:rPr lang="en-US" smtClean="0"/>
+              <a:rPr lang="en-US"/>
               <a:t>Click to edit Master title style</a:t>
             </a:r>
-            <a:endParaRPr lang="en-US"/>
           </a:p>
         </p:txBody>
       </p:sp>
@@ -939,38 +953,37 @@
           <a:p>
             <a:pPr lvl="0"/>
             <a:r>
-              <a:rPr lang="en-US" smtClean="0"/>
+              <a:rPr lang="en-US"/>
               <a:t>Click to edit Master text styles</a:t>
             </a:r>
           </a:p>
           <a:p>
             <a:pPr lvl="1"/>
             <a:r>
-              <a:rPr lang="en-US" smtClean="0"/>
+              <a:rPr lang="en-US"/>
               <a:t>Second level</a:t>
             </a:r>
           </a:p>
           <a:p>
             <a:pPr lvl="2"/>
             <a:r>
-              <a:rPr lang="en-US" smtClean="0"/>
+              <a:rPr lang="en-US"/>
               <a:t>Third level</a:t>
             </a:r>
           </a:p>
           <a:p>
             <a:pPr lvl="3"/>
             <a:r>
-              <a:rPr lang="en-US" smtClean="0"/>
+              <a:rPr lang="en-US"/>
               <a:t>Fourth level</a:t>
             </a:r>
           </a:p>
           <a:p>
             <a:pPr lvl="4"/>
             <a:r>
-              <a:rPr lang="en-US" smtClean="0"/>
+              <a:rPr lang="en-US"/>
               <a:t>Fifth level</a:t>
             </a:r>
-            <a:endParaRPr lang="en-US"/>
           </a:p>
         </p:txBody>
       </p:sp>
@@ -991,7 +1004,7 @@
           <a:p>
             <a:fld id="{78C97017-6FC3-485B-9764-EAC9E56C1D49}" type="datetimeFigureOut">
               <a:rPr lang="en-US" smtClean="0"/>
-              <a:t>11/19/2016</a:t>
+              <a:t>7/17/2017</a:t>
             </a:fld>
             <a:endParaRPr lang="en-US"/>
           </a:p>
@@ -1085,10 +1098,9 @@
           <a:lstStyle/>
           <a:p>
             <a:r>
-              <a:rPr lang="en-US" smtClean="0"/>
+              <a:rPr lang="en-US"/>
               <a:t>Click to edit Master title style</a:t>
             </a:r>
-            <a:endParaRPr lang="en-US"/>
           </a:p>
         </p:txBody>
       </p:sp>
@@ -1109,38 +1121,37 @@
           <a:p>
             <a:pPr lvl="0"/>
             <a:r>
-              <a:rPr lang="en-US" smtClean="0"/>
+              <a:rPr lang="en-US"/>
               <a:t>Click to edit Master text styles</a:t>
             </a:r>
           </a:p>
           <a:p>
             <a:pPr lvl="1"/>
             <a:r>
-              <a:rPr lang="en-US" smtClean="0"/>
+              <a:rPr lang="en-US"/>
               <a:t>Second level</a:t>
             </a:r>
           </a:p>
           <a:p>
             <a:pPr lvl="2"/>
             <a:r>
-              <a:rPr lang="en-US" smtClean="0"/>
+              <a:rPr lang="en-US"/>
               <a:t>Third level</a:t>
             </a:r>
           </a:p>
           <a:p>
             <a:pPr lvl="3"/>
             <a:r>
-              <a:rPr lang="en-US" smtClean="0"/>
+              <a:rPr lang="en-US"/>
               <a:t>Fourth level</a:t>
             </a:r>
           </a:p>
           <a:p>
             <a:pPr lvl="4"/>
             <a:r>
-              <a:rPr lang="en-US" smtClean="0"/>
+              <a:rPr lang="en-US"/>
               <a:t>Fifth level</a:t>
             </a:r>
-            <a:endParaRPr lang="en-US"/>
           </a:p>
         </p:txBody>
       </p:sp>
@@ -1161,7 +1172,7 @@
           <a:p>
             <a:fld id="{78C97017-6FC3-485B-9764-EAC9E56C1D49}" type="datetimeFigureOut">
               <a:rPr lang="en-US" smtClean="0"/>
-              <a:t>11/19/2016</a:t>
+              <a:t>7/17/2017</a:t>
             </a:fld>
             <a:endParaRPr lang="en-US"/>
           </a:p>
@@ -1264,10 +1275,9 @@
           </a:lstStyle>
           <a:p>
             <a:r>
-              <a:rPr lang="en-US" smtClean="0"/>
+              <a:rPr lang="en-US"/>
               <a:t>Click to edit Master title style</a:t>
             </a:r>
-            <a:endParaRPr lang="en-US"/>
           </a:p>
         </p:txBody>
       </p:sp>
@@ -1384,7 +1394,7 @@
           <a:p>
             <a:pPr lvl="0"/>
             <a:r>
-              <a:rPr lang="en-US" smtClean="0"/>
+              <a:rPr lang="en-US"/>
               <a:t>Click to edit Master text styles</a:t>
             </a:r>
           </a:p>
@@ -1407,7 +1417,7 @@
           <a:p>
             <a:fld id="{78C97017-6FC3-485B-9764-EAC9E56C1D49}" type="datetimeFigureOut">
               <a:rPr lang="en-US" smtClean="0"/>
-              <a:t>11/19/2016</a:t>
+              <a:t>7/17/2017</a:t>
             </a:fld>
             <a:endParaRPr lang="en-US"/>
           </a:p>
@@ -1501,10 +1511,9 @@
           <a:lstStyle/>
           <a:p>
             <a:r>
-              <a:rPr lang="en-US" smtClean="0"/>
+              <a:rPr lang="en-US"/>
               <a:t>Click to edit Master title style</a:t>
             </a:r>
-            <a:endParaRPr lang="en-US"/>
           </a:p>
         </p:txBody>
       </p:sp>
@@ -1558,38 +1567,37 @@
           <a:p>
             <a:pPr lvl="0"/>
             <a:r>
-              <a:rPr lang="en-US" smtClean="0"/>
+              <a:rPr lang="en-US"/>
               <a:t>Click to edit Master text styles</a:t>
             </a:r>
           </a:p>
           <a:p>
             <a:pPr lvl="1"/>
             <a:r>
-              <a:rPr lang="en-US" smtClean="0"/>
+              <a:rPr lang="en-US"/>
               <a:t>Second level</a:t>
             </a:r>
           </a:p>
           <a:p>
             <a:pPr lvl="2"/>
             <a:r>
-              <a:rPr lang="en-US" smtClean="0"/>
+              <a:rPr lang="en-US"/>
               <a:t>Third level</a:t>
             </a:r>
           </a:p>
           <a:p>
             <a:pPr lvl="3"/>
             <a:r>
-              <a:rPr lang="en-US" smtClean="0"/>
+              <a:rPr lang="en-US"/>
               <a:t>Fourth level</a:t>
             </a:r>
           </a:p>
           <a:p>
             <a:pPr lvl="4"/>
             <a:r>
-              <a:rPr lang="en-US" smtClean="0"/>
+              <a:rPr lang="en-US"/>
               <a:t>Fifth level</a:t>
             </a:r>
-            <a:endParaRPr lang="en-US"/>
           </a:p>
         </p:txBody>
       </p:sp>
@@ -1643,38 +1651,37 @@
           <a:p>
             <a:pPr lvl="0"/>
             <a:r>
-              <a:rPr lang="en-US" smtClean="0"/>
+              <a:rPr lang="en-US"/>
               <a:t>Click to edit Master text styles</a:t>
             </a:r>
           </a:p>
           <a:p>
             <a:pPr lvl="1"/>
             <a:r>
-              <a:rPr lang="en-US" smtClean="0"/>
+              <a:rPr lang="en-US"/>
               <a:t>Second level</a:t>
             </a:r>
           </a:p>
           <a:p>
             <a:pPr lvl="2"/>
             <a:r>
-              <a:rPr lang="en-US" smtClean="0"/>
+              <a:rPr lang="en-US"/>
               <a:t>Third level</a:t>
             </a:r>
           </a:p>
           <a:p>
             <a:pPr lvl="3"/>
             <a:r>
-              <a:rPr lang="en-US" smtClean="0"/>
+              <a:rPr lang="en-US"/>
               <a:t>Fourth level</a:t>
             </a:r>
           </a:p>
           <a:p>
             <a:pPr lvl="4"/>
             <a:r>
-              <a:rPr lang="en-US" smtClean="0"/>
+              <a:rPr lang="en-US"/>
               <a:t>Fifth level</a:t>
             </a:r>
-            <a:endParaRPr lang="en-US"/>
           </a:p>
         </p:txBody>
       </p:sp>
@@ -1695,7 +1702,7 @@
           <a:p>
             <a:fld id="{78C97017-6FC3-485B-9764-EAC9E56C1D49}" type="datetimeFigureOut">
               <a:rPr lang="en-US" smtClean="0"/>
-              <a:t>11/19/2016</a:t>
+              <a:t>7/17/2017</a:t>
             </a:fld>
             <a:endParaRPr lang="en-US"/>
           </a:p>
@@ -1793,10 +1800,9 @@
           </a:lstStyle>
           <a:p>
             <a:r>
-              <a:rPr lang="en-US" smtClean="0"/>
+              <a:rPr lang="en-US"/>
               <a:t>Click to edit Master title style</a:t>
             </a:r>
-            <a:endParaRPr lang="en-US"/>
           </a:p>
         </p:txBody>
       </p:sp>
@@ -1859,7 +1865,7 @@
           <a:p>
             <a:pPr lvl="0"/>
             <a:r>
-              <a:rPr lang="en-US" smtClean="0"/>
+              <a:rPr lang="en-US"/>
               <a:t>Click to edit Master text styles</a:t>
             </a:r>
           </a:p>
@@ -1915,38 +1921,37 @@
           <a:p>
             <a:pPr lvl="0"/>
             <a:r>
-              <a:rPr lang="en-US" smtClean="0"/>
+              <a:rPr lang="en-US"/>
               <a:t>Click to edit Master text styles</a:t>
             </a:r>
           </a:p>
           <a:p>
             <a:pPr lvl="1"/>
             <a:r>
-              <a:rPr lang="en-US" smtClean="0"/>
+              <a:rPr lang="en-US"/>
               <a:t>Second level</a:t>
             </a:r>
           </a:p>
           <a:p>
             <a:pPr lvl="2"/>
             <a:r>
-              <a:rPr lang="en-US" smtClean="0"/>
+              <a:rPr lang="en-US"/>
               <a:t>Third level</a:t>
             </a:r>
           </a:p>
           <a:p>
             <a:pPr lvl="3"/>
             <a:r>
-              <a:rPr lang="en-US" smtClean="0"/>
+              <a:rPr lang="en-US"/>
               <a:t>Fourth level</a:t>
             </a:r>
           </a:p>
           <a:p>
             <a:pPr lvl="4"/>
             <a:r>
-              <a:rPr lang="en-US" smtClean="0"/>
+              <a:rPr lang="en-US"/>
               <a:t>Fifth level</a:t>
             </a:r>
-            <a:endParaRPr lang="en-US"/>
           </a:p>
         </p:txBody>
       </p:sp>
@@ -2009,7 +2014,7 @@
           <a:p>
             <a:pPr lvl="0"/>
             <a:r>
-              <a:rPr lang="en-US" smtClean="0"/>
+              <a:rPr lang="en-US"/>
               <a:t>Click to edit Master text styles</a:t>
             </a:r>
           </a:p>
@@ -2065,38 +2070,37 @@
           <a:p>
             <a:pPr lvl="0"/>
             <a:r>
-              <a:rPr lang="en-US" smtClean="0"/>
+              <a:rPr lang="en-US"/>
               <a:t>Click to edit Master text styles</a:t>
             </a:r>
           </a:p>
           <a:p>
             <a:pPr lvl="1"/>
             <a:r>
-              <a:rPr lang="en-US" smtClean="0"/>
+              <a:rPr lang="en-US"/>
               <a:t>Second level</a:t>
             </a:r>
           </a:p>
           <a:p>
             <a:pPr lvl="2"/>
             <a:r>
-              <a:rPr lang="en-US" smtClean="0"/>
+              <a:rPr lang="en-US"/>
               <a:t>Third level</a:t>
             </a:r>
           </a:p>
           <a:p>
             <a:pPr lvl="3"/>
             <a:r>
-              <a:rPr lang="en-US" smtClean="0"/>
+              <a:rPr lang="en-US"/>
               <a:t>Fourth level</a:t>
             </a:r>
           </a:p>
           <a:p>
             <a:pPr lvl="4"/>
             <a:r>
-              <a:rPr lang="en-US" smtClean="0"/>
+              <a:rPr lang="en-US"/>
               <a:t>Fifth level</a:t>
             </a:r>
-            <a:endParaRPr lang="en-US"/>
           </a:p>
         </p:txBody>
       </p:sp>
@@ -2117,7 +2121,7 @@
           <a:p>
             <a:fld id="{78C97017-6FC3-485B-9764-EAC9E56C1D49}" type="datetimeFigureOut">
               <a:rPr lang="en-US" smtClean="0"/>
-              <a:t>11/19/2016</a:t>
+              <a:t>7/17/2017</a:t>
             </a:fld>
             <a:endParaRPr lang="en-US"/>
           </a:p>
@@ -2211,10 +2215,9 @@
           <a:lstStyle/>
           <a:p>
             <a:r>
-              <a:rPr lang="en-US" smtClean="0"/>
+              <a:rPr lang="en-US"/>
               <a:t>Click to edit Master title style</a:t>
             </a:r>
-            <a:endParaRPr lang="en-US"/>
           </a:p>
         </p:txBody>
       </p:sp>
@@ -2235,7 +2238,7 @@
           <a:p>
             <a:fld id="{78C97017-6FC3-485B-9764-EAC9E56C1D49}" type="datetimeFigureOut">
               <a:rPr lang="en-US" smtClean="0"/>
-              <a:t>11/19/2016</a:t>
+              <a:t>7/17/2017</a:t>
             </a:fld>
             <a:endParaRPr lang="en-US"/>
           </a:p>
@@ -2330,7 +2333,7 @@
           <a:p>
             <a:fld id="{78C97017-6FC3-485B-9764-EAC9E56C1D49}" type="datetimeFigureOut">
               <a:rPr lang="en-US" smtClean="0"/>
-              <a:t>11/19/2016</a:t>
+              <a:t>7/17/2017</a:t>
             </a:fld>
             <a:endParaRPr lang="en-US"/>
           </a:p>
@@ -2433,10 +2436,9 @@
           </a:lstStyle>
           <a:p>
             <a:r>
-              <a:rPr lang="en-US" smtClean="0"/>
+              <a:rPr lang="en-US"/>
               <a:t>Click to edit Master title style</a:t>
             </a:r>
-            <a:endParaRPr lang="en-US"/>
           </a:p>
         </p:txBody>
       </p:sp>
@@ -2490,38 +2492,37 @@
           <a:p>
             <a:pPr lvl="0"/>
             <a:r>
-              <a:rPr lang="en-US" smtClean="0"/>
+              <a:rPr lang="en-US"/>
               <a:t>Click to edit Master text styles</a:t>
             </a:r>
           </a:p>
           <a:p>
             <a:pPr lvl="1"/>
             <a:r>
-              <a:rPr lang="en-US" smtClean="0"/>
+              <a:rPr lang="en-US"/>
               <a:t>Second level</a:t>
             </a:r>
           </a:p>
           <a:p>
             <a:pPr lvl="2"/>
             <a:r>
-              <a:rPr lang="en-US" smtClean="0"/>
+              <a:rPr lang="en-US"/>
               <a:t>Third level</a:t>
             </a:r>
           </a:p>
           <a:p>
             <a:pPr lvl="3"/>
             <a:r>
-              <a:rPr lang="en-US" smtClean="0"/>
+              <a:rPr lang="en-US"/>
               <a:t>Fourth level</a:t>
             </a:r>
           </a:p>
           <a:p>
             <a:pPr lvl="4"/>
             <a:r>
-              <a:rPr lang="en-US" smtClean="0"/>
+              <a:rPr lang="en-US"/>
               <a:t>Fifth level</a:t>
             </a:r>
-            <a:endParaRPr lang="en-US"/>
           </a:p>
         </p:txBody>
       </p:sp>
@@ -2584,7 +2585,7 @@
           <a:p>
             <a:pPr lvl="0"/>
             <a:r>
-              <a:rPr lang="en-US" smtClean="0"/>
+              <a:rPr lang="en-US"/>
               <a:t>Click to edit Master text styles</a:t>
             </a:r>
           </a:p>
@@ -2607,7 +2608,7 @@
           <a:p>
             <a:fld id="{78C97017-6FC3-485B-9764-EAC9E56C1D49}" type="datetimeFigureOut">
               <a:rPr lang="en-US" smtClean="0"/>
-              <a:t>11/19/2016</a:t>
+              <a:t>7/17/2017</a:t>
             </a:fld>
             <a:endParaRPr lang="en-US"/>
           </a:p>
@@ -2710,10 +2711,9 @@
           </a:lstStyle>
           <a:p>
             <a:r>
-              <a:rPr lang="en-US" smtClean="0"/>
+              <a:rPr lang="en-US"/>
               <a:t>Click to edit Master title style</a:t>
             </a:r>
-            <a:endParaRPr lang="en-US"/>
           </a:p>
         </p:txBody>
       </p:sp>
@@ -2837,7 +2837,7 @@
           <a:p>
             <a:pPr lvl="0"/>
             <a:r>
-              <a:rPr lang="en-US" smtClean="0"/>
+              <a:rPr lang="en-US"/>
               <a:t>Click to edit Master text styles</a:t>
             </a:r>
           </a:p>
@@ -2860,7 +2860,7 @@
           <a:p>
             <a:fld id="{78C97017-6FC3-485B-9764-EAC9E56C1D49}" type="datetimeFigureOut">
               <a:rPr lang="en-US" smtClean="0"/>
-              <a:t>11/19/2016</a:t>
+              <a:t>7/17/2017</a:t>
             </a:fld>
             <a:endParaRPr lang="en-US"/>
           </a:p>
@@ -2969,10 +2969,9 @@
           <a:lstStyle/>
           <a:p>
             <a:r>
-              <a:rPr lang="en-US" smtClean="0"/>
+              <a:rPr lang="en-US"/>
               <a:t>Click to edit Master title style</a:t>
             </a:r>
-            <a:endParaRPr lang="en-US"/>
           </a:p>
         </p:txBody>
       </p:sp>
@@ -3003,38 +3002,37 @@
           <a:p>
             <a:pPr lvl="0"/>
             <a:r>
-              <a:rPr lang="en-US" smtClean="0"/>
+              <a:rPr lang="en-US"/>
               <a:t>Click to edit Master text styles</a:t>
             </a:r>
           </a:p>
           <a:p>
             <a:pPr lvl="1"/>
             <a:r>
-              <a:rPr lang="en-US" smtClean="0"/>
+              <a:rPr lang="en-US"/>
               <a:t>Second level</a:t>
             </a:r>
           </a:p>
           <a:p>
             <a:pPr lvl="2"/>
             <a:r>
-              <a:rPr lang="en-US" smtClean="0"/>
+              <a:rPr lang="en-US"/>
               <a:t>Third level</a:t>
             </a:r>
           </a:p>
           <a:p>
             <a:pPr lvl="3"/>
             <a:r>
-              <a:rPr lang="en-US" smtClean="0"/>
+              <a:rPr lang="en-US"/>
               <a:t>Fourth level</a:t>
             </a:r>
           </a:p>
           <a:p>
             <a:pPr lvl="4"/>
             <a:r>
-              <a:rPr lang="en-US" smtClean="0"/>
+              <a:rPr lang="en-US"/>
               <a:t>Fifth level</a:t>
             </a:r>
-            <a:endParaRPr lang="en-US"/>
           </a:p>
         </p:txBody>
       </p:sp>
@@ -3073,7 +3071,7 @@
           <a:p>
             <a:fld id="{78C97017-6FC3-485B-9764-EAC9E56C1D49}" type="datetimeFigureOut">
               <a:rPr lang="en-US" smtClean="0"/>
-              <a:t>11/19/2016</a:t>
+              <a:t>7/17/2017</a:t>
             </a:fld>
             <a:endParaRPr lang="en-US"/>
           </a:p>
@@ -3494,7 +3492,7 @@
           <a:lstStyle/>
           <a:p>
             <a:r>
-              <a:rPr lang="en-US" sz="1200" b="1" dirty="0" smtClean="0">
+              <a:rPr lang="en-US" sz="1200" b="1" dirty="0">
                 <a:solidFill>
                   <a:srgbClr val="7030A0"/>
                 </a:solidFill>
@@ -3553,7 +3551,7 @@
           <a:p>
             <a:pPr algn="ctr"/>
             <a:r>
-              <a:rPr lang="en-US" sz="1050" dirty="0" err="1" smtClean="0">
+              <a:rPr lang="en-US" sz="1050" dirty="0" err="1">
                 <a:solidFill>
                   <a:schemeClr val="bg1"/>
                 </a:solidFill>
@@ -3612,7 +3610,7 @@
           <a:p>
             <a:pPr algn="ctr"/>
             <a:r>
-              <a:rPr lang="en-US" sz="1050" dirty="0" err="1" smtClean="0">
+              <a:rPr lang="en-US" sz="1050" dirty="0" err="1">
                 <a:solidFill>
                   <a:schemeClr val="bg1"/>
                 </a:solidFill>
@@ -3767,7 +3765,7 @@
           <a:p>
             <a:pPr algn="ctr"/>
             <a:r>
-              <a:rPr lang="en-US" sz="1050" dirty="0" smtClean="0">
+              <a:rPr lang="en-US" sz="1050" dirty="0">
                 <a:solidFill>
                   <a:schemeClr val="bg1"/>
                 </a:solidFill>
@@ -4091,12 +4089,12 @@
           <a:p>
             <a:pPr algn="ctr"/>
             <a:r>
-              <a:rPr lang="en-US" sz="1050" dirty="0" err="1" smtClean="0">
+              <a:rPr lang="en-US" sz="1050" dirty="0" err="1">
                 <a:solidFill>
                   <a:srgbClr val="7030A0"/>
                 </a:solidFill>
               </a:rPr>
-              <a:t>AddressBook</a:t>
+              <a:t>TickTask</a:t>
             </a:r>
             <a:endParaRPr lang="en-SG" sz="1050" dirty="0">
               <a:solidFill>
@@ -4233,12 +4231,12 @@
           <a:p>
             <a:pPr algn="ctr"/>
             <a:r>
-              <a:rPr lang="en-US" sz="1050" dirty="0" err="1" smtClean="0">
+              <a:rPr lang="en-US" sz="1050" dirty="0" err="1">
                 <a:solidFill>
                   <a:srgbClr val="7030A0"/>
                 </a:solidFill>
               </a:rPr>
-              <a:t>UniquePersonList</a:t>
+              <a:t>UniqueTaskList</a:t>
             </a:r>
             <a:endParaRPr lang="en-SG" sz="1050" dirty="0">
               <a:solidFill>
@@ -4377,7 +4375,7 @@
           <a:p>
             <a:pPr algn="ctr"/>
             <a:r>
-              <a:rPr lang="en-US" sz="1050" dirty="0" err="1" smtClean="0">
+              <a:rPr lang="en-US" sz="1050" dirty="0" err="1">
                 <a:solidFill>
                   <a:srgbClr val="7030A0"/>
                 </a:solidFill>
@@ -4476,12 +4474,12 @@
           <a:p>
             <a:pPr algn="ctr"/>
             <a:r>
-              <a:rPr lang="en-US" sz="1050" dirty="0" smtClean="0">
+              <a:rPr lang="en-US" sz="1050" dirty="0">
                 <a:solidFill>
                   <a:srgbClr val="7030A0"/>
                 </a:solidFill>
               </a:rPr>
-              <a:t>Person</a:t>
+              <a:t>Task</a:t>
             </a:r>
             <a:endParaRPr lang="en-SG" sz="1050" dirty="0">
               <a:solidFill>
@@ -4618,7 +4616,7 @@
           <a:p>
             <a:pPr algn="ctr"/>
             <a:r>
-              <a:rPr lang="en-US" sz="1050" dirty="0" smtClean="0">
+              <a:rPr lang="en-US" sz="1050" dirty="0">
                 <a:solidFill>
                   <a:srgbClr val="7030A0"/>
                 </a:solidFill>
@@ -4760,7 +4758,7 @@
           <a:p>
             <a:pPr algn="ctr"/>
             <a:r>
-              <a:rPr lang="en-US" sz="1050" dirty="0" smtClean="0">
+              <a:rPr lang="en-US" sz="1050" dirty="0">
                 <a:solidFill>
                   <a:srgbClr val="7030A0"/>
                 </a:solidFill>
@@ -4768,19 +4766,19 @@
               <a:t>&lt;&lt;interface&gt;&gt;</a:t>
             </a:r>
             <a:br>
-              <a:rPr lang="en-US" sz="1050" dirty="0" smtClean="0">
+              <a:rPr lang="en-US" sz="1050" dirty="0">
                 <a:solidFill>
                   <a:srgbClr val="7030A0"/>
                 </a:solidFill>
               </a:rPr>
             </a:br>
             <a:r>
-              <a:rPr lang="en-US" sz="1050" dirty="0" err="1" smtClean="0">
+              <a:rPr lang="en-US" sz="1050" dirty="0" err="1">
                 <a:solidFill>
                   <a:srgbClr val="7030A0"/>
                 </a:solidFill>
               </a:rPr>
-              <a:t>ReadOnlyPerson</a:t>
+              <a:t>ReadOnlyTask</a:t>
             </a:r>
             <a:endParaRPr lang="en-SG" sz="1050" dirty="0">
               <a:solidFill>
@@ -4831,7 +4829,7 @@
           <a:p>
             <a:pPr algn="ctr"/>
             <a:r>
-              <a:rPr lang="en-US" sz="1050" dirty="0" smtClean="0">
+              <a:rPr lang="en-US" sz="1050" dirty="0">
                 <a:solidFill>
                   <a:srgbClr val="7030A0"/>
                 </a:solidFill>
@@ -4975,12 +4973,12 @@
           <a:p>
             <a:pPr algn="ctr"/>
             <a:r>
-              <a:rPr lang="en-US" sz="1050" dirty="0" smtClean="0">
+              <a:rPr lang="en-US" sz="1050" dirty="0" err="1">
                 <a:solidFill>
                   <a:srgbClr val="7030A0"/>
                 </a:solidFill>
               </a:rPr>
-              <a:t>Phone</a:t>
+              <a:t>DueDate</a:t>
             </a:r>
             <a:endParaRPr lang="en-SG" sz="1050" dirty="0">
               <a:solidFill>
@@ -5072,12 +5070,12 @@
           <a:p>
             <a:pPr algn="ctr"/>
             <a:r>
-              <a:rPr lang="en-US" sz="1050" dirty="0" smtClean="0">
+              <a:rPr lang="en-US" sz="1050" dirty="0" err="1">
                 <a:solidFill>
                   <a:srgbClr val="7030A0"/>
                 </a:solidFill>
               </a:rPr>
-              <a:t>Email</a:t>
+              <a:t>DueTime</a:t>
             </a:r>
             <a:endParaRPr lang="en-SG" sz="1050" dirty="0">
               <a:solidFill>
@@ -5169,12 +5167,12 @@
           <a:p>
             <a:pPr algn="ctr"/>
             <a:r>
-              <a:rPr lang="en-US" sz="1050" dirty="0" smtClean="0">
+              <a:rPr lang="en-US" sz="1050" dirty="0" err="1">
                 <a:solidFill>
                   <a:srgbClr val="7030A0"/>
                 </a:solidFill>
               </a:rPr>
-              <a:t>Address</a:t>
+              <a:t>TaskType</a:t>
             </a:r>
             <a:endParaRPr lang="en-SG" sz="1050" dirty="0">
               <a:solidFill>
@@ -5357,7 +5355,7 @@
           <a:p>
             <a:pPr algn="ctr"/>
             <a:r>
-              <a:rPr lang="en-US" sz="1050" dirty="0" smtClean="0">
+              <a:rPr lang="en-US" sz="1050" dirty="0">
                 <a:solidFill>
                   <a:srgbClr val="7030A0"/>
                 </a:solidFill>
@@ -5365,19 +5363,19 @@
               <a:t>&lt;&lt;interface&gt;&gt;</a:t>
             </a:r>
             <a:br>
-              <a:rPr lang="en-US" sz="1050" dirty="0" smtClean="0">
+              <a:rPr lang="en-US" sz="1050" dirty="0">
                 <a:solidFill>
                   <a:srgbClr val="7030A0"/>
                 </a:solidFill>
               </a:rPr>
             </a:br>
             <a:r>
-              <a:rPr lang="en-US" sz="1050" dirty="0" err="1" smtClean="0">
+              <a:rPr lang="en-US" sz="1050" dirty="0" err="1">
                 <a:solidFill>
                   <a:srgbClr val="7030A0"/>
                 </a:solidFill>
               </a:rPr>
-              <a:t>ReadOnlyAddressBook</a:t>
+              <a:t>ReadOnlyTickTask</a:t>
             </a:r>
             <a:endParaRPr lang="en-SG" sz="1050" dirty="0">
               <a:solidFill>
@@ -5411,7 +5409,7 @@
           <a:p>
             <a:pPr algn="r"/>
             <a:r>
-              <a:rPr lang="en-US" sz="1100" dirty="0" smtClean="0">
+              <a:rPr lang="en-US" sz="1100" dirty="0">
                 <a:solidFill>
                   <a:srgbClr val="7030A0"/>
                 </a:solidFill>
@@ -5467,20 +5465,12 @@
           <a:p>
             <a:pPr algn="ctr"/>
             <a:r>
-              <a:rPr lang="en-US" sz="1050" dirty="0" smtClean="0">
+              <a:rPr lang="en-US" sz="1050" dirty="0">
                 <a:solidFill>
                   <a:srgbClr val="7030A0"/>
                 </a:solidFill>
               </a:rPr>
               <a:t>&lt;&lt;interface&gt;&gt;</a:t>
-            </a:r>
-            <a:r>
-              <a:rPr lang="en-US" sz="1050" dirty="0">
-                <a:solidFill>
-                  <a:srgbClr val="7030A0"/>
-                </a:solidFill>
-              </a:rPr>
-              <a:t/>
             </a:r>
             <a:br>
               <a:rPr lang="en-US" sz="1050" dirty="0">
@@ -5490,7 +5480,7 @@
               </a:rPr>
             </a:br>
             <a:r>
-              <a:rPr lang="en-US" sz="1050" dirty="0" err="1" smtClean="0">
+              <a:rPr lang="en-US" sz="1050" dirty="0" err="1">
                 <a:solidFill>
                   <a:srgbClr val="7030A0"/>
                 </a:solidFill>
@@ -5612,7 +5602,7 @@
           <a:p>
             <a:pPr algn="ctr"/>
             <a:r>
-              <a:rPr lang="en-US" sz="1100" dirty="0" smtClean="0">
+              <a:rPr lang="en-US" sz="1100" dirty="0">
                 <a:solidFill>
                   <a:srgbClr val="7030A0"/>
                 </a:solidFill>
@@ -5651,7 +5641,7 @@
           <a:p>
             <a:pPr algn="ctr"/>
             <a:r>
-              <a:rPr lang="en-US" sz="1100" dirty="0" smtClean="0">
+              <a:rPr lang="en-US" sz="1100" dirty="0">
                 <a:solidFill>
                   <a:srgbClr val="7030A0"/>
                 </a:solidFill>
@@ -5690,7 +5680,7 @@
           <a:p>
             <a:pPr algn="ctr"/>
             <a:r>
-              <a:rPr lang="en-US" sz="1100" dirty="0" smtClean="0">
+              <a:rPr lang="en-US" sz="1100" dirty="0">
                 <a:solidFill>
                   <a:srgbClr val="7030A0"/>
                 </a:solidFill>
@@ -5729,7 +5719,7 @@
           <a:p>
             <a:pPr algn="ctr"/>
             <a:r>
-              <a:rPr lang="en-US" sz="1100" dirty="0" smtClean="0">
+              <a:rPr lang="en-US" sz="1100" dirty="0">
                 <a:solidFill>
                   <a:srgbClr val="7030A0"/>
                 </a:solidFill>
@@ -5768,7 +5758,7 @@
           <a:p>
             <a:pPr algn="ctr"/>
             <a:r>
-              <a:rPr lang="en-US" sz="1100" dirty="0" smtClean="0">
+              <a:rPr lang="en-US" sz="1100" dirty="0">
                 <a:solidFill>
                   <a:srgbClr val="7030A0"/>
                 </a:solidFill>
@@ -5807,7 +5797,7 @@
           <a:p>
             <a:pPr algn="ctr"/>
             <a:r>
-              <a:rPr lang="en-US" sz="1100" dirty="0" smtClean="0">
+              <a:rPr lang="en-US" sz="1100" dirty="0">
                 <a:solidFill>
                   <a:srgbClr val="7030A0"/>
                 </a:solidFill>
@@ -5846,7 +5836,7 @@
           <a:p>
             <a:pPr algn="ctr"/>
             <a:r>
-              <a:rPr lang="en-US" sz="1100" dirty="0" smtClean="0">
+              <a:rPr lang="en-US" sz="1100" dirty="0">
                 <a:solidFill>
                   <a:srgbClr val="7030A0"/>
                 </a:solidFill>
@@ -5885,7 +5875,7 @@
           <a:p>
             <a:pPr algn="ctr"/>
             <a:r>
-              <a:rPr lang="en-US" sz="1100" dirty="0" smtClean="0">
+              <a:rPr lang="en-US" sz="1100" dirty="0">
                 <a:solidFill>
                   <a:srgbClr val="7030A0"/>
                 </a:solidFill>
@@ -5910,13 +5900,6 @@
   <p:clrMapOvr>
     <a:masterClrMapping/>
   </p:clrMapOvr>
-  <p:timing>
-    <p:tnLst>
-      <p:par>
-        <p:cTn id="1" dur="indefinite" restart="never" nodeType="tmRoot"/>
-      </p:par>
-    </p:tnLst>
-  </p:timing>
 </p:sld>
 </file>
 

--- a/docs/diagrams/ModelComponentClassDiagram.pptx
+++ b/docs/diagrams/ModelComponentClassDiagram.pptx
@@ -5,10 +5,12 @@
     <p:sldMasterId id="2147483648" r:id="rId1"/>
   </p:sldMasterIdLst>
   <p:notesMasterIdLst>
-    <p:notesMasterId r:id="rId3"/>
+    <p:notesMasterId r:id="rId5"/>
   </p:notesMasterIdLst>
   <p:sldIdLst>
     <p:sldId id="263" r:id="rId2"/>
+    <p:sldId id="264" r:id="rId3"/>
+    <p:sldId id="265" r:id="rId4"/>
   </p:sldIdLst>
   <p:sldSz cx="9144000" cy="6858000" type="screen4x3"/>
   <p:notesSz cx="6858000" cy="9144000"/>
@@ -212,7 +214,7 @@
           <a:p>
             <a:fld id="{F5CC4B3F-88C1-4FFA-B1B6-F41C21DC6924}" type="datetimeFigureOut">
               <a:rPr lang="en-US" smtClean="0"/>
-              <a:t>7/11/2017</a:t>
+              <a:t>7/18/2017</a:t>
             </a:fld>
             <a:endParaRPr lang="en-US"/>
           </a:p>
@@ -658,7 +660,7 @@
           <a:p>
             <a:fld id="{78C97017-6FC3-485B-9764-EAC9E56C1D49}" type="datetimeFigureOut">
               <a:rPr lang="en-US" smtClean="0"/>
-              <a:t>7/11/2017</a:t>
+              <a:t>7/18/2017</a:t>
             </a:fld>
             <a:endParaRPr lang="en-US"/>
           </a:p>
@@ -826,7 +828,7 @@
           <a:p>
             <a:fld id="{78C97017-6FC3-485B-9764-EAC9E56C1D49}" type="datetimeFigureOut">
               <a:rPr lang="en-US" smtClean="0"/>
-              <a:t>7/11/2017</a:t>
+              <a:t>7/18/2017</a:t>
             </a:fld>
             <a:endParaRPr lang="en-US"/>
           </a:p>
@@ -1004,7 +1006,7 @@
           <a:p>
             <a:fld id="{78C97017-6FC3-485B-9764-EAC9E56C1D49}" type="datetimeFigureOut">
               <a:rPr lang="en-US" smtClean="0"/>
-              <a:t>7/11/2017</a:t>
+              <a:t>7/18/2017</a:t>
             </a:fld>
             <a:endParaRPr lang="en-US"/>
           </a:p>
@@ -1172,7 +1174,7 @@
           <a:p>
             <a:fld id="{78C97017-6FC3-485B-9764-EAC9E56C1D49}" type="datetimeFigureOut">
               <a:rPr lang="en-US" smtClean="0"/>
-              <a:t>7/11/2017</a:t>
+              <a:t>7/18/2017</a:t>
             </a:fld>
             <a:endParaRPr lang="en-US"/>
           </a:p>
@@ -1417,7 +1419,7 @@
           <a:p>
             <a:fld id="{78C97017-6FC3-485B-9764-EAC9E56C1D49}" type="datetimeFigureOut">
               <a:rPr lang="en-US" smtClean="0"/>
-              <a:t>7/11/2017</a:t>
+              <a:t>7/18/2017</a:t>
             </a:fld>
             <a:endParaRPr lang="en-US"/>
           </a:p>
@@ -1702,7 +1704,7 @@
           <a:p>
             <a:fld id="{78C97017-6FC3-485B-9764-EAC9E56C1D49}" type="datetimeFigureOut">
               <a:rPr lang="en-US" smtClean="0"/>
-              <a:t>7/11/2017</a:t>
+              <a:t>7/18/2017</a:t>
             </a:fld>
             <a:endParaRPr lang="en-US"/>
           </a:p>
@@ -2121,7 +2123,7 @@
           <a:p>
             <a:fld id="{78C97017-6FC3-485B-9764-EAC9E56C1D49}" type="datetimeFigureOut">
               <a:rPr lang="en-US" smtClean="0"/>
-              <a:t>7/11/2017</a:t>
+              <a:t>7/18/2017</a:t>
             </a:fld>
             <a:endParaRPr lang="en-US"/>
           </a:p>
@@ -2238,7 +2240,7 @@
           <a:p>
             <a:fld id="{78C97017-6FC3-485B-9764-EAC9E56C1D49}" type="datetimeFigureOut">
               <a:rPr lang="en-US" smtClean="0"/>
-              <a:t>7/11/2017</a:t>
+              <a:t>7/18/2017</a:t>
             </a:fld>
             <a:endParaRPr lang="en-US"/>
           </a:p>
@@ -2333,7 +2335,7 @@
           <a:p>
             <a:fld id="{78C97017-6FC3-485B-9764-EAC9E56C1D49}" type="datetimeFigureOut">
               <a:rPr lang="en-US" smtClean="0"/>
-              <a:t>7/11/2017</a:t>
+              <a:t>7/18/2017</a:t>
             </a:fld>
             <a:endParaRPr lang="en-US"/>
           </a:p>
@@ -2608,7 +2610,7 @@
           <a:p>
             <a:fld id="{78C97017-6FC3-485B-9764-EAC9E56C1D49}" type="datetimeFigureOut">
               <a:rPr lang="en-US" smtClean="0"/>
-              <a:t>7/11/2017</a:t>
+              <a:t>7/18/2017</a:t>
             </a:fld>
             <a:endParaRPr lang="en-US"/>
           </a:p>
@@ -2860,7 +2862,7 @@
           <a:p>
             <a:fld id="{78C97017-6FC3-485B-9764-EAC9E56C1D49}" type="datetimeFigureOut">
               <a:rPr lang="en-US" smtClean="0"/>
-              <a:t>7/11/2017</a:t>
+              <a:t>7/18/2017</a:t>
             </a:fld>
             <a:endParaRPr lang="en-US"/>
           </a:p>
@@ -3071,7 +3073,7 @@
           <a:p>
             <a:fld id="{78C97017-6FC3-485B-9764-EAC9E56C1D49}" type="datetimeFigureOut">
               <a:rPr lang="en-US" smtClean="0"/>
-              <a:t>7/11/2017</a:t>
+              <a:t>7/18/2017</a:t>
             </a:fld>
             <a:endParaRPr lang="en-US"/>
           </a:p>
@@ -6001,6 +6003,3161 @@
   <p:clrMapOvr>
     <a:masterClrMapping/>
   </p:clrMapOvr>
+</p:sld>
+</file>
+
+<file path=ppt/slides/slide2.xml><?xml version="1.0" encoding="utf-8"?>
+<p:sld xmlns:a="http://schemas.openxmlformats.org/drawingml/2006/main" xmlns:r="http://schemas.openxmlformats.org/officeDocument/2006/relationships" xmlns:p="http://schemas.openxmlformats.org/presentationml/2006/main">
+  <p:cSld>
+    <p:spTree>
+      <p:nvGrpSpPr>
+        <p:cNvPr id="1" name=""/>
+        <p:cNvGrpSpPr/>
+        <p:nvPr/>
+      </p:nvGrpSpPr>
+      <p:grpSpPr>
+        <a:xfrm>
+          <a:off x="0" y="0"/>
+          <a:ext cx="0" cy="0"/>
+          <a:chOff x="0" y="0"/>
+          <a:chExt cx="0" cy="0"/>
+        </a:xfrm>
+      </p:grpSpPr>
+      <p:sp>
+        <p:nvSpPr>
+          <p:cNvPr id="2" name="Rectangle 65"/>
+          <p:cNvSpPr/>
+          <p:nvPr/>
+        </p:nvSpPr>
+        <p:spPr>
+          <a:xfrm>
+            <a:off x="609600" y="381000"/>
+            <a:ext cx="7871735" cy="3962400"/>
+          </a:xfrm>
+          <a:prstGeom prst="roundRect">
+            <a:avLst>
+              <a:gd name="adj" fmla="val 3484"/>
+            </a:avLst>
+          </a:prstGeom>
+          <a:solidFill>
+            <a:schemeClr val="accent4">
+              <a:lumMod val="20000"/>
+              <a:lumOff val="80000"/>
+            </a:schemeClr>
+          </a:solidFill>
+          <a:ln w="19050">
+            <a:noFill/>
+          </a:ln>
+          <a:effectLst/>
+        </p:spPr>
+        <p:style>
+          <a:lnRef idx="1">
+            <a:schemeClr val="accent2"/>
+          </a:lnRef>
+          <a:fillRef idx="2">
+            <a:schemeClr val="accent2"/>
+          </a:fillRef>
+          <a:effectRef idx="1">
+            <a:schemeClr val="accent2"/>
+          </a:effectRef>
+          <a:fontRef idx="minor">
+            <a:schemeClr val="dk1"/>
+          </a:fontRef>
+        </p:style>
+        <p:txBody>
+          <a:bodyPr rtlCol="0" anchor="t"/>
+          <a:lstStyle/>
+          <a:p>
+            <a:endParaRPr lang="en-SG" sz="1200" b="1" dirty="0">
+              <a:solidFill>
+                <a:srgbClr val="7030A0"/>
+              </a:solidFill>
+            </a:endParaRPr>
+          </a:p>
+        </p:txBody>
+      </p:sp>
+      <p:sp>
+        <p:nvSpPr>
+          <p:cNvPr id="3" name="矩形 2"/>
+          <p:cNvSpPr/>
+          <p:nvPr/>
+        </p:nvSpPr>
+        <p:spPr>
+          <a:xfrm>
+            <a:off x="914400" y="609600"/>
+            <a:ext cx="1219200" cy="304800"/>
+          </a:xfrm>
+          <a:prstGeom prst="rect">
+            <a:avLst/>
+          </a:prstGeom>
+        </p:spPr>
+        <p:style>
+          <a:lnRef idx="2">
+            <a:schemeClr val="accent4">
+              <a:shade val="50000"/>
+            </a:schemeClr>
+          </a:lnRef>
+          <a:fillRef idx="1">
+            <a:schemeClr val="accent4"/>
+          </a:fillRef>
+          <a:effectRef idx="0">
+            <a:schemeClr val="accent4"/>
+          </a:effectRef>
+          <a:fontRef idx="minor">
+            <a:schemeClr val="lt1"/>
+          </a:fontRef>
+        </p:style>
+        <p:txBody>
+          <a:bodyPr rtlCol="0" anchor="ctr"/>
+          <a:lstStyle/>
+          <a:p>
+            <a:pPr algn="ctr"/>
+            <a:r>
+              <a:rPr lang="en-US" sz="1200" dirty="0" smtClean="0"/>
+              <a:t>:</a:t>
+            </a:r>
+            <a:r>
+              <a:rPr lang="en-US" sz="1200" dirty="0" err="1" smtClean="0"/>
+              <a:t>UndoCommand</a:t>
+            </a:r>
+            <a:endParaRPr lang="en-SG" sz="1600" dirty="0"/>
+          </a:p>
+        </p:txBody>
+      </p:sp>
+      <p:cxnSp>
+        <p:nvCxnSpPr>
+          <p:cNvPr id="5" name="直接连接符 4"/>
+          <p:cNvCxnSpPr>
+            <a:stCxn id="3" idx="2"/>
+          </p:cNvCxnSpPr>
+          <p:nvPr/>
+        </p:nvCxnSpPr>
+        <p:spPr>
+          <a:xfrm>
+            <a:off x="1524000" y="914400"/>
+            <a:ext cx="0" cy="228600"/>
+          </a:xfrm>
+          <a:prstGeom prst="line">
+            <a:avLst/>
+          </a:prstGeom>
+        </p:spPr>
+        <p:style>
+          <a:lnRef idx="1">
+            <a:schemeClr val="accent4"/>
+          </a:lnRef>
+          <a:fillRef idx="0">
+            <a:schemeClr val="accent4"/>
+          </a:fillRef>
+          <a:effectRef idx="0">
+            <a:schemeClr val="accent4"/>
+          </a:effectRef>
+          <a:fontRef idx="minor">
+            <a:schemeClr val="tx1"/>
+          </a:fontRef>
+        </p:style>
+      </p:cxnSp>
+      <p:sp>
+        <p:nvSpPr>
+          <p:cNvPr id="6" name="矩形 5"/>
+          <p:cNvSpPr/>
+          <p:nvPr/>
+        </p:nvSpPr>
+        <p:spPr>
+          <a:xfrm>
+            <a:off x="1485899" y="1143000"/>
+            <a:ext cx="97293" cy="917347"/>
+          </a:xfrm>
+          <a:prstGeom prst="rect">
+            <a:avLst/>
+          </a:prstGeom>
+        </p:spPr>
+        <p:style>
+          <a:lnRef idx="2">
+            <a:schemeClr val="accent4">
+              <a:shade val="50000"/>
+            </a:schemeClr>
+          </a:lnRef>
+          <a:fillRef idx="1">
+            <a:schemeClr val="accent4"/>
+          </a:fillRef>
+          <a:effectRef idx="0">
+            <a:schemeClr val="accent4"/>
+          </a:effectRef>
+          <a:fontRef idx="minor">
+            <a:schemeClr val="lt1"/>
+          </a:fontRef>
+        </p:style>
+        <p:txBody>
+          <a:bodyPr rtlCol="0" anchor="ctr"/>
+          <a:lstStyle/>
+          <a:p>
+            <a:pPr algn="ctr"/>
+            <a:endParaRPr lang="en-SG"/>
+          </a:p>
+        </p:txBody>
+      </p:sp>
+      <p:cxnSp>
+        <p:nvCxnSpPr>
+          <p:cNvPr id="9" name="直接箭头连接符 8"/>
+          <p:cNvCxnSpPr/>
+          <p:nvPr/>
+        </p:nvCxnSpPr>
+        <p:spPr>
+          <a:xfrm>
+            <a:off x="609600" y="1143000"/>
+            <a:ext cx="876300" cy="0"/>
+          </a:xfrm>
+          <a:prstGeom prst="straightConnector1">
+            <a:avLst/>
+          </a:prstGeom>
+          <a:ln>
+            <a:tailEnd type="triangle"/>
+          </a:ln>
+        </p:spPr>
+        <p:style>
+          <a:lnRef idx="1">
+            <a:schemeClr val="accent4"/>
+          </a:lnRef>
+          <a:fillRef idx="0">
+            <a:schemeClr val="accent4"/>
+          </a:fillRef>
+          <a:effectRef idx="0">
+            <a:schemeClr val="accent4"/>
+          </a:effectRef>
+          <a:fontRef idx="minor">
+            <a:schemeClr val="tx1"/>
+          </a:fontRef>
+        </p:style>
+      </p:cxnSp>
+      <p:sp>
+        <p:nvSpPr>
+          <p:cNvPr id="10" name="文本框 9"/>
+          <p:cNvSpPr txBox="1"/>
+          <p:nvPr/>
+        </p:nvSpPr>
+        <p:spPr>
+          <a:xfrm>
+            <a:off x="609600" y="927556"/>
+            <a:ext cx="828675" cy="230832"/>
+          </a:xfrm>
+          <a:prstGeom prst="rect">
+            <a:avLst/>
+          </a:prstGeom>
+          <a:noFill/>
+        </p:spPr>
+        <p:txBody>
+          <a:bodyPr wrap="square" rtlCol="0">
+            <a:spAutoFit/>
+          </a:bodyPr>
+          <a:lstStyle/>
+          <a:p>
+            <a:pPr algn="ctr"/>
+            <a:r>
+              <a:rPr lang="en-US" sz="900" dirty="0" smtClean="0">
+                <a:solidFill>
+                  <a:schemeClr val="accent4"/>
+                </a:solidFill>
+              </a:rPr>
+              <a:t>execute</a:t>
+            </a:r>
+            <a:r>
+              <a:rPr lang="en-US" sz="800" dirty="0" smtClean="0">
+                <a:solidFill>
+                  <a:schemeClr val="accent4"/>
+                </a:solidFill>
+              </a:rPr>
+              <a:t>  undo</a:t>
+            </a:r>
+            <a:endParaRPr lang="en-SG" sz="800" dirty="0">
+              <a:solidFill>
+                <a:schemeClr val="accent4"/>
+              </a:solidFill>
+            </a:endParaRPr>
+          </a:p>
+        </p:txBody>
+      </p:sp>
+      <p:sp>
+        <p:nvSpPr>
+          <p:cNvPr id="11" name="矩形 10"/>
+          <p:cNvSpPr/>
+          <p:nvPr/>
+        </p:nvSpPr>
+        <p:spPr>
+          <a:xfrm>
+            <a:off x="2615632" y="609600"/>
+            <a:ext cx="1270567" cy="317956"/>
+          </a:xfrm>
+          <a:prstGeom prst="rect">
+            <a:avLst/>
+          </a:prstGeom>
+        </p:spPr>
+        <p:style>
+          <a:lnRef idx="2">
+            <a:schemeClr val="accent4">
+              <a:shade val="50000"/>
+            </a:schemeClr>
+          </a:lnRef>
+          <a:fillRef idx="1">
+            <a:schemeClr val="accent4"/>
+          </a:fillRef>
+          <a:effectRef idx="0">
+            <a:schemeClr val="accent4"/>
+          </a:effectRef>
+          <a:fontRef idx="minor">
+            <a:schemeClr val="lt1"/>
+          </a:fontRef>
+        </p:style>
+        <p:txBody>
+          <a:bodyPr rtlCol="0" anchor="ctr"/>
+          <a:lstStyle/>
+          <a:p>
+            <a:pPr algn="ctr"/>
+            <a:r>
+              <a:rPr lang="en-US" sz="1200" dirty="0" smtClean="0"/>
+              <a:t>:</a:t>
+            </a:r>
+            <a:r>
+              <a:rPr lang="en-US" sz="1200" dirty="0" err="1" smtClean="0"/>
+              <a:t>ModelManager</a:t>
+            </a:r>
+            <a:endParaRPr lang="en-SG" dirty="0"/>
+          </a:p>
+        </p:txBody>
+      </p:sp>
+      <p:cxnSp>
+        <p:nvCxnSpPr>
+          <p:cNvPr id="16" name="直接连接符 15"/>
+          <p:cNvCxnSpPr/>
+          <p:nvPr/>
+        </p:nvCxnSpPr>
+        <p:spPr>
+          <a:xfrm>
+            <a:off x="3248025" y="927556"/>
+            <a:ext cx="0" cy="228600"/>
+          </a:xfrm>
+          <a:prstGeom prst="line">
+            <a:avLst/>
+          </a:prstGeom>
+        </p:spPr>
+        <p:style>
+          <a:lnRef idx="1">
+            <a:schemeClr val="accent4"/>
+          </a:lnRef>
+          <a:fillRef idx="0">
+            <a:schemeClr val="accent4"/>
+          </a:fillRef>
+          <a:effectRef idx="0">
+            <a:schemeClr val="accent4"/>
+          </a:effectRef>
+          <a:fontRef idx="minor">
+            <a:schemeClr val="tx1"/>
+          </a:fontRef>
+        </p:style>
+      </p:cxnSp>
+      <p:sp>
+        <p:nvSpPr>
+          <p:cNvPr id="17" name="矩形 16"/>
+          <p:cNvSpPr/>
+          <p:nvPr/>
+        </p:nvSpPr>
+        <p:spPr>
+          <a:xfrm>
+            <a:off x="3209924" y="1168856"/>
+            <a:ext cx="91679" cy="2717344"/>
+          </a:xfrm>
+          <a:prstGeom prst="rect">
+            <a:avLst/>
+          </a:prstGeom>
+        </p:spPr>
+        <p:style>
+          <a:lnRef idx="2">
+            <a:schemeClr val="accent4">
+              <a:shade val="50000"/>
+            </a:schemeClr>
+          </a:lnRef>
+          <a:fillRef idx="1">
+            <a:schemeClr val="accent4"/>
+          </a:fillRef>
+          <a:effectRef idx="0">
+            <a:schemeClr val="accent4"/>
+          </a:effectRef>
+          <a:fontRef idx="minor">
+            <a:schemeClr val="lt1"/>
+          </a:fontRef>
+        </p:style>
+        <p:txBody>
+          <a:bodyPr rtlCol="0" anchor="ctr"/>
+          <a:lstStyle/>
+          <a:p>
+            <a:pPr algn="ctr"/>
+            <a:endParaRPr lang="en-SG"/>
+          </a:p>
+        </p:txBody>
+      </p:sp>
+      <p:cxnSp>
+        <p:nvCxnSpPr>
+          <p:cNvPr id="19" name="直接箭头连接符 18"/>
+          <p:cNvCxnSpPr/>
+          <p:nvPr/>
+        </p:nvCxnSpPr>
+        <p:spPr>
+          <a:xfrm>
+            <a:off x="1609726" y="1371600"/>
+            <a:ext cx="1590674" cy="0"/>
+          </a:xfrm>
+          <a:prstGeom prst="straightConnector1">
+            <a:avLst/>
+          </a:prstGeom>
+          <a:ln>
+            <a:tailEnd type="triangle"/>
+          </a:ln>
+        </p:spPr>
+        <p:style>
+          <a:lnRef idx="1">
+            <a:schemeClr val="accent4"/>
+          </a:lnRef>
+          <a:fillRef idx="0">
+            <a:schemeClr val="accent4"/>
+          </a:fillRef>
+          <a:effectRef idx="0">
+            <a:schemeClr val="accent4"/>
+          </a:effectRef>
+          <a:fontRef idx="minor">
+            <a:schemeClr val="tx1"/>
+          </a:fontRef>
+        </p:style>
+      </p:cxnSp>
+      <p:sp>
+        <p:nvSpPr>
+          <p:cNvPr id="20" name="文本框 19"/>
+          <p:cNvSpPr txBox="1"/>
+          <p:nvPr/>
+        </p:nvSpPr>
+        <p:spPr>
+          <a:xfrm>
+            <a:off x="1775563" y="1156612"/>
+            <a:ext cx="1295400" cy="230832"/>
+          </a:xfrm>
+          <a:prstGeom prst="rect">
+            <a:avLst/>
+          </a:prstGeom>
+          <a:noFill/>
+        </p:spPr>
+        <p:txBody>
+          <a:bodyPr wrap="square" rtlCol="0">
+            <a:spAutoFit/>
+          </a:bodyPr>
+          <a:lstStyle/>
+          <a:p>
+            <a:pPr algn="ctr"/>
+            <a:r>
+              <a:rPr lang="en-US" sz="900" dirty="0" smtClean="0">
+                <a:solidFill>
+                  <a:schemeClr val="accent4"/>
+                </a:solidFill>
+              </a:rPr>
+              <a:t>undo previous changes</a:t>
+            </a:r>
+            <a:endParaRPr lang="en-SG" sz="900" dirty="0">
+              <a:solidFill>
+                <a:schemeClr val="accent4"/>
+              </a:solidFill>
+            </a:endParaRPr>
+          </a:p>
+        </p:txBody>
+      </p:sp>
+      <p:sp>
+        <p:nvSpPr>
+          <p:cNvPr id="21" name="矩形 20"/>
+          <p:cNvSpPr/>
+          <p:nvPr/>
+        </p:nvSpPr>
+        <p:spPr>
+          <a:xfrm>
+            <a:off x="4339657" y="914400"/>
+            <a:ext cx="1340984" cy="317956"/>
+          </a:xfrm>
+          <a:prstGeom prst="rect">
+            <a:avLst/>
+          </a:prstGeom>
+        </p:spPr>
+        <p:style>
+          <a:lnRef idx="2">
+            <a:schemeClr val="accent4">
+              <a:shade val="50000"/>
+            </a:schemeClr>
+          </a:lnRef>
+          <a:fillRef idx="1">
+            <a:schemeClr val="accent4"/>
+          </a:fillRef>
+          <a:effectRef idx="0">
+            <a:schemeClr val="accent4"/>
+          </a:effectRef>
+          <a:fontRef idx="minor">
+            <a:schemeClr val="lt1"/>
+          </a:fontRef>
+        </p:style>
+        <p:txBody>
+          <a:bodyPr rtlCol="0" anchor="ctr"/>
+          <a:lstStyle/>
+          <a:p>
+            <a:pPr algn="ctr"/>
+            <a:r>
+              <a:rPr lang="en-US" sz="1200" dirty="0" smtClean="0"/>
+              <a:t>:</a:t>
+            </a:r>
+            <a:r>
+              <a:rPr lang="en-US" sz="1200" dirty="0" err="1" smtClean="0"/>
+              <a:t>ModelManager</a:t>
+            </a:r>
+            <a:r>
+              <a:rPr lang="en-US" sz="1200" dirty="0" smtClean="0"/>
+              <a:t>.</a:t>
+            </a:r>
+          </a:p>
+          <a:p>
+            <a:pPr algn="ctr"/>
+            <a:r>
+              <a:rPr lang="en-US" sz="1200" dirty="0" err="1" smtClean="0"/>
+              <a:t>undotaskManager</a:t>
+            </a:r>
+            <a:endParaRPr lang="en-SG" dirty="0"/>
+          </a:p>
+        </p:txBody>
+      </p:sp>
+      <p:cxnSp>
+        <p:nvCxnSpPr>
+          <p:cNvPr id="22" name="直接连接符 21"/>
+          <p:cNvCxnSpPr/>
+          <p:nvPr/>
+        </p:nvCxnSpPr>
+        <p:spPr>
+          <a:xfrm>
+            <a:off x="5008107" y="1254125"/>
+            <a:ext cx="0" cy="228600"/>
+          </a:xfrm>
+          <a:prstGeom prst="line">
+            <a:avLst/>
+          </a:prstGeom>
+        </p:spPr>
+        <p:style>
+          <a:lnRef idx="1">
+            <a:schemeClr val="accent4"/>
+          </a:lnRef>
+          <a:fillRef idx="0">
+            <a:schemeClr val="accent4"/>
+          </a:fillRef>
+          <a:effectRef idx="0">
+            <a:schemeClr val="accent4"/>
+          </a:effectRef>
+          <a:fontRef idx="minor">
+            <a:schemeClr val="tx1"/>
+          </a:fontRef>
+        </p:style>
+      </p:cxnSp>
+      <p:sp>
+        <p:nvSpPr>
+          <p:cNvPr id="23" name="矩形 22"/>
+          <p:cNvSpPr/>
+          <p:nvPr/>
+        </p:nvSpPr>
+        <p:spPr>
+          <a:xfrm>
+            <a:off x="4970007" y="1495425"/>
+            <a:ext cx="76200" cy="1476375"/>
+          </a:xfrm>
+          <a:prstGeom prst="rect">
+            <a:avLst/>
+          </a:prstGeom>
+        </p:spPr>
+        <p:style>
+          <a:lnRef idx="2">
+            <a:schemeClr val="accent4">
+              <a:shade val="50000"/>
+            </a:schemeClr>
+          </a:lnRef>
+          <a:fillRef idx="1">
+            <a:schemeClr val="accent4"/>
+          </a:fillRef>
+          <a:effectRef idx="0">
+            <a:schemeClr val="accent4"/>
+          </a:effectRef>
+          <a:fontRef idx="minor">
+            <a:schemeClr val="lt1"/>
+          </a:fontRef>
+        </p:style>
+        <p:txBody>
+          <a:bodyPr rtlCol="0" anchor="ctr"/>
+          <a:lstStyle/>
+          <a:p>
+            <a:pPr algn="ctr"/>
+            <a:endParaRPr lang="en-SG"/>
+          </a:p>
+        </p:txBody>
+      </p:sp>
+      <p:cxnSp>
+        <p:nvCxnSpPr>
+          <p:cNvPr id="25" name="直接箭头连接符 24"/>
+          <p:cNvCxnSpPr/>
+          <p:nvPr/>
+        </p:nvCxnSpPr>
+        <p:spPr>
+          <a:xfrm>
+            <a:off x="3305175" y="1660981"/>
+            <a:ext cx="1664832" cy="0"/>
+          </a:xfrm>
+          <a:prstGeom prst="straightConnector1">
+            <a:avLst/>
+          </a:prstGeom>
+          <a:ln>
+            <a:tailEnd type="triangle"/>
+          </a:ln>
+        </p:spPr>
+        <p:style>
+          <a:lnRef idx="1">
+            <a:schemeClr val="accent4"/>
+          </a:lnRef>
+          <a:fillRef idx="0">
+            <a:schemeClr val="accent4"/>
+          </a:fillRef>
+          <a:effectRef idx="0">
+            <a:schemeClr val="accent4"/>
+          </a:effectRef>
+          <a:fontRef idx="minor">
+            <a:schemeClr val="tx1"/>
+          </a:fontRef>
+        </p:style>
+      </p:cxnSp>
+      <p:sp>
+        <p:nvSpPr>
+          <p:cNvPr id="26" name="文本框 25"/>
+          <p:cNvSpPr txBox="1"/>
+          <p:nvPr/>
+        </p:nvSpPr>
+        <p:spPr>
+          <a:xfrm>
+            <a:off x="3305175" y="1304865"/>
+            <a:ext cx="1876426" cy="369332"/>
+          </a:xfrm>
+          <a:prstGeom prst="rect">
+            <a:avLst/>
+          </a:prstGeom>
+          <a:noFill/>
+        </p:spPr>
+        <p:txBody>
+          <a:bodyPr wrap="square" rtlCol="0">
+            <a:spAutoFit/>
+          </a:bodyPr>
+          <a:lstStyle/>
+          <a:p>
+            <a:r>
+              <a:rPr lang="en-US" sz="900" dirty="0" smtClean="0">
+                <a:solidFill>
+                  <a:schemeClr val="accent4"/>
+                </a:solidFill>
+              </a:rPr>
+              <a:t>Retrieve previous </a:t>
+            </a:r>
+            <a:r>
+              <a:rPr lang="en-US" sz="900" dirty="0" err="1" smtClean="0">
+                <a:solidFill>
+                  <a:schemeClr val="accent4"/>
+                </a:solidFill>
+              </a:rPr>
+              <a:t>TaskManager</a:t>
+            </a:r>
+            <a:r>
+              <a:rPr lang="en-US" sz="900" dirty="0" smtClean="0">
+                <a:solidFill>
+                  <a:schemeClr val="accent4"/>
+                </a:solidFill>
+              </a:rPr>
+              <a:t> </a:t>
+            </a:r>
+          </a:p>
+          <a:p>
+            <a:r>
+              <a:rPr lang="en-US" sz="900" dirty="0" smtClean="0">
+                <a:solidFill>
+                  <a:schemeClr val="accent4"/>
+                </a:solidFill>
+              </a:rPr>
+              <a:t>From </a:t>
+            </a:r>
+            <a:r>
+              <a:rPr lang="en-US" sz="900" dirty="0" err="1" smtClean="0">
+                <a:solidFill>
+                  <a:schemeClr val="accent4"/>
+                </a:solidFill>
+              </a:rPr>
+              <a:t>undoTaskManager</a:t>
+            </a:r>
+            <a:r>
+              <a:rPr lang="en-US" sz="900" dirty="0" smtClean="0">
+                <a:solidFill>
+                  <a:schemeClr val="accent4"/>
+                </a:solidFill>
+              </a:rPr>
+              <a:t> stack</a:t>
+            </a:r>
+            <a:endParaRPr lang="en-SG" sz="900" dirty="0">
+              <a:solidFill>
+                <a:schemeClr val="accent4"/>
+              </a:solidFill>
+            </a:endParaRPr>
+          </a:p>
+        </p:txBody>
+      </p:sp>
+      <p:sp>
+        <p:nvSpPr>
+          <p:cNvPr id="29" name="矩形 28"/>
+          <p:cNvSpPr/>
+          <p:nvPr/>
+        </p:nvSpPr>
+        <p:spPr>
+          <a:xfrm>
+            <a:off x="6957499" y="609600"/>
+            <a:ext cx="1340984" cy="317956"/>
+          </a:xfrm>
+          <a:prstGeom prst="rect">
+            <a:avLst/>
+          </a:prstGeom>
+        </p:spPr>
+        <p:style>
+          <a:lnRef idx="2">
+            <a:schemeClr val="accent4">
+              <a:shade val="50000"/>
+            </a:schemeClr>
+          </a:lnRef>
+          <a:fillRef idx="1">
+            <a:schemeClr val="accent4"/>
+          </a:fillRef>
+          <a:effectRef idx="0">
+            <a:schemeClr val="accent4"/>
+          </a:effectRef>
+          <a:fontRef idx="minor">
+            <a:schemeClr val="lt1"/>
+          </a:fontRef>
+        </p:style>
+        <p:txBody>
+          <a:bodyPr rtlCol="0" anchor="ctr"/>
+          <a:lstStyle/>
+          <a:p>
+            <a:pPr algn="ctr"/>
+            <a:r>
+              <a:rPr lang="en-US" sz="1200" dirty="0" smtClean="0"/>
+              <a:t>:</a:t>
+            </a:r>
+            <a:r>
+              <a:rPr lang="en-US" sz="1200" dirty="0" err="1" smtClean="0"/>
+              <a:t>TaskManager</a:t>
+            </a:r>
+            <a:endParaRPr lang="en-SG" dirty="0"/>
+          </a:p>
+        </p:txBody>
+      </p:sp>
+      <p:cxnSp>
+        <p:nvCxnSpPr>
+          <p:cNvPr id="30" name="直接连接符 29"/>
+          <p:cNvCxnSpPr/>
+          <p:nvPr/>
+        </p:nvCxnSpPr>
+        <p:spPr>
+          <a:xfrm>
+            <a:off x="7625949" y="949325"/>
+            <a:ext cx="0" cy="228600"/>
+          </a:xfrm>
+          <a:prstGeom prst="line">
+            <a:avLst/>
+          </a:prstGeom>
+        </p:spPr>
+        <p:style>
+          <a:lnRef idx="1">
+            <a:schemeClr val="accent4"/>
+          </a:lnRef>
+          <a:fillRef idx="0">
+            <a:schemeClr val="accent4"/>
+          </a:fillRef>
+          <a:effectRef idx="0">
+            <a:schemeClr val="accent4"/>
+          </a:effectRef>
+          <a:fontRef idx="minor">
+            <a:schemeClr val="tx1"/>
+          </a:fontRef>
+        </p:style>
+      </p:cxnSp>
+      <p:sp>
+        <p:nvSpPr>
+          <p:cNvPr id="31" name="矩形 30"/>
+          <p:cNvSpPr/>
+          <p:nvPr/>
+        </p:nvSpPr>
+        <p:spPr>
+          <a:xfrm>
+            <a:off x="7587849" y="1190625"/>
+            <a:ext cx="85216" cy="1933575"/>
+          </a:xfrm>
+          <a:prstGeom prst="rect">
+            <a:avLst/>
+          </a:prstGeom>
+        </p:spPr>
+        <p:style>
+          <a:lnRef idx="2">
+            <a:schemeClr val="accent4">
+              <a:shade val="50000"/>
+            </a:schemeClr>
+          </a:lnRef>
+          <a:fillRef idx="1">
+            <a:schemeClr val="accent4"/>
+          </a:fillRef>
+          <a:effectRef idx="0">
+            <a:schemeClr val="accent4"/>
+          </a:effectRef>
+          <a:fontRef idx="minor">
+            <a:schemeClr val="lt1"/>
+          </a:fontRef>
+        </p:style>
+        <p:txBody>
+          <a:bodyPr rtlCol="0" anchor="ctr"/>
+          <a:lstStyle/>
+          <a:p>
+            <a:pPr algn="ctr"/>
+            <a:endParaRPr lang="en-SG"/>
+          </a:p>
+        </p:txBody>
+      </p:sp>
+      <p:sp>
+        <p:nvSpPr>
+          <p:cNvPr id="34" name="文本框 33"/>
+          <p:cNvSpPr txBox="1"/>
+          <p:nvPr/>
+        </p:nvSpPr>
+        <p:spPr>
+          <a:xfrm>
+            <a:off x="5062026" y="1972200"/>
+            <a:ext cx="2405574" cy="369332"/>
+          </a:xfrm>
+          <a:prstGeom prst="rect">
+            <a:avLst/>
+          </a:prstGeom>
+          <a:noFill/>
+        </p:spPr>
+        <p:txBody>
+          <a:bodyPr wrap="square" rtlCol="0">
+            <a:spAutoFit/>
+          </a:bodyPr>
+          <a:lstStyle/>
+          <a:p>
+            <a:r>
+              <a:rPr lang="en-US" sz="900" dirty="0" smtClean="0">
+                <a:solidFill>
+                  <a:schemeClr val="accent4"/>
+                </a:solidFill>
+              </a:rPr>
+              <a:t>Reset Task Manager to</a:t>
+            </a:r>
+          </a:p>
+          <a:p>
+            <a:r>
+              <a:rPr lang="en-US" sz="900" dirty="0" smtClean="0">
+                <a:solidFill>
+                  <a:schemeClr val="accent4"/>
+                </a:solidFill>
+              </a:rPr>
+              <a:t>Previous </a:t>
+            </a:r>
+            <a:r>
+              <a:rPr lang="en-US" sz="900" dirty="0" err="1" smtClean="0">
+                <a:solidFill>
+                  <a:schemeClr val="accent4"/>
+                </a:solidFill>
+              </a:rPr>
+              <a:t>taskmanager</a:t>
+            </a:r>
+            <a:endParaRPr lang="en-SG" sz="900" dirty="0">
+              <a:solidFill>
+                <a:schemeClr val="accent4"/>
+              </a:solidFill>
+            </a:endParaRPr>
+          </a:p>
+        </p:txBody>
+      </p:sp>
+      <p:sp>
+        <p:nvSpPr>
+          <p:cNvPr id="35" name="矩形 34"/>
+          <p:cNvSpPr/>
+          <p:nvPr/>
+        </p:nvSpPr>
+        <p:spPr>
+          <a:xfrm>
+            <a:off x="5911282" y="914400"/>
+            <a:ext cx="1340984" cy="317956"/>
+          </a:xfrm>
+          <a:prstGeom prst="rect">
+            <a:avLst/>
+          </a:prstGeom>
+        </p:spPr>
+        <p:style>
+          <a:lnRef idx="2">
+            <a:schemeClr val="accent4">
+              <a:shade val="50000"/>
+            </a:schemeClr>
+          </a:lnRef>
+          <a:fillRef idx="1">
+            <a:schemeClr val="accent4"/>
+          </a:fillRef>
+          <a:effectRef idx="0">
+            <a:schemeClr val="accent4"/>
+          </a:effectRef>
+          <a:fontRef idx="minor">
+            <a:schemeClr val="lt1"/>
+          </a:fontRef>
+        </p:style>
+        <p:txBody>
+          <a:bodyPr rtlCol="0" anchor="ctr"/>
+          <a:lstStyle/>
+          <a:p>
+            <a:pPr algn="ctr"/>
+            <a:r>
+              <a:rPr lang="en-US" sz="1200" dirty="0" smtClean="0"/>
+              <a:t>:</a:t>
+            </a:r>
+            <a:r>
+              <a:rPr lang="en-US" sz="1200" dirty="0" err="1" smtClean="0"/>
+              <a:t>ModelManager</a:t>
+            </a:r>
+            <a:r>
+              <a:rPr lang="en-US" sz="1200" dirty="0" smtClean="0"/>
+              <a:t>.</a:t>
+            </a:r>
+          </a:p>
+          <a:p>
+            <a:pPr algn="ctr"/>
+            <a:r>
+              <a:rPr lang="en-US" sz="1200" dirty="0" err="1" smtClean="0"/>
+              <a:t>redotaskManager</a:t>
+            </a:r>
+            <a:endParaRPr lang="en-SG" dirty="0"/>
+          </a:p>
+        </p:txBody>
+      </p:sp>
+      <p:cxnSp>
+        <p:nvCxnSpPr>
+          <p:cNvPr id="36" name="直接连接符 35"/>
+          <p:cNvCxnSpPr/>
+          <p:nvPr/>
+        </p:nvCxnSpPr>
+        <p:spPr>
+          <a:xfrm>
+            <a:off x="6579732" y="1254125"/>
+            <a:ext cx="0" cy="228600"/>
+          </a:xfrm>
+          <a:prstGeom prst="line">
+            <a:avLst/>
+          </a:prstGeom>
+        </p:spPr>
+        <p:style>
+          <a:lnRef idx="1">
+            <a:schemeClr val="accent4"/>
+          </a:lnRef>
+          <a:fillRef idx="0">
+            <a:schemeClr val="accent4"/>
+          </a:fillRef>
+          <a:effectRef idx="0">
+            <a:schemeClr val="accent4"/>
+          </a:effectRef>
+          <a:fontRef idx="minor">
+            <a:schemeClr val="tx1"/>
+          </a:fontRef>
+        </p:style>
+      </p:cxnSp>
+      <p:sp>
+        <p:nvSpPr>
+          <p:cNvPr id="37" name="矩形 36"/>
+          <p:cNvSpPr/>
+          <p:nvPr/>
+        </p:nvSpPr>
+        <p:spPr>
+          <a:xfrm>
+            <a:off x="6541632" y="1495425"/>
+            <a:ext cx="76200" cy="564922"/>
+          </a:xfrm>
+          <a:prstGeom prst="rect">
+            <a:avLst/>
+          </a:prstGeom>
+        </p:spPr>
+        <p:style>
+          <a:lnRef idx="2">
+            <a:schemeClr val="accent4">
+              <a:shade val="50000"/>
+            </a:schemeClr>
+          </a:lnRef>
+          <a:fillRef idx="1">
+            <a:schemeClr val="accent4"/>
+          </a:fillRef>
+          <a:effectRef idx="0">
+            <a:schemeClr val="accent4"/>
+          </a:effectRef>
+          <a:fontRef idx="minor">
+            <a:schemeClr val="lt1"/>
+          </a:fontRef>
+        </p:style>
+        <p:txBody>
+          <a:bodyPr rtlCol="0" anchor="ctr"/>
+          <a:lstStyle/>
+          <a:p>
+            <a:pPr algn="ctr"/>
+            <a:endParaRPr lang="en-SG"/>
+          </a:p>
+        </p:txBody>
+      </p:sp>
+      <p:cxnSp>
+        <p:nvCxnSpPr>
+          <p:cNvPr id="39" name="直接箭头连接符 38"/>
+          <p:cNvCxnSpPr/>
+          <p:nvPr/>
+        </p:nvCxnSpPr>
+        <p:spPr>
+          <a:xfrm>
+            <a:off x="5046207" y="1752600"/>
+            <a:ext cx="1495425" cy="0"/>
+          </a:xfrm>
+          <a:prstGeom prst="straightConnector1">
+            <a:avLst/>
+          </a:prstGeom>
+          <a:ln>
+            <a:tailEnd type="triangle"/>
+          </a:ln>
+        </p:spPr>
+        <p:style>
+          <a:lnRef idx="1">
+            <a:schemeClr val="accent4"/>
+          </a:lnRef>
+          <a:fillRef idx="0">
+            <a:schemeClr val="accent4"/>
+          </a:fillRef>
+          <a:effectRef idx="0">
+            <a:schemeClr val="accent4"/>
+          </a:effectRef>
+          <a:fontRef idx="minor">
+            <a:schemeClr val="tx1"/>
+          </a:fontRef>
+        </p:style>
+      </p:cxnSp>
+      <p:sp>
+        <p:nvSpPr>
+          <p:cNvPr id="42" name="文本框 41"/>
+          <p:cNvSpPr txBox="1"/>
+          <p:nvPr/>
+        </p:nvSpPr>
+        <p:spPr>
+          <a:xfrm>
+            <a:off x="5062026" y="1360328"/>
+            <a:ext cx="1841557" cy="369332"/>
+          </a:xfrm>
+          <a:prstGeom prst="rect">
+            <a:avLst/>
+          </a:prstGeom>
+          <a:noFill/>
+        </p:spPr>
+        <p:txBody>
+          <a:bodyPr wrap="square" rtlCol="0">
+            <a:spAutoFit/>
+          </a:bodyPr>
+          <a:lstStyle/>
+          <a:p>
+            <a:r>
+              <a:rPr lang="en-US" sz="900" dirty="0" smtClean="0">
+                <a:solidFill>
+                  <a:schemeClr val="accent4"/>
+                </a:solidFill>
+              </a:rPr>
+              <a:t>Store current </a:t>
+            </a:r>
+            <a:r>
+              <a:rPr lang="en-US" sz="900" dirty="0" err="1" smtClean="0">
+                <a:solidFill>
+                  <a:schemeClr val="accent4"/>
+                </a:solidFill>
+              </a:rPr>
+              <a:t>TaskManager</a:t>
+            </a:r>
+            <a:r>
+              <a:rPr lang="en-US" sz="900" dirty="0" smtClean="0">
+                <a:solidFill>
+                  <a:schemeClr val="accent4"/>
+                </a:solidFill>
+              </a:rPr>
+              <a:t> to </a:t>
+            </a:r>
+            <a:r>
+              <a:rPr lang="en-US" sz="900" dirty="0" err="1" smtClean="0">
+                <a:solidFill>
+                  <a:schemeClr val="accent4"/>
+                </a:solidFill>
+              </a:rPr>
+              <a:t>redoTaskManager</a:t>
+            </a:r>
+            <a:r>
+              <a:rPr lang="en-US" sz="900" dirty="0" smtClean="0">
+                <a:solidFill>
+                  <a:schemeClr val="accent4"/>
+                </a:solidFill>
+              </a:rPr>
+              <a:t> stack</a:t>
+            </a:r>
+            <a:endParaRPr lang="en-SG" sz="900" dirty="0">
+              <a:solidFill>
+                <a:schemeClr val="accent4"/>
+              </a:solidFill>
+            </a:endParaRPr>
+          </a:p>
+        </p:txBody>
+      </p:sp>
+      <p:cxnSp>
+        <p:nvCxnSpPr>
+          <p:cNvPr id="47" name="直接箭头连接符 46"/>
+          <p:cNvCxnSpPr/>
+          <p:nvPr/>
+        </p:nvCxnSpPr>
+        <p:spPr>
+          <a:xfrm>
+            <a:off x="5084308" y="2341532"/>
+            <a:ext cx="2541641" cy="0"/>
+          </a:xfrm>
+          <a:prstGeom prst="straightConnector1">
+            <a:avLst/>
+          </a:prstGeom>
+          <a:ln>
+            <a:tailEnd type="triangle"/>
+          </a:ln>
+        </p:spPr>
+        <p:style>
+          <a:lnRef idx="1">
+            <a:schemeClr val="accent4"/>
+          </a:lnRef>
+          <a:fillRef idx="0">
+            <a:schemeClr val="accent4"/>
+          </a:fillRef>
+          <a:effectRef idx="0">
+            <a:schemeClr val="accent4"/>
+          </a:effectRef>
+          <a:fontRef idx="minor">
+            <a:schemeClr val="tx1"/>
+          </a:fontRef>
+        </p:style>
+      </p:cxnSp>
+      <p:cxnSp>
+        <p:nvCxnSpPr>
+          <p:cNvPr id="49" name="直接箭头连接符 48"/>
+          <p:cNvCxnSpPr/>
+          <p:nvPr/>
+        </p:nvCxnSpPr>
+        <p:spPr>
+          <a:xfrm flipH="1">
+            <a:off x="5084308" y="2743200"/>
+            <a:ext cx="2503541" cy="0"/>
+          </a:xfrm>
+          <a:prstGeom prst="straightConnector1">
+            <a:avLst/>
+          </a:prstGeom>
+          <a:ln>
+            <a:tailEnd type="triangle"/>
+          </a:ln>
+        </p:spPr>
+        <p:style>
+          <a:lnRef idx="1">
+            <a:schemeClr val="accent4"/>
+          </a:lnRef>
+          <a:fillRef idx="0">
+            <a:schemeClr val="accent4"/>
+          </a:fillRef>
+          <a:effectRef idx="0">
+            <a:schemeClr val="accent4"/>
+          </a:effectRef>
+          <a:fontRef idx="minor">
+            <a:schemeClr val="tx1"/>
+          </a:fontRef>
+        </p:style>
+      </p:cxnSp>
+      <p:sp>
+        <p:nvSpPr>
+          <p:cNvPr id="50" name="文本框 49"/>
+          <p:cNvSpPr txBox="1"/>
+          <p:nvPr/>
+        </p:nvSpPr>
+        <p:spPr>
+          <a:xfrm>
+            <a:off x="6069796" y="2505287"/>
+            <a:ext cx="582982" cy="230832"/>
+          </a:xfrm>
+          <a:prstGeom prst="rect">
+            <a:avLst/>
+          </a:prstGeom>
+          <a:noFill/>
+        </p:spPr>
+        <p:txBody>
+          <a:bodyPr wrap="square" rtlCol="0">
+            <a:spAutoFit/>
+          </a:bodyPr>
+          <a:lstStyle/>
+          <a:p>
+            <a:r>
+              <a:rPr lang="en-US" sz="900" dirty="0" smtClean="0">
+                <a:solidFill>
+                  <a:schemeClr val="accent4"/>
+                </a:solidFill>
+              </a:rPr>
+              <a:t>result</a:t>
+            </a:r>
+            <a:endParaRPr lang="en-SG" sz="900" dirty="0">
+              <a:solidFill>
+                <a:schemeClr val="accent4"/>
+              </a:solidFill>
+            </a:endParaRPr>
+          </a:p>
+        </p:txBody>
+      </p:sp>
+      <p:cxnSp>
+        <p:nvCxnSpPr>
+          <p:cNvPr id="51" name="直接箭头连接符 50"/>
+          <p:cNvCxnSpPr/>
+          <p:nvPr/>
+        </p:nvCxnSpPr>
+        <p:spPr>
+          <a:xfrm flipH="1" flipV="1">
+            <a:off x="3305174" y="2824908"/>
+            <a:ext cx="1645783" cy="11067"/>
+          </a:xfrm>
+          <a:prstGeom prst="straightConnector1">
+            <a:avLst/>
+          </a:prstGeom>
+          <a:ln>
+            <a:tailEnd type="triangle"/>
+          </a:ln>
+        </p:spPr>
+        <p:style>
+          <a:lnRef idx="1">
+            <a:schemeClr val="accent4"/>
+          </a:lnRef>
+          <a:fillRef idx="0">
+            <a:schemeClr val="accent4"/>
+          </a:fillRef>
+          <a:effectRef idx="0">
+            <a:schemeClr val="accent4"/>
+          </a:effectRef>
+          <a:fontRef idx="minor">
+            <a:schemeClr val="tx1"/>
+          </a:fontRef>
+        </p:style>
+      </p:cxnSp>
+      <p:sp>
+        <p:nvSpPr>
+          <p:cNvPr id="52" name="文本框 51"/>
+          <p:cNvSpPr txBox="1"/>
+          <p:nvPr/>
+        </p:nvSpPr>
+        <p:spPr>
+          <a:xfrm>
+            <a:off x="3882967" y="2594076"/>
+            <a:ext cx="582982" cy="230832"/>
+          </a:xfrm>
+          <a:prstGeom prst="rect">
+            <a:avLst/>
+          </a:prstGeom>
+          <a:noFill/>
+        </p:spPr>
+        <p:txBody>
+          <a:bodyPr wrap="square" rtlCol="0">
+            <a:spAutoFit/>
+          </a:bodyPr>
+          <a:lstStyle/>
+          <a:p>
+            <a:r>
+              <a:rPr lang="en-US" sz="900" dirty="0" smtClean="0">
+                <a:solidFill>
+                  <a:schemeClr val="accent4"/>
+                </a:solidFill>
+              </a:rPr>
+              <a:t>result</a:t>
+            </a:r>
+            <a:endParaRPr lang="en-SG" sz="900" dirty="0">
+              <a:solidFill>
+                <a:schemeClr val="accent4"/>
+              </a:solidFill>
+            </a:endParaRPr>
+          </a:p>
+        </p:txBody>
+      </p:sp>
+      <p:cxnSp>
+        <p:nvCxnSpPr>
+          <p:cNvPr id="57" name="直接箭头连接符 56"/>
+          <p:cNvCxnSpPr/>
+          <p:nvPr/>
+        </p:nvCxnSpPr>
+        <p:spPr>
+          <a:xfrm>
+            <a:off x="3301603" y="3581400"/>
+            <a:ext cx="1575197" cy="0"/>
+          </a:xfrm>
+          <a:prstGeom prst="straightConnector1">
+            <a:avLst/>
+          </a:prstGeom>
+          <a:ln>
+            <a:tailEnd type="triangle"/>
+          </a:ln>
+        </p:spPr>
+        <p:style>
+          <a:lnRef idx="1">
+            <a:schemeClr val="accent4"/>
+          </a:lnRef>
+          <a:fillRef idx="0">
+            <a:schemeClr val="accent4"/>
+          </a:fillRef>
+          <a:effectRef idx="0">
+            <a:schemeClr val="accent4"/>
+          </a:effectRef>
+          <a:fontRef idx="minor">
+            <a:schemeClr val="tx1"/>
+          </a:fontRef>
+        </p:style>
+      </p:cxnSp>
+      <p:sp>
+        <p:nvSpPr>
+          <p:cNvPr id="58" name="矩形 57"/>
+          <p:cNvSpPr/>
+          <p:nvPr/>
+        </p:nvSpPr>
+        <p:spPr>
+          <a:xfrm>
+            <a:off x="4925102" y="3408653"/>
+            <a:ext cx="1270567" cy="317956"/>
+          </a:xfrm>
+          <a:prstGeom prst="rect">
+            <a:avLst/>
+          </a:prstGeom>
+        </p:spPr>
+        <p:style>
+          <a:lnRef idx="2">
+            <a:schemeClr val="accent4">
+              <a:shade val="50000"/>
+            </a:schemeClr>
+          </a:lnRef>
+          <a:fillRef idx="1">
+            <a:schemeClr val="accent4"/>
+          </a:fillRef>
+          <a:effectRef idx="0">
+            <a:schemeClr val="accent4"/>
+          </a:effectRef>
+          <a:fontRef idx="minor">
+            <a:schemeClr val="lt1"/>
+          </a:fontRef>
+        </p:style>
+        <p:txBody>
+          <a:bodyPr rtlCol="0" anchor="ctr"/>
+          <a:lstStyle/>
+          <a:p>
+            <a:pPr algn="ctr"/>
+            <a:r>
+              <a:rPr lang="en-US" sz="1200" dirty="0" smtClean="0"/>
+              <a:t>:</a:t>
+            </a:r>
+            <a:r>
+              <a:rPr lang="en-US" sz="1200" dirty="0" err="1" smtClean="0"/>
+              <a:t>StorageManager</a:t>
+            </a:r>
+            <a:endParaRPr lang="en-SG" dirty="0"/>
+          </a:p>
+        </p:txBody>
+      </p:sp>
+      <p:sp>
+        <p:nvSpPr>
+          <p:cNvPr id="60" name="文本框 59"/>
+          <p:cNvSpPr txBox="1"/>
+          <p:nvPr/>
+        </p:nvSpPr>
+        <p:spPr>
+          <a:xfrm>
+            <a:off x="3797710" y="3327502"/>
+            <a:ext cx="774290" cy="230832"/>
+          </a:xfrm>
+          <a:prstGeom prst="rect">
+            <a:avLst/>
+          </a:prstGeom>
+          <a:noFill/>
+        </p:spPr>
+        <p:txBody>
+          <a:bodyPr wrap="square" rtlCol="0">
+            <a:spAutoFit/>
+          </a:bodyPr>
+          <a:lstStyle/>
+          <a:p>
+            <a:r>
+              <a:rPr lang="en-US" sz="900" dirty="0" smtClean="0">
+                <a:solidFill>
+                  <a:schemeClr val="accent4"/>
+                </a:solidFill>
+              </a:rPr>
+              <a:t>Save result</a:t>
+            </a:r>
+            <a:endParaRPr lang="en-SG" sz="900" dirty="0">
+              <a:solidFill>
+                <a:schemeClr val="accent4"/>
+              </a:solidFill>
+            </a:endParaRPr>
+          </a:p>
+        </p:txBody>
+      </p:sp>
+      <p:cxnSp>
+        <p:nvCxnSpPr>
+          <p:cNvPr id="62" name="直接箭头连接符 61"/>
+          <p:cNvCxnSpPr/>
+          <p:nvPr/>
+        </p:nvCxnSpPr>
+        <p:spPr>
+          <a:xfrm flipH="1">
+            <a:off x="1775563" y="3726609"/>
+            <a:ext cx="1424837" cy="0"/>
+          </a:xfrm>
+          <a:prstGeom prst="straightConnector1">
+            <a:avLst/>
+          </a:prstGeom>
+          <a:ln>
+            <a:tailEnd type="triangle"/>
+          </a:ln>
+        </p:spPr>
+        <p:style>
+          <a:lnRef idx="1">
+            <a:schemeClr val="accent4"/>
+          </a:lnRef>
+          <a:fillRef idx="0">
+            <a:schemeClr val="accent4"/>
+          </a:fillRef>
+          <a:effectRef idx="0">
+            <a:schemeClr val="accent4"/>
+          </a:effectRef>
+          <a:fontRef idx="minor">
+            <a:schemeClr val="tx1"/>
+          </a:fontRef>
+        </p:style>
+      </p:cxnSp>
+      <p:sp>
+        <p:nvSpPr>
+          <p:cNvPr id="63" name="矩形 62"/>
+          <p:cNvSpPr/>
+          <p:nvPr/>
+        </p:nvSpPr>
+        <p:spPr>
+          <a:xfrm>
+            <a:off x="924258" y="3590925"/>
+            <a:ext cx="847733" cy="317956"/>
+          </a:xfrm>
+          <a:prstGeom prst="rect">
+            <a:avLst/>
+          </a:prstGeom>
+        </p:spPr>
+        <p:style>
+          <a:lnRef idx="2">
+            <a:schemeClr val="accent4">
+              <a:shade val="50000"/>
+            </a:schemeClr>
+          </a:lnRef>
+          <a:fillRef idx="1">
+            <a:schemeClr val="accent4"/>
+          </a:fillRef>
+          <a:effectRef idx="0">
+            <a:schemeClr val="accent4"/>
+          </a:effectRef>
+          <a:fontRef idx="minor">
+            <a:schemeClr val="lt1"/>
+          </a:fontRef>
+        </p:style>
+        <p:txBody>
+          <a:bodyPr rtlCol="0" anchor="ctr"/>
+          <a:lstStyle/>
+          <a:p>
+            <a:pPr algn="ctr"/>
+            <a:r>
+              <a:rPr lang="en-US" sz="1200" dirty="0" smtClean="0"/>
+              <a:t>:UI</a:t>
+            </a:r>
+            <a:endParaRPr lang="en-SG" dirty="0"/>
+          </a:p>
+        </p:txBody>
+      </p:sp>
+      <p:sp>
+        <p:nvSpPr>
+          <p:cNvPr id="64" name="文本框 63"/>
+          <p:cNvSpPr txBox="1"/>
+          <p:nvPr/>
+        </p:nvSpPr>
+        <p:spPr>
+          <a:xfrm>
+            <a:off x="2086649" y="3558334"/>
+            <a:ext cx="861852" cy="230832"/>
+          </a:xfrm>
+          <a:prstGeom prst="rect">
+            <a:avLst/>
+          </a:prstGeom>
+          <a:noFill/>
+        </p:spPr>
+        <p:txBody>
+          <a:bodyPr wrap="square" rtlCol="0">
+            <a:spAutoFit/>
+          </a:bodyPr>
+          <a:lstStyle/>
+          <a:p>
+            <a:r>
+              <a:rPr lang="en-US" sz="900" dirty="0" smtClean="0">
+                <a:solidFill>
+                  <a:schemeClr val="accent4"/>
+                </a:solidFill>
+              </a:rPr>
+              <a:t>Display result</a:t>
+            </a:r>
+            <a:endParaRPr lang="en-SG" sz="900" dirty="0">
+              <a:solidFill>
+                <a:schemeClr val="accent4"/>
+              </a:solidFill>
+            </a:endParaRPr>
+          </a:p>
+        </p:txBody>
+      </p:sp>
+      <p:sp>
+        <p:nvSpPr>
+          <p:cNvPr id="65" name="文本框 64"/>
+          <p:cNvSpPr txBox="1"/>
+          <p:nvPr/>
+        </p:nvSpPr>
+        <p:spPr>
+          <a:xfrm>
+            <a:off x="838200" y="2505287"/>
+            <a:ext cx="1981200" cy="369332"/>
+          </a:xfrm>
+          <a:prstGeom prst="rect">
+            <a:avLst/>
+          </a:prstGeom>
+          <a:noFill/>
+        </p:spPr>
+        <p:txBody>
+          <a:bodyPr wrap="square" rtlCol="0">
+            <a:spAutoFit/>
+          </a:bodyPr>
+          <a:lstStyle/>
+          <a:p>
+            <a:r>
+              <a:rPr lang="en-US" smtClean="0">
+                <a:solidFill>
+                  <a:schemeClr val="accent4"/>
+                </a:solidFill>
+              </a:rPr>
+              <a:t>Undo </a:t>
+            </a:r>
+            <a:r>
+              <a:rPr lang="en-US" dirty="0" smtClean="0">
+                <a:solidFill>
+                  <a:schemeClr val="accent4"/>
+                </a:solidFill>
+              </a:rPr>
+              <a:t>Command</a:t>
+            </a:r>
+            <a:endParaRPr lang="en-SG" dirty="0">
+              <a:solidFill>
+                <a:schemeClr val="accent4"/>
+              </a:solidFill>
+            </a:endParaRPr>
+          </a:p>
+        </p:txBody>
+      </p:sp>
+    </p:spTree>
+    <p:extLst>
+      <p:ext uri="{BB962C8B-B14F-4D97-AF65-F5344CB8AC3E}">
+        <p14:creationId xmlns:p14="http://schemas.microsoft.com/office/powerpoint/2010/main" val="2091864083"/>
+      </p:ext>
+    </p:extLst>
+  </p:cSld>
+  <p:clrMapOvr>
+    <a:masterClrMapping/>
+  </p:clrMapOvr>
+  <p:timing>
+    <p:tnLst>
+      <p:par>
+        <p:cTn id="1" dur="indefinite" restart="never" nodeType="tmRoot"/>
+      </p:par>
+    </p:tnLst>
+  </p:timing>
+</p:sld>
+</file>
+
+<file path=ppt/slides/slide3.xml><?xml version="1.0" encoding="utf-8"?>
+<p:sld xmlns:a="http://schemas.openxmlformats.org/drawingml/2006/main" xmlns:r="http://schemas.openxmlformats.org/officeDocument/2006/relationships" xmlns:p="http://schemas.openxmlformats.org/presentationml/2006/main">
+  <p:cSld>
+    <p:spTree>
+      <p:nvGrpSpPr>
+        <p:cNvPr id="1" name=""/>
+        <p:cNvGrpSpPr/>
+        <p:nvPr/>
+      </p:nvGrpSpPr>
+      <p:grpSpPr>
+        <a:xfrm>
+          <a:off x="0" y="0"/>
+          <a:ext cx="0" cy="0"/>
+          <a:chOff x="0" y="0"/>
+          <a:chExt cx="0" cy="0"/>
+        </a:xfrm>
+      </p:grpSpPr>
+      <p:sp>
+        <p:nvSpPr>
+          <p:cNvPr id="2" name="Rectangle 65"/>
+          <p:cNvSpPr/>
+          <p:nvPr/>
+        </p:nvSpPr>
+        <p:spPr>
+          <a:xfrm>
+            <a:off x="609600" y="381000"/>
+            <a:ext cx="7871735" cy="3962400"/>
+          </a:xfrm>
+          <a:prstGeom prst="roundRect">
+            <a:avLst>
+              <a:gd name="adj" fmla="val 3484"/>
+            </a:avLst>
+          </a:prstGeom>
+          <a:solidFill>
+            <a:schemeClr val="accent4">
+              <a:lumMod val="20000"/>
+              <a:lumOff val="80000"/>
+            </a:schemeClr>
+          </a:solidFill>
+          <a:ln w="19050">
+            <a:noFill/>
+          </a:ln>
+          <a:effectLst/>
+        </p:spPr>
+        <p:style>
+          <a:lnRef idx="1">
+            <a:schemeClr val="accent2"/>
+          </a:lnRef>
+          <a:fillRef idx="2">
+            <a:schemeClr val="accent2"/>
+          </a:fillRef>
+          <a:effectRef idx="1">
+            <a:schemeClr val="accent2"/>
+          </a:effectRef>
+          <a:fontRef idx="minor">
+            <a:schemeClr val="dk1"/>
+          </a:fontRef>
+        </p:style>
+        <p:txBody>
+          <a:bodyPr rtlCol="0" anchor="t"/>
+          <a:lstStyle/>
+          <a:p>
+            <a:endParaRPr lang="en-SG" sz="1200" b="1" dirty="0">
+              <a:solidFill>
+                <a:srgbClr val="7030A0"/>
+              </a:solidFill>
+            </a:endParaRPr>
+          </a:p>
+        </p:txBody>
+      </p:sp>
+      <p:sp>
+        <p:nvSpPr>
+          <p:cNvPr id="3" name="矩形 2"/>
+          <p:cNvSpPr/>
+          <p:nvPr/>
+        </p:nvSpPr>
+        <p:spPr>
+          <a:xfrm>
+            <a:off x="914400" y="609600"/>
+            <a:ext cx="1219200" cy="304800"/>
+          </a:xfrm>
+          <a:prstGeom prst="rect">
+            <a:avLst/>
+          </a:prstGeom>
+        </p:spPr>
+        <p:style>
+          <a:lnRef idx="2">
+            <a:schemeClr val="accent4">
+              <a:shade val="50000"/>
+            </a:schemeClr>
+          </a:lnRef>
+          <a:fillRef idx="1">
+            <a:schemeClr val="accent4"/>
+          </a:fillRef>
+          <a:effectRef idx="0">
+            <a:schemeClr val="accent4"/>
+          </a:effectRef>
+          <a:fontRef idx="minor">
+            <a:schemeClr val="lt1"/>
+          </a:fontRef>
+        </p:style>
+        <p:txBody>
+          <a:bodyPr rtlCol="0" anchor="ctr"/>
+          <a:lstStyle/>
+          <a:p>
+            <a:pPr algn="ctr"/>
+            <a:r>
+              <a:rPr lang="en-US" sz="1200" dirty="0" smtClean="0"/>
+              <a:t>:</a:t>
+            </a:r>
+            <a:r>
+              <a:rPr lang="en-US" sz="1200" dirty="0" err="1" smtClean="0"/>
+              <a:t>RedoCommand</a:t>
+            </a:r>
+            <a:endParaRPr lang="en-SG" sz="1600" dirty="0"/>
+          </a:p>
+        </p:txBody>
+      </p:sp>
+      <p:cxnSp>
+        <p:nvCxnSpPr>
+          <p:cNvPr id="4" name="直接连接符 3"/>
+          <p:cNvCxnSpPr>
+            <a:stCxn id="3" idx="2"/>
+          </p:cNvCxnSpPr>
+          <p:nvPr/>
+        </p:nvCxnSpPr>
+        <p:spPr>
+          <a:xfrm>
+            <a:off x="1524000" y="914400"/>
+            <a:ext cx="0" cy="228600"/>
+          </a:xfrm>
+          <a:prstGeom prst="line">
+            <a:avLst/>
+          </a:prstGeom>
+        </p:spPr>
+        <p:style>
+          <a:lnRef idx="1">
+            <a:schemeClr val="accent4"/>
+          </a:lnRef>
+          <a:fillRef idx="0">
+            <a:schemeClr val="accent4"/>
+          </a:fillRef>
+          <a:effectRef idx="0">
+            <a:schemeClr val="accent4"/>
+          </a:effectRef>
+          <a:fontRef idx="minor">
+            <a:schemeClr val="tx1"/>
+          </a:fontRef>
+        </p:style>
+      </p:cxnSp>
+      <p:sp>
+        <p:nvSpPr>
+          <p:cNvPr id="5" name="矩形 4"/>
+          <p:cNvSpPr/>
+          <p:nvPr/>
+        </p:nvSpPr>
+        <p:spPr>
+          <a:xfrm>
+            <a:off x="1485899" y="1143000"/>
+            <a:ext cx="97293" cy="917347"/>
+          </a:xfrm>
+          <a:prstGeom prst="rect">
+            <a:avLst/>
+          </a:prstGeom>
+        </p:spPr>
+        <p:style>
+          <a:lnRef idx="2">
+            <a:schemeClr val="accent4">
+              <a:shade val="50000"/>
+            </a:schemeClr>
+          </a:lnRef>
+          <a:fillRef idx="1">
+            <a:schemeClr val="accent4"/>
+          </a:fillRef>
+          <a:effectRef idx="0">
+            <a:schemeClr val="accent4"/>
+          </a:effectRef>
+          <a:fontRef idx="minor">
+            <a:schemeClr val="lt1"/>
+          </a:fontRef>
+        </p:style>
+        <p:txBody>
+          <a:bodyPr rtlCol="0" anchor="ctr"/>
+          <a:lstStyle/>
+          <a:p>
+            <a:pPr algn="ctr"/>
+            <a:endParaRPr lang="en-SG"/>
+          </a:p>
+        </p:txBody>
+      </p:sp>
+      <p:cxnSp>
+        <p:nvCxnSpPr>
+          <p:cNvPr id="6" name="直接箭头连接符 5"/>
+          <p:cNvCxnSpPr/>
+          <p:nvPr/>
+        </p:nvCxnSpPr>
+        <p:spPr>
+          <a:xfrm>
+            <a:off x="609600" y="1143000"/>
+            <a:ext cx="876300" cy="0"/>
+          </a:xfrm>
+          <a:prstGeom prst="straightConnector1">
+            <a:avLst/>
+          </a:prstGeom>
+          <a:ln>
+            <a:tailEnd type="triangle"/>
+          </a:ln>
+        </p:spPr>
+        <p:style>
+          <a:lnRef idx="1">
+            <a:schemeClr val="accent4"/>
+          </a:lnRef>
+          <a:fillRef idx="0">
+            <a:schemeClr val="accent4"/>
+          </a:fillRef>
+          <a:effectRef idx="0">
+            <a:schemeClr val="accent4"/>
+          </a:effectRef>
+          <a:fontRef idx="minor">
+            <a:schemeClr val="tx1"/>
+          </a:fontRef>
+        </p:style>
+      </p:cxnSp>
+      <p:sp>
+        <p:nvSpPr>
+          <p:cNvPr id="7" name="文本框 6"/>
+          <p:cNvSpPr txBox="1"/>
+          <p:nvPr/>
+        </p:nvSpPr>
+        <p:spPr>
+          <a:xfrm>
+            <a:off x="609600" y="927556"/>
+            <a:ext cx="828675" cy="230832"/>
+          </a:xfrm>
+          <a:prstGeom prst="rect">
+            <a:avLst/>
+          </a:prstGeom>
+          <a:noFill/>
+        </p:spPr>
+        <p:txBody>
+          <a:bodyPr wrap="square" rtlCol="0">
+            <a:spAutoFit/>
+          </a:bodyPr>
+          <a:lstStyle/>
+          <a:p>
+            <a:pPr algn="ctr"/>
+            <a:r>
+              <a:rPr lang="en-US" sz="900" dirty="0" smtClean="0">
+                <a:solidFill>
+                  <a:schemeClr val="accent4"/>
+                </a:solidFill>
+              </a:rPr>
+              <a:t>execute</a:t>
+            </a:r>
+            <a:r>
+              <a:rPr lang="en-US" sz="800" dirty="0" smtClean="0">
+                <a:solidFill>
+                  <a:schemeClr val="accent4"/>
+                </a:solidFill>
+              </a:rPr>
+              <a:t>  redo</a:t>
+            </a:r>
+            <a:endParaRPr lang="en-SG" sz="800" dirty="0">
+              <a:solidFill>
+                <a:schemeClr val="accent4"/>
+              </a:solidFill>
+            </a:endParaRPr>
+          </a:p>
+        </p:txBody>
+      </p:sp>
+      <p:sp>
+        <p:nvSpPr>
+          <p:cNvPr id="8" name="矩形 7"/>
+          <p:cNvSpPr/>
+          <p:nvPr/>
+        </p:nvSpPr>
+        <p:spPr>
+          <a:xfrm>
+            <a:off x="2615632" y="609600"/>
+            <a:ext cx="1270567" cy="317956"/>
+          </a:xfrm>
+          <a:prstGeom prst="rect">
+            <a:avLst/>
+          </a:prstGeom>
+        </p:spPr>
+        <p:style>
+          <a:lnRef idx="2">
+            <a:schemeClr val="accent4">
+              <a:shade val="50000"/>
+            </a:schemeClr>
+          </a:lnRef>
+          <a:fillRef idx="1">
+            <a:schemeClr val="accent4"/>
+          </a:fillRef>
+          <a:effectRef idx="0">
+            <a:schemeClr val="accent4"/>
+          </a:effectRef>
+          <a:fontRef idx="minor">
+            <a:schemeClr val="lt1"/>
+          </a:fontRef>
+        </p:style>
+        <p:txBody>
+          <a:bodyPr rtlCol="0" anchor="ctr"/>
+          <a:lstStyle/>
+          <a:p>
+            <a:pPr algn="ctr"/>
+            <a:r>
+              <a:rPr lang="en-US" sz="1200" dirty="0" smtClean="0"/>
+              <a:t>:</a:t>
+            </a:r>
+            <a:r>
+              <a:rPr lang="en-US" sz="1200" dirty="0" err="1" smtClean="0"/>
+              <a:t>ModelManager</a:t>
+            </a:r>
+            <a:endParaRPr lang="en-SG" dirty="0"/>
+          </a:p>
+        </p:txBody>
+      </p:sp>
+      <p:cxnSp>
+        <p:nvCxnSpPr>
+          <p:cNvPr id="9" name="直接连接符 8"/>
+          <p:cNvCxnSpPr/>
+          <p:nvPr/>
+        </p:nvCxnSpPr>
+        <p:spPr>
+          <a:xfrm>
+            <a:off x="3248025" y="927556"/>
+            <a:ext cx="0" cy="228600"/>
+          </a:xfrm>
+          <a:prstGeom prst="line">
+            <a:avLst/>
+          </a:prstGeom>
+        </p:spPr>
+        <p:style>
+          <a:lnRef idx="1">
+            <a:schemeClr val="accent4"/>
+          </a:lnRef>
+          <a:fillRef idx="0">
+            <a:schemeClr val="accent4"/>
+          </a:fillRef>
+          <a:effectRef idx="0">
+            <a:schemeClr val="accent4"/>
+          </a:effectRef>
+          <a:fontRef idx="minor">
+            <a:schemeClr val="tx1"/>
+          </a:fontRef>
+        </p:style>
+      </p:cxnSp>
+      <p:sp>
+        <p:nvSpPr>
+          <p:cNvPr id="10" name="矩形 9"/>
+          <p:cNvSpPr/>
+          <p:nvPr/>
+        </p:nvSpPr>
+        <p:spPr>
+          <a:xfrm>
+            <a:off x="3209924" y="1168856"/>
+            <a:ext cx="91679" cy="2717344"/>
+          </a:xfrm>
+          <a:prstGeom prst="rect">
+            <a:avLst/>
+          </a:prstGeom>
+        </p:spPr>
+        <p:style>
+          <a:lnRef idx="2">
+            <a:schemeClr val="accent4">
+              <a:shade val="50000"/>
+            </a:schemeClr>
+          </a:lnRef>
+          <a:fillRef idx="1">
+            <a:schemeClr val="accent4"/>
+          </a:fillRef>
+          <a:effectRef idx="0">
+            <a:schemeClr val="accent4"/>
+          </a:effectRef>
+          <a:fontRef idx="minor">
+            <a:schemeClr val="lt1"/>
+          </a:fontRef>
+        </p:style>
+        <p:txBody>
+          <a:bodyPr rtlCol="0" anchor="ctr"/>
+          <a:lstStyle/>
+          <a:p>
+            <a:pPr algn="ctr"/>
+            <a:endParaRPr lang="en-SG"/>
+          </a:p>
+        </p:txBody>
+      </p:sp>
+      <p:cxnSp>
+        <p:nvCxnSpPr>
+          <p:cNvPr id="11" name="直接箭头连接符 10"/>
+          <p:cNvCxnSpPr/>
+          <p:nvPr/>
+        </p:nvCxnSpPr>
+        <p:spPr>
+          <a:xfrm>
+            <a:off x="1609726" y="1371600"/>
+            <a:ext cx="1590674" cy="0"/>
+          </a:xfrm>
+          <a:prstGeom prst="straightConnector1">
+            <a:avLst/>
+          </a:prstGeom>
+          <a:ln>
+            <a:tailEnd type="triangle"/>
+          </a:ln>
+        </p:spPr>
+        <p:style>
+          <a:lnRef idx="1">
+            <a:schemeClr val="accent4"/>
+          </a:lnRef>
+          <a:fillRef idx="0">
+            <a:schemeClr val="accent4"/>
+          </a:fillRef>
+          <a:effectRef idx="0">
+            <a:schemeClr val="accent4"/>
+          </a:effectRef>
+          <a:fontRef idx="minor">
+            <a:schemeClr val="tx1"/>
+          </a:fontRef>
+        </p:style>
+      </p:cxnSp>
+      <p:sp>
+        <p:nvSpPr>
+          <p:cNvPr id="12" name="文本框 11"/>
+          <p:cNvSpPr txBox="1"/>
+          <p:nvPr/>
+        </p:nvSpPr>
+        <p:spPr>
+          <a:xfrm>
+            <a:off x="1775563" y="1156612"/>
+            <a:ext cx="1295400" cy="230832"/>
+          </a:xfrm>
+          <a:prstGeom prst="rect">
+            <a:avLst/>
+          </a:prstGeom>
+          <a:noFill/>
+        </p:spPr>
+        <p:txBody>
+          <a:bodyPr wrap="square" rtlCol="0">
+            <a:spAutoFit/>
+          </a:bodyPr>
+          <a:lstStyle/>
+          <a:p>
+            <a:pPr algn="ctr"/>
+            <a:r>
+              <a:rPr lang="en-US" sz="900" dirty="0" smtClean="0">
+                <a:solidFill>
+                  <a:schemeClr val="accent4"/>
+                </a:solidFill>
+              </a:rPr>
+              <a:t>redo previous changes</a:t>
+            </a:r>
+            <a:endParaRPr lang="en-SG" sz="900" dirty="0">
+              <a:solidFill>
+                <a:schemeClr val="accent4"/>
+              </a:solidFill>
+            </a:endParaRPr>
+          </a:p>
+        </p:txBody>
+      </p:sp>
+      <p:sp>
+        <p:nvSpPr>
+          <p:cNvPr id="13" name="矩形 12"/>
+          <p:cNvSpPr/>
+          <p:nvPr/>
+        </p:nvSpPr>
+        <p:spPr>
+          <a:xfrm>
+            <a:off x="4339657" y="914400"/>
+            <a:ext cx="1340984" cy="317956"/>
+          </a:xfrm>
+          <a:prstGeom prst="rect">
+            <a:avLst/>
+          </a:prstGeom>
+        </p:spPr>
+        <p:style>
+          <a:lnRef idx="2">
+            <a:schemeClr val="accent4">
+              <a:shade val="50000"/>
+            </a:schemeClr>
+          </a:lnRef>
+          <a:fillRef idx="1">
+            <a:schemeClr val="accent4"/>
+          </a:fillRef>
+          <a:effectRef idx="0">
+            <a:schemeClr val="accent4"/>
+          </a:effectRef>
+          <a:fontRef idx="minor">
+            <a:schemeClr val="lt1"/>
+          </a:fontRef>
+        </p:style>
+        <p:txBody>
+          <a:bodyPr rtlCol="0" anchor="ctr"/>
+          <a:lstStyle/>
+          <a:p>
+            <a:pPr algn="ctr"/>
+            <a:r>
+              <a:rPr lang="en-US" sz="1200" dirty="0" smtClean="0"/>
+              <a:t>:</a:t>
+            </a:r>
+            <a:r>
+              <a:rPr lang="en-US" sz="1200" dirty="0" err="1" smtClean="0"/>
+              <a:t>ModelManager</a:t>
+            </a:r>
+            <a:r>
+              <a:rPr lang="en-US" sz="1200" dirty="0" smtClean="0"/>
+              <a:t>.</a:t>
+            </a:r>
+          </a:p>
+          <a:p>
+            <a:pPr algn="ctr"/>
+            <a:r>
+              <a:rPr lang="en-US" sz="1200" dirty="0" err="1" smtClean="0"/>
+              <a:t>redoTaskManager</a:t>
+            </a:r>
+            <a:endParaRPr lang="en-SG" dirty="0"/>
+          </a:p>
+        </p:txBody>
+      </p:sp>
+      <p:cxnSp>
+        <p:nvCxnSpPr>
+          <p:cNvPr id="14" name="直接连接符 13"/>
+          <p:cNvCxnSpPr/>
+          <p:nvPr/>
+        </p:nvCxnSpPr>
+        <p:spPr>
+          <a:xfrm>
+            <a:off x="5008107" y="1254125"/>
+            <a:ext cx="0" cy="228600"/>
+          </a:xfrm>
+          <a:prstGeom prst="line">
+            <a:avLst/>
+          </a:prstGeom>
+        </p:spPr>
+        <p:style>
+          <a:lnRef idx="1">
+            <a:schemeClr val="accent4"/>
+          </a:lnRef>
+          <a:fillRef idx="0">
+            <a:schemeClr val="accent4"/>
+          </a:fillRef>
+          <a:effectRef idx="0">
+            <a:schemeClr val="accent4"/>
+          </a:effectRef>
+          <a:fontRef idx="minor">
+            <a:schemeClr val="tx1"/>
+          </a:fontRef>
+        </p:style>
+      </p:cxnSp>
+      <p:sp>
+        <p:nvSpPr>
+          <p:cNvPr id="15" name="矩形 14"/>
+          <p:cNvSpPr/>
+          <p:nvPr/>
+        </p:nvSpPr>
+        <p:spPr>
+          <a:xfrm>
+            <a:off x="4970007" y="1495425"/>
+            <a:ext cx="76200" cy="1476375"/>
+          </a:xfrm>
+          <a:prstGeom prst="rect">
+            <a:avLst/>
+          </a:prstGeom>
+        </p:spPr>
+        <p:style>
+          <a:lnRef idx="2">
+            <a:schemeClr val="accent4">
+              <a:shade val="50000"/>
+            </a:schemeClr>
+          </a:lnRef>
+          <a:fillRef idx="1">
+            <a:schemeClr val="accent4"/>
+          </a:fillRef>
+          <a:effectRef idx="0">
+            <a:schemeClr val="accent4"/>
+          </a:effectRef>
+          <a:fontRef idx="minor">
+            <a:schemeClr val="lt1"/>
+          </a:fontRef>
+        </p:style>
+        <p:txBody>
+          <a:bodyPr rtlCol="0" anchor="ctr"/>
+          <a:lstStyle/>
+          <a:p>
+            <a:pPr algn="ctr"/>
+            <a:endParaRPr lang="en-SG"/>
+          </a:p>
+        </p:txBody>
+      </p:sp>
+      <p:cxnSp>
+        <p:nvCxnSpPr>
+          <p:cNvPr id="16" name="直接箭头连接符 15"/>
+          <p:cNvCxnSpPr/>
+          <p:nvPr/>
+        </p:nvCxnSpPr>
+        <p:spPr>
+          <a:xfrm>
+            <a:off x="3305175" y="1660981"/>
+            <a:ext cx="1664832" cy="0"/>
+          </a:xfrm>
+          <a:prstGeom prst="straightConnector1">
+            <a:avLst/>
+          </a:prstGeom>
+          <a:ln>
+            <a:tailEnd type="triangle"/>
+          </a:ln>
+        </p:spPr>
+        <p:style>
+          <a:lnRef idx="1">
+            <a:schemeClr val="accent4"/>
+          </a:lnRef>
+          <a:fillRef idx="0">
+            <a:schemeClr val="accent4"/>
+          </a:fillRef>
+          <a:effectRef idx="0">
+            <a:schemeClr val="accent4"/>
+          </a:effectRef>
+          <a:fontRef idx="minor">
+            <a:schemeClr val="tx1"/>
+          </a:fontRef>
+        </p:style>
+      </p:cxnSp>
+      <p:sp>
+        <p:nvSpPr>
+          <p:cNvPr id="17" name="文本框 16"/>
+          <p:cNvSpPr txBox="1"/>
+          <p:nvPr/>
+        </p:nvSpPr>
+        <p:spPr>
+          <a:xfrm>
+            <a:off x="3305175" y="1304865"/>
+            <a:ext cx="1876426" cy="369332"/>
+          </a:xfrm>
+          <a:prstGeom prst="rect">
+            <a:avLst/>
+          </a:prstGeom>
+          <a:noFill/>
+        </p:spPr>
+        <p:txBody>
+          <a:bodyPr wrap="square" rtlCol="0">
+            <a:spAutoFit/>
+          </a:bodyPr>
+          <a:lstStyle/>
+          <a:p>
+            <a:r>
+              <a:rPr lang="en-US" sz="900" dirty="0" smtClean="0">
+                <a:solidFill>
+                  <a:schemeClr val="accent4"/>
+                </a:solidFill>
+              </a:rPr>
+              <a:t>Retrieve previous </a:t>
+            </a:r>
+            <a:r>
+              <a:rPr lang="en-US" sz="900" dirty="0" err="1" smtClean="0">
+                <a:solidFill>
+                  <a:schemeClr val="accent4"/>
+                </a:solidFill>
+              </a:rPr>
+              <a:t>taskmanager</a:t>
+            </a:r>
+            <a:endParaRPr lang="en-US" sz="900" dirty="0" smtClean="0">
+              <a:solidFill>
+                <a:schemeClr val="accent4"/>
+              </a:solidFill>
+            </a:endParaRPr>
+          </a:p>
+          <a:p>
+            <a:r>
+              <a:rPr lang="en-US" sz="900" dirty="0" smtClean="0">
+                <a:solidFill>
+                  <a:schemeClr val="accent4"/>
+                </a:solidFill>
+              </a:rPr>
+              <a:t>From </a:t>
+            </a:r>
+            <a:r>
+              <a:rPr lang="en-US" sz="900" dirty="0" err="1" smtClean="0">
+                <a:solidFill>
+                  <a:schemeClr val="accent4"/>
+                </a:solidFill>
+              </a:rPr>
+              <a:t>redoTaskManager</a:t>
+            </a:r>
+            <a:r>
+              <a:rPr lang="en-US" sz="900" dirty="0" smtClean="0">
+                <a:solidFill>
+                  <a:schemeClr val="accent4"/>
+                </a:solidFill>
+              </a:rPr>
+              <a:t> stack</a:t>
+            </a:r>
+            <a:endParaRPr lang="en-SG" sz="900" dirty="0">
+              <a:solidFill>
+                <a:schemeClr val="accent4"/>
+              </a:solidFill>
+            </a:endParaRPr>
+          </a:p>
+        </p:txBody>
+      </p:sp>
+      <p:sp>
+        <p:nvSpPr>
+          <p:cNvPr id="18" name="矩形 17"/>
+          <p:cNvSpPr/>
+          <p:nvPr/>
+        </p:nvSpPr>
+        <p:spPr>
+          <a:xfrm>
+            <a:off x="6957499" y="609600"/>
+            <a:ext cx="1340984" cy="317956"/>
+          </a:xfrm>
+          <a:prstGeom prst="rect">
+            <a:avLst/>
+          </a:prstGeom>
+        </p:spPr>
+        <p:style>
+          <a:lnRef idx="2">
+            <a:schemeClr val="accent4">
+              <a:shade val="50000"/>
+            </a:schemeClr>
+          </a:lnRef>
+          <a:fillRef idx="1">
+            <a:schemeClr val="accent4"/>
+          </a:fillRef>
+          <a:effectRef idx="0">
+            <a:schemeClr val="accent4"/>
+          </a:effectRef>
+          <a:fontRef idx="minor">
+            <a:schemeClr val="lt1"/>
+          </a:fontRef>
+        </p:style>
+        <p:txBody>
+          <a:bodyPr rtlCol="0" anchor="ctr"/>
+          <a:lstStyle/>
+          <a:p>
+            <a:pPr algn="ctr"/>
+            <a:r>
+              <a:rPr lang="en-US" sz="1200" dirty="0" smtClean="0"/>
+              <a:t>:</a:t>
+            </a:r>
+            <a:r>
+              <a:rPr lang="en-US" sz="1200" dirty="0" err="1" smtClean="0"/>
+              <a:t>TaskManager</a:t>
+            </a:r>
+            <a:endParaRPr lang="en-SG" dirty="0"/>
+          </a:p>
+        </p:txBody>
+      </p:sp>
+      <p:cxnSp>
+        <p:nvCxnSpPr>
+          <p:cNvPr id="19" name="直接连接符 18"/>
+          <p:cNvCxnSpPr/>
+          <p:nvPr/>
+        </p:nvCxnSpPr>
+        <p:spPr>
+          <a:xfrm>
+            <a:off x="7625949" y="949325"/>
+            <a:ext cx="0" cy="228600"/>
+          </a:xfrm>
+          <a:prstGeom prst="line">
+            <a:avLst/>
+          </a:prstGeom>
+        </p:spPr>
+        <p:style>
+          <a:lnRef idx="1">
+            <a:schemeClr val="accent4"/>
+          </a:lnRef>
+          <a:fillRef idx="0">
+            <a:schemeClr val="accent4"/>
+          </a:fillRef>
+          <a:effectRef idx="0">
+            <a:schemeClr val="accent4"/>
+          </a:effectRef>
+          <a:fontRef idx="minor">
+            <a:schemeClr val="tx1"/>
+          </a:fontRef>
+        </p:style>
+      </p:cxnSp>
+      <p:sp>
+        <p:nvSpPr>
+          <p:cNvPr id="20" name="矩形 19"/>
+          <p:cNvSpPr/>
+          <p:nvPr/>
+        </p:nvSpPr>
+        <p:spPr>
+          <a:xfrm>
+            <a:off x="7587849" y="1190625"/>
+            <a:ext cx="85216" cy="1933575"/>
+          </a:xfrm>
+          <a:prstGeom prst="rect">
+            <a:avLst/>
+          </a:prstGeom>
+        </p:spPr>
+        <p:style>
+          <a:lnRef idx="2">
+            <a:schemeClr val="accent4">
+              <a:shade val="50000"/>
+            </a:schemeClr>
+          </a:lnRef>
+          <a:fillRef idx="1">
+            <a:schemeClr val="accent4"/>
+          </a:fillRef>
+          <a:effectRef idx="0">
+            <a:schemeClr val="accent4"/>
+          </a:effectRef>
+          <a:fontRef idx="minor">
+            <a:schemeClr val="lt1"/>
+          </a:fontRef>
+        </p:style>
+        <p:txBody>
+          <a:bodyPr rtlCol="0" anchor="ctr"/>
+          <a:lstStyle/>
+          <a:p>
+            <a:pPr algn="ctr"/>
+            <a:endParaRPr lang="en-SG"/>
+          </a:p>
+        </p:txBody>
+      </p:sp>
+      <p:sp>
+        <p:nvSpPr>
+          <p:cNvPr id="21" name="文本框 20"/>
+          <p:cNvSpPr txBox="1"/>
+          <p:nvPr/>
+        </p:nvSpPr>
+        <p:spPr>
+          <a:xfrm>
+            <a:off x="5062026" y="1972200"/>
+            <a:ext cx="2405574" cy="369332"/>
+          </a:xfrm>
+          <a:prstGeom prst="rect">
+            <a:avLst/>
+          </a:prstGeom>
+          <a:noFill/>
+        </p:spPr>
+        <p:txBody>
+          <a:bodyPr wrap="square" rtlCol="0">
+            <a:spAutoFit/>
+          </a:bodyPr>
+          <a:lstStyle/>
+          <a:p>
+            <a:r>
+              <a:rPr lang="en-US" sz="900" dirty="0" smtClean="0">
+                <a:solidFill>
+                  <a:schemeClr val="accent4"/>
+                </a:solidFill>
+              </a:rPr>
+              <a:t>Reset Task Manager to</a:t>
+            </a:r>
+          </a:p>
+          <a:p>
+            <a:r>
+              <a:rPr lang="en-US" sz="900" dirty="0" smtClean="0">
+                <a:solidFill>
+                  <a:schemeClr val="accent4"/>
+                </a:solidFill>
+              </a:rPr>
+              <a:t>Previous </a:t>
+            </a:r>
+            <a:r>
+              <a:rPr lang="en-US" sz="900" dirty="0" err="1" smtClean="0">
+                <a:solidFill>
+                  <a:schemeClr val="accent4"/>
+                </a:solidFill>
+              </a:rPr>
+              <a:t>taskmanager</a:t>
+            </a:r>
+            <a:endParaRPr lang="en-SG" sz="900" dirty="0">
+              <a:solidFill>
+                <a:schemeClr val="accent4"/>
+              </a:solidFill>
+            </a:endParaRPr>
+          </a:p>
+        </p:txBody>
+      </p:sp>
+      <p:sp>
+        <p:nvSpPr>
+          <p:cNvPr id="22" name="矩形 21"/>
+          <p:cNvSpPr/>
+          <p:nvPr/>
+        </p:nvSpPr>
+        <p:spPr>
+          <a:xfrm>
+            <a:off x="5911282" y="914400"/>
+            <a:ext cx="1340984" cy="317956"/>
+          </a:xfrm>
+          <a:prstGeom prst="rect">
+            <a:avLst/>
+          </a:prstGeom>
+        </p:spPr>
+        <p:style>
+          <a:lnRef idx="2">
+            <a:schemeClr val="accent4">
+              <a:shade val="50000"/>
+            </a:schemeClr>
+          </a:lnRef>
+          <a:fillRef idx="1">
+            <a:schemeClr val="accent4"/>
+          </a:fillRef>
+          <a:effectRef idx="0">
+            <a:schemeClr val="accent4"/>
+          </a:effectRef>
+          <a:fontRef idx="minor">
+            <a:schemeClr val="lt1"/>
+          </a:fontRef>
+        </p:style>
+        <p:txBody>
+          <a:bodyPr rtlCol="0" anchor="ctr"/>
+          <a:lstStyle/>
+          <a:p>
+            <a:pPr algn="ctr"/>
+            <a:r>
+              <a:rPr lang="en-US" sz="1200" dirty="0" smtClean="0"/>
+              <a:t>:</a:t>
+            </a:r>
+            <a:r>
+              <a:rPr lang="en-US" sz="1200" dirty="0" err="1" smtClean="0"/>
+              <a:t>ModelManager</a:t>
+            </a:r>
+            <a:r>
+              <a:rPr lang="en-US" sz="1200" dirty="0" smtClean="0"/>
+              <a:t>.</a:t>
+            </a:r>
+          </a:p>
+          <a:p>
+            <a:pPr algn="ctr"/>
+            <a:r>
+              <a:rPr lang="en-US" sz="1200" dirty="0" err="1" smtClean="0"/>
+              <a:t>undotaskManager</a:t>
+            </a:r>
+            <a:endParaRPr lang="en-SG" dirty="0"/>
+          </a:p>
+        </p:txBody>
+      </p:sp>
+      <p:cxnSp>
+        <p:nvCxnSpPr>
+          <p:cNvPr id="23" name="直接连接符 22"/>
+          <p:cNvCxnSpPr/>
+          <p:nvPr/>
+        </p:nvCxnSpPr>
+        <p:spPr>
+          <a:xfrm>
+            <a:off x="6579732" y="1254125"/>
+            <a:ext cx="0" cy="228600"/>
+          </a:xfrm>
+          <a:prstGeom prst="line">
+            <a:avLst/>
+          </a:prstGeom>
+        </p:spPr>
+        <p:style>
+          <a:lnRef idx="1">
+            <a:schemeClr val="accent4"/>
+          </a:lnRef>
+          <a:fillRef idx="0">
+            <a:schemeClr val="accent4"/>
+          </a:fillRef>
+          <a:effectRef idx="0">
+            <a:schemeClr val="accent4"/>
+          </a:effectRef>
+          <a:fontRef idx="minor">
+            <a:schemeClr val="tx1"/>
+          </a:fontRef>
+        </p:style>
+      </p:cxnSp>
+      <p:sp>
+        <p:nvSpPr>
+          <p:cNvPr id="24" name="矩形 23"/>
+          <p:cNvSpPr/>
+          <p:nvPr/>
+        </p:nvSpPr>
+        <p:spPr>
+          <a:xfrm>
+            <a:off x="6541632" y="1495425"/>
+            <a:ext cx="76200" cy="564922"/>
+          </a:xfrm>
+          <a:prstGeom prst="rect">
+            <a:avLst/>
+          </a:prstGeom>
+        </p:spPr>
+        <p:style>
+          <a:lnRef idx="2">
+            <a:schemeClr val="accent4">
+              <a:shade val="50000"/>
+            </a:schemeClr>
+          </a:lnRef>
+          <a:fillRef idx="1">
+            <a:schemeClr val="accent4"/>
+          </a:fillRef>
+          <a:effectRef idx="0">
+            <a:schemeClr val="accent4"/>
+          </a:effectRef>
+          <a:fontRef idx="minor">
+            <a:schemeClr val="lt1"/>
+          </a:fontRef>
+        </p:style>
+        <p:txBody>
+          <a:bodyPr rtlCol="0" anchor="ctr"/>
+          <a:lstStyle/>
+          <a:p>
+            <a:pPr algn="ctr"/>
+            <a:endParaRPr lang="en-SG"/>
+          </a:p>
+        </p:txBody>
+      </p:sp>
+      <p:cxnSp>
+        <p:nvCxnSpPr>
+          <p:cNvPr id="25" name="直接箭头连接符 24"/>
+          <p:cNvCxnSpPr/>
+          <p:nvPr/>
+        </p:nvCxnSpPr>
+        <p:spPr>
+          <a:xfrm>
+            <a:off x="5046207" y="1752600"/>
+            <a:ext cx="1495425" cy="0"/>
+          </a:xfrm>
+          <a:prstGeom prst="straightConnector1">
+            <a:avLst/>
+          </a:prstGeom>
+          <a:ln>
+            <a:tailEnd type="triangle"/>
+          </a:ln>
+        </p:spPr>
+        <p:style>
+          <a:lnRef idx="1">
+            <a:schemeClr val="accent4"/>
+          </a:lnRef>
+          <a:fillRef idx="0">
+            <a:schemeClr val="accent4"/>
+          </a:fillRef>
+          <a:effectRef idx="0">
+            <a:schemeClr val="accent4"/>
+          </a:effectRef>
+          <a:fontRef idx="minor">
+            <a:schemeClr val="tx1"/>
+          </a:fontRef>
+        </p:style>
+      </p:cxnSp>
+      <p:sp>
+        <p:nvSpPr>
+          <p:cNvPr id="26" name="文本框 25"/>
+          <p:cNvSpPr txBox="1"/>
+          <p:nvPr/>
+        </p:nvSpPr>
+        <p:spPr>
+          <a:xfrm>
+            <a:off x="5062026" y="1360328"/>
+            <a:ext cx="1841557" cy="369332"/>
+          </a:xfrm>
+          <a:prstGeom prst="rect">
+            <a:avLst/>
+          </a:prstGeom>
+          <a:noFill/>
+        </p:spPr>
+        <p:txBody>
+          <a:bodyPr wrap="square" rtlCol="0">
+            <a:spAutoFit/>
+          </a:bodyPr>
+          <a:lstStyle/>
+          <a:p>
+            <a:r>
+              <a:rPr lang="en-US" sz="900" dirty="0" smtClean="0">
+                <a:solidFill>
+                  <a:schemeClr val="accent4"/>
+                </a:solidFill>
+              </a:rPr>
+              <a:t>Store current </a:t>
+            </a:r>
+            <a:r>
+              <a:rPr lang="en-US" sz="900" dirty="0" err="1" smtClean="0">
+                <a:solidFill>
+                  <a:schemeClr val="accent4"/>
+                </a:solidFill>
+              </a:rPr>
+              <a:t>taskManager</a:t>
+            </a:r>
+            <a:r>
+              <a:rPr lang="en-US" sz="900" dirty="0" smtClean="0">
+                <a:solidFill>
+                  <a:schemeClr val="accent4"/>
+                </a:solidFill>
+              </a:rPr>
+              <a:t> to </a:t>
+            </a:r>
+            <a:r>
+              <a:rPr lang="en-US" sz="900" dirty="0" err="1" smtClean="0">
+                <a:solidFill>
+                  <a:schemeClr val="accent4"/>
+                </a:solidFill>
+              </a:rPr>
+              <a:t>undoTaskManager</a:t>
+            </a:r>
+            <a:r>
+              <a:rPr lang="en-US" sz="900" dirty="0" smtClean="0">
+                <a:solidFill>
+                  <a:schemeClr val="accent4"/>
+                </a:solidFill>
+              </a:rPr>
+              <a:t> stack</a:t>
+            </a:r>
+            <a:endParaRPr lang="en-SG" sz="900" dirty="0">
+              <a:solidFill>
+                <a:schemeClr val="accent4"/>
+              </a:solidFill>
+            </a:endParaRPr>
+          </a:p>
+        </p:txBody>
+      </p:sp>
+      <p:cxnSp>
+        <p:nvCxnSpPr>
+          <p:cNvPr id="27" name="直接箭头连接符 26"/>
+          <p:cNvCxnSpPr/>
+          <p:nvPr/>
+        </p:nvCxnSpPr>
+        <p:spPr>
+          <a:xfrm>
+            <a:off x="5084308" y="2341532"/>
+            <a:ext cx="2541641" cy="0"/>
+          </a:xfrm>
+          <a:prstGeom prst="straightConnector1">
+            <a:avLst/>
+          </a:prstGeom>
+          <a:ln>
+            <a:tailEnd type="triangle"/>
+          </a:ln>
+        </p:spPr>
+        <p:style>
+          <a:lnRef idx="1">
+            <a:schemeClr val="accent4"/>
+          </a:lnRef>
+          <a:fillRef idx="0">
+            <a:schemeClr val="accent4"/>
+          </a:fillRef>
+          <a:effectRef idx="0">
+            <a:schemeClr val="accent4"/>
+          </a:effectRef>
+          <a:fontRef idx="minor">
+            <a:schemeClr val="tx1"/>
+          </a:fontRef>
+        </p:style>
+      </p:cxnSp>
+      <p:cxnSp>
+        <p:nvCxnSpPr>
+          <p:cNvPr id="28" name="直接箭头连接符 27"/>
+          <p:cNvCxnSpPr/>
+          <p:nvPr/>
+        </p:nvCxnSpPr>
+        <p:spPr>
+          <a:xfrm flipH="1">
+            <a:off x="5084308" y="2743200"/>
+            <a:ext cx="2503541" cy="0"/>
+          </a:xfrm>
+          <a:prstGeom prst="straightConnector1">
+            <a:avLst/>
+          </a:prstGeom>
+          <a:ln>
+            <a:tailEnd type="triangle"/>
+          </a:ln>
+        </p:spPr>
+        <p:style>
+          <a:lnRef idx="1">
+            <a:schemeClr val="accent4"/>
+          </a:lnRef>
+          <a:fillRef idx="0">
+            <a:schemeClr val="accent4"/>
+          </a:fillRef>
+          <a:effectRef idx="0">
+            <a:schemeClr val="accent4"/>
+          </a:effectRef>
+          <a:fontRef idx="minor">
+            <a:schemeClr val="tx1"/>
+          </a:fontRef>
+        </p:style>
+      </p:cxnSp>
+      <p:sp>
+        <p:nvSpPr>
+          <p:cNvPr id="29" name="文本框 28"/>
+          <p:cNvSpPr txBox="1"/>
+          <p:nvPr/>
+        </p:nvSpPr>
+        <p:spPr>
+          <a:xfrm>
+            <a:off x="6069796" y="2505287"/>
+            <a:ext cx="582982" cy="230832"/>
+          </a:xfrm>
+          <a:prstGeom prst="rect">
+            <a:avLst/>
+          </a:prstGeom>
+          <a:noFill/>
+        </p:spPr>
+        <p:txBody>
+          <a:bodyPr wrap="square" rtlCol="0">
+            <a:spAutoFit/>
+          </a:bodyPr>
+          <a:lstStyle/>
+          <a:p>
+            <a:r>
+              <a:rPr lang="en-US" sz="900" dirty="0" smtClean="0">
+                <a:solidFill>
+                  <a:schemeClr val="accent4"/>
+                </a:solidFill>
+              </a:rPr>
+              <a:t>result</a:t>
+            </a:r>
+            <a:endParaRPr lang="en-SG" sz="900" dirty="0">
+              <a:solidFill>
+                <a:schemeClr val="accent4"/>
+              </a:solidFill>
+            </a:endParaRPr>
+          </a:p>
+        </p:txBody>
+      </p:sp>
+      <p:cxnSp>
+        <p:nvCxnSpPr>
+          <p:cNvPr id="30" name="直接箭头连接符 29"/>
+          <p:cNvCxnSpPr/>
+          <p:nvPr/>
+        </p:nvCxnSpPr>
+        <p:spPr>
+          <a:xfrm flipH="1" flipV="1">
+            <a:off x="3305174" y="2824908"/>
+            <a:ext cx="1645783" cy="11067"/>
+          </a:xfrm>
+          <a:prstGeom prst="straightConnector1">
+            <a:avLst/>
+          </a:prstGeom>
+          <a:ln>
+            <a:tailEnd type="triangle"/>
+          </a:ln>
+        </p:spPr>
+        <p:style>
+          <a:lnRef idx="1">
+            <a:schemeClr val="accent4"/>
+          </a:lnRef>
+          <a:fillRef idx="0">
+            <a:schemeClr val="accent4"/>
+          </a:fillRef>
+          <a:effectRef idx="0">
+            <a:schemeClr val="accent4"/>
+          </a:effectRef>
+          <a:fontRef idx="minor">
+            <a:schemeClr val="tx1"/>
+          </a:fontRef>
+        </p:style>
+      </p:cxnSp>
+      <p:sp>
+        <p:nvSpPr>
+          <p:cNvPr id="31" name="文本框 30"/>
+          <p:cNvSpPr txBox="1"/>
+          <p:nvPr/>
+        </p:nvSpPr>
+        <p:spPr>
+          <a:xfrm>
+            <a:off x="3882967" y="2594076"/>
+            <a:ext cx="582982" cy="230832"/>
+          </a:xfrm>
+          <a:prstGeom prst="rect">
+            <a:avLst/>
+          </a:prstGeom>
+          <a:noFill/>
+        </p:spPr>
+        <p:txBody>
+          <a:bodyPr wrap="square" rtlCol="0">
+            <a:spAutoFit/>
+          </a:bodyPr>
+          <a:lstStyle/>
+          <a:p>
+            <a:r>
+              <a:rPr lang="en-US" sz="900" dirty="0" smtClean="0">
+                <a:solidFill>
+                  <a:schemeClr val="accent4"/>
+                </a:solidFill>
+              </a:rPr>
+              <a:t>result</a:t>
+            </a:r>
+            <a:endParaRPr lang="en-SG" sz="900" dirty="0">
+              <a:solidFill>
+                <a:schemeClr val="accent4"/>
+              </a:solidFill>
+            </a:endParaRPr>
+          </a:p>
+        </p:txBody>
+      </p:sp>
+      <p:cxnSp>
+        <p:nvCxnSpPr>
+          <p:cNvPr id="32" name="直接箭头连接符 31"/>
+          <p:cNvCxnSpPr/>
+          <p:nvPr/>
+        </p:nvCxnSpPr>
+        <p:spPr>
+          <a:xfrm>
+            <a:off x="3301603" y="3581400"/>
+            <a:ext cx="1575197" cy="0"/>
+          </a:xfrm>
+          <a:prstGeom prst="straightConnector1">
+            <a:avLst/>
+          </a:prstGeom>
+          <a:ln>
+            <a:tailEnd type="triangle"/>
+          </a:ln>
+        </p:spPr>
+        <p:style>
+          <a:lnRef idx="1">
+            <a:schemeClr val="accent4"/>
+          </a:lnRef>
+          <a:fillRef idx="0">
+            <a:schemeClr val="accent4"/>
+          </a:fillRef>
+          <a:effectRef idx="0">
+            <a:schemeClr val="accent4"/>
+          </a:effectRef>
+          <a:fontRef idx="minor">
+            <a:schemeClr val="tx1"/>
+          </a:fontRef>
+        </p:style>
+      </p:cxnSp>
+      <p:sp>
+        <p:nvSpPr>
+          <p:cNvPr id="33" name="矩形 32"/>
+          <p:cNvSpPr/>
+          <p:nvPr/>
+        </p:nvSpPr>
+        <p:spPr>
+          <a:xfrm>
+            <a:off x="4925102" y="3408653"/>
+            <a:ext cx="1270567" cy="317956"/>
+          </a:xfrm>
+          <a:prstGeom prst="rect">
+            <a:avLst/>
+          </a:prstGeom>
+        </p:spPr>
+        <p:style>
+          <a:lnRef idx="2">
+            <a:schemeClr val="accent4">
+              <a:shade val="50000"/>
+            </a:schemeClr>
+          </a:lnRef>
+          <a:fillRef idx="1">
+            <a:schemeClr val="accent4"/>
+          </a:fillRef>
+          <a:effectRef idx="0">
+            <a:schemeClr val="accent4"/>
+          </a:effectRef>
+          <a:fontRef idx="minor">
+            <a:schemeClr val="lt1"/>
+          </a:fontRef>
+        </p:style>
+        <p:txBody>
+          <a:bodyPr rtlCol="0" anchor="ctr"/>
+          <a:lstStyle/>
+          <a:p>
+            <a:pPr algn="ctr"/>
+            <a:r>
+              <a:rPr lang="en-US" sz="1200" dirty="0" smtClean="0"/>
+              <a:t>:</a:t>
+            </a:r>
+            <a:r>
+              <a:rPr lang="en-US" sz="1200" dirty="0" err="1" smtClean="0"/>
+              <a:t>StorageManager</a:t>
+            </a:r>
+            <a:endParaRPr lang="en-SG" dirty="0"/>
+          </a:p>
+        </p:txBody>
+      </p:sp>
+      <p:sp>
+        <p:nvSpPr>
+          <p:cNvPr id="34" name="文本框 33"/>
+          <p:cNvSpPr txBox="1"/>
+          <p:nvPr/>
+        </p:nvSpPr>
+        <p:spPr>
+          <a:xfrm>
+            <a:off x="3797710" y="3327502"/>
+            <a:ext cx="774290" cy="230832"/>
+          </a:xfrm>
+          <a:prstGeom prst="rect">
+            <a:avLst/>
+          </a:prstGeom>
+          <a:noFill/>
+        </p:spPr>
+        <p:txBody>
+          <a:bodyPr wrap="square" rtlCol="0">
+            <a:spAutoFit/>
+          </a:bodyPr>
+          <a:lstStyle/>
+          <a:p>
+            <a:r>
+              <a:rPr lang="en-US" sz="900" dirty="0" smtClean="0">
+                <a:solidFill>
+                  <a:schemeClr val="accent4"/>
+                </a:solidFill>
+              </a:rPr>
+              <a:t>Save result</a:t>
+            </a:r>
+            <a:endParaRPr lang="en-SG" sz="900" dirty="0">
+              <a:solidFill>
+                <a:schemeClr val="accent4"/>
+              </a:solidFill>
+            </a:endParaRPr>
+          </a:p>
+        </p:txBody>
+      </p:sp>
+      <p:cxnSp>
+        <p:nvCxnSpPr>
+          <p:cNvPr id="35" name="直接箭头连接符 34"/>
+          <p:cNvCxnSpPr/>
+          <p:nvPr/>
+        </p:nvCxnSpPr>
+        <p:spPr>
+          <a:xfrm flipH="1">
+            <a:off x="1775563" y="3726609"/>
+            <a:ext cx="1424837" cy="0"/>
+          </a:xfrm>
+          <a:prstGeom prst="straightConnector1">
+            <a:avLst/>
+          </a:prstGeom>
+          <a:ln>
+            <a:tailEnd type="triangle"/>
+          </a:ln>
+        </p:spPr>
+        <p:style>
+          <a:lnRef idx="1">
+            <a:schemeClr val="accent4"/>
+          </a:lnRef>
+          <a:fillRef idx="0">
+            <a:schemeClr val="accent4"/>
+          </a:fillRef>
+          <a:effectRef idx="0">
+            <a:schemeClr val="accent4"/>
+          </a:effectRef>
+          <a:fontRef idx="minor">
+            <a:schemeClr val="tx1"/>
+          </a:fontRef>
+        </p:style>
+      </p:cxnSp>
+      <p:sp>
+        <p:nvSpPr>
+          <p:cNvPr id="36" name="矩形 35"/>
+          <p:cNvSpPr/>
+          <p:nvPr/>
+        </p:nvSpPr>
+        <p:spPr>
+          <a:xfrm>
+            <a:off x="924258" y="3590925"/>
+            <a:ext cx="847733" cy="317956"/>
+          </a:xfrm>
+          <a:prstGeom prst="rect">
+            <a:avLst/>
+          </a:prstGeom>
+        </p:spPr>
+        <p:style>
+          <a:lnRef idx="2">
+            <a:schemeClr val="accent4">
+              <a:shade val="50000"/>
+            </a:schemeClr>
+          </a:lnRef>
+          <a:fillRef idx="1">
+            <a:schemeClr val="accent4"/>
+          </a:fillRef>
+          <a:effectRef idx="0">
+            <a:schemeClr val="accent4"/>
+          </a:effectRef>
+          <a:fontRef idx="minor">
+            <a:schemeClr val="lt1"/>
+          </a:fontRef>
+        </p:style>
+        <p:txBody>
+          <a:bodyPr rtlCol="0" anchor="ctr"/>
+          <a:lstStyle/>
+          <a:p>
+            <a:pPr algn="ctr"/>
+            <a:r>
+              <a:rPr lang="en-US" sz="1200" dirty="0" smtClean="0"/>
+              <a:t>:UI</a:t>
+            </a:r>
+            <a:endParaRPr lang="en-SG" dirty="0"/>
+          </a:p>
+        </p:txBody>
+      </p:sp>
+      <p:sp>
+        <p:nvSpPr>
+          <p:cNvPr id="37" name="文本框 36"/>
+          <p:cNvSpPr txBox="1"/>
+          <p:nvPr/>
+        </p:nvSpPr>
+        <p:spPr>
+          <a:xfrm>
+            <a:off x="2086649" y="3558334"/>
+            <a:ext cx="861852" cy="230832"/>
+          </a:xfrm>
+          <a:prstGeom prst="rect">
+            <a:avLst/>
+          </a:prstGeom>
+          <a:noFill/>
+        </p:spPr>
+        <p:txBody>
+          <a:bodyPr wrap="square" rtlCol="0">
+            <a:spAutoFit/>
+          </a:bodyPr>
+          <a:lstStyle/>
+          <a:p>
+            <a:r>
+              <a:rPr lang="en-US" sz="900" dirty="0" smtClean="0">
+                <a:solidFill>
+                  <a:schemeClr val="accent4"/>
+                </a:solidFill>
+              </a:rPr>
+              <a:t>Display result</a:t>
+            </a:r>
+            <a:endParaRPr lang="en-SG" sz="900" dirty="0">
+              <a:solidFill>
+                <a:schemeClr val="accent4"/>
+              </a:solidFill>
+            </a:endParaRPr>
+          </a:p>
+        </p:txBody>
+      </p:sp>
+      <p:sp>
+        <p:nvSpPr>
+          <p:cNvPr id="38" name="文本框 37"/>
+          <p:cNvSpPr txBox="1"/>
+          <p:nvPr/>
+        </p:nvSpPr>
+        <p:spPr>
+          <a:xfrm>
+            <a:off x="838200" y="2505287"/>
+            <a:ext cx="1981200" cy="369332"/>
+          </a:xfrm>
+          <a:prstGeom prst="rect">
+            <a:avLst/>
+          </a:prstGeom>
+          <a:noFill/>
+        </p:spPr>
+        <p:txBody>
+          <a:bodyPr wrap="square" rtlCol="0">
+            <a:spAutoFit/>
+          </a:bodyPr>
+          <a:lstStyle/>
+          <a:p>
+            <a:r>
+              <a:rPr lang="en-US" dirty="0" smtClean="0">
+                <a:solidFill>
+                  <a:schemeClr val="accent4"/>
+                </a:solidFill>
+              </a:rPr>
+              <a:t>Redo Command</a:t>
+            </a:r>
+            <a:endParaRPr lang="en-SG" dirty="0">
+              <a:solidFill>
+                <a:schemeClr val="accent4"/>
+              </a:solidFill>
+            </a:endParaRPr>
+          </a:p>
+        </p:txBody>
+      </p:sp>
+    </p:spTree>
+    <p:extLst>
+      <p:ext uri="{BB962C8B-B14F-4D97-AF65-F5344CB8AC3E}">
+        <p14:creationId xmlns:p14="http://schemas.microsoft.com/office/powerpoint/2010/main" val="853068390"/>
+      </p:ext>
+    </p:extLst>
+  </p:cSld>
+  <p:clrMapOvr>
+    <a:masterClrMapping/>
+  </p:clrMapOvr>
+  <p:timing>
+    <p:tnLst>
+      <p:par>
+        <p:cTn id="1" dur="indefinite" restart="never" nodeType="tmRoot"/>
+      </p:par>
+    </p:tnLst>
+  </p:timing>
 </p:sld>
 </file>
 

--- a/docs/diagrams/ModelComponentClassDiagram.pptx
+++ b/docs/diagrams/ModelComponentClassDiagram.pptx
@@ -212,7 +212,7 @@
           <a:p>
             <a:fld id="{F5CC4B3F-88C1-4FFA-B1B6-F41C21DC6924}" type="datetimeFigureOut">
               <a:rPr lang="en-US" smtClean="0"/>
-              <a:t>7/17/2017</a:t>
+              <a:t>7/22/2017</a:t>
             </a:fld>
             <a:endParaRPr lang="en-US"/>
           </a:p>
@@ -658,7 +658,7 @@
           <a:p>
             <a:fld id="{78C97017-6FC3-485B-9764-EAC9E56C1D49}" type="datetimeFigureOut">
               <a:rPr lang="en-US" smtClean="0"/>
-              <a:t>7/17/2017</a:t>
+              <a:t>7/22/2017</a:t>
             </a:fld>
             <a:endParaRPr lang="en-US"/>
           </a:p>
@@ -826,7 +826,7 @@
           <a:p>
             <a:fld id="{78C97017-6FC3-485B-9764-EAC9E56C1D49}" type="datetimeFigureOut">
               <a:rPr lang="en-US" smtClean="0"/>
-              <a:t>7/17/2017</a:t>
+              <a:t>7/22/2017</a:t>
             </a:fld>
             <a:endParaRPr lang="en-US"/>
           </a:p>
@@ -1004,7 +1004,7 @@
           <a:p>
             <a:fld id="{78C97017-6FC3-485B-9764-EAC9E56C1D49}" type="datetimeFigureOut">
               <a:rPr lang="en-US" smtClean="0"/>
-              <a:t>7/17/2017</a:t>
+              <a:t>7/22/2017</a:t>
             </a:fld>
             <a:endParaRPr lang="en-US"/>
           </a:p>
@@ -1172,7 +1172,7 @@
           <a:p>
             <a:fld id="{78C97017-6FC3-485B-9764-EAC9E56C1D49}" type="datetimeFigureOut">
               <a:rPr lang="en-US" smtClean="0"/>
-              <a:t>7/17/2017</a:t>
+              <a:t>7/22/2017</a:t>
             </a:fld>
             <a:endParaRPr lang="en-US"/>
           </a:p>
@@ -1417,7 +1417,7 @@
           <a:p>
             <a:fld id="{78C97017-6FC3-485B-9764-EAC9E56C1D49}" type="datetimeFigureOut">
               <a:rPr lang="en-US" smtClean="0"/>
-              <a:t>7/17/2017</a:t>
+              <a:t>7/22/2017</a:t>
             </a:fld>
             <a:endParaRPr lang="en-US"/>
           </a:p>
@@ -1702,7 +1702,7 @@
           <a:p>
             <a:fld id="{78C97017-6FC3-485B-9764-EAC9E56C1D49}" type="datetimeFigureOut">
               <a:rPr lang="en-US" smtClean="0"/>
-              <a:t>7/17/2017</a:t>
+              <a:t>7/22/2017</a:t>
             </a:fld>
             <a:endParaRPr lang="en-US"/>
           </a:p>
@@ -2121,7 +2121,7 @@
           <a:p>
             <a:fld id="{78C97017-6FC3-485B-9764-EAC9E56C1D49}" type="datetimeFigureOut">
               <a:rPr lang="en-US" smtClean="0"/>
-              <a:t>7/17/2017</a:t>
+              <a:t>7/22/2017</a:t>
             </a:fld>
             <a:endParaRPr lang="en-US"/>
           </a:p>
@@ -2238,7 +2238,7 @@
           <a:p>
             <a:fld id="{78C97017-6FC3-485B-9764-EAC9E56C1D49}" type="datetimeFigureOut">
               <a:rPr lang="en-US" smtClean="0"/>
-              <a:t>7/17/2017</a:t>
+              <a:t>7/22/2017</a:t>
             </a:fld>
             <a:endParaRPr lang="en-US"/>
           </a:p>
@@ -2333,7 +2333,7 @@
           <a:p>
             <a:fld id="{78C97017-6FC3-485B-9764-EAC9E56C1D49}" type="datetimeFigureOut">
               <a:rPr lang="en-US" smtClean="0"/>
-              <a:t>7/17/2017</a:t>
+              <a:t>7/22/2017</a:t>
             </a:fld>
             <a:endParaRPr lang="en-US"/>
           </a:p>
@@ -2608,7 +2608,7 @@
           <a:p>
             <a:fld id="{78C97017-6FC3-485B-9764-EAC9E56C1D49}" type="datetimeFigureOut">
               <a:rPr lang="en-US" smtClean="0"/>
-              <a:t>7/17/2017</a:t>
+              <a:t>7/22/2017</a:t>
             </a:fld>
             <a:endParaRPr lang="en-US"/>
           </a:p>
@@ -2860,7 +2860,7 @@
           <a:p>
             <a:fld id="{78C97017-6FC3-485B-9764-EAC9E56C1D49}" type="datetimeFigureOut">
               <a:rPr lang="en-US" smtClean="0"/>
-              <a:t>7/17/2017</a:t>
+              <a:t>7/22/2017</a:t>
             </a:fld>
             <a:endParaRPr lang="en-US"/>
           </a:p>
@@ -3071,7 +3071,7 @@
           <a:p>
             <a:fld id="{78C97017-6FC3-485B-9764-EAC9E56C1D49}" type="datetimeFigureOut">
               <a:rPr lang="en-US" smtClean="0"/>
-              <a:t>7/17/2017</a:t>
+              <a:t>7/22/2017</a:t>
             </a:fld>
             <a:endParaRPr lang="en-US"/>
           </a:p>
@@ -3454,8 +3454,8 @@
         </p:nvSpPr>
         <p:spPr>
           <a:xfrm>
-            <a:off x="1119865" y="1727200"/>
-            <a:ext cx="7490735" cy="2997200"/>
+            <a:off x="1219200" y="1524000"/>
+            <a:ext cx="7391400" cy="3200400"/>
           </a:xfrm>
           <a:prstGeom prst="roundRect">
             <a:avLst>
@@ -5887,6 +5887,110 @@
                 <a:srgbClr val="7030A0"/>
               </a:solidFill>
             </a:endParaRPr>
+          </a:p>
+        </p:txBody>
+      </p:sp>
+      <p:cxnSp>
+        <p:nvCxnSpPr>
+          <p:cNvPr id="55" name="Elbow Connector 85">
+            <a:extLst>
+              <a:ext uri="{FF2B5EF4-FFF2-40B4-BE49-F238E27FC236}">
+                <a16:creationId xmlns:a16="http://schemas.microsoft.com/office/drawing/2014/main" id="{6536E704-0AEC-4B89-B78F-2DF73590D081}"/>
+              </a:ext>
+            </a:extLst>
+          </p:cNvPr>
+          <p:cNvCxnSpPr>
+            <a:cxnSpLocks/>
+            <a:endCxn id="73" idx="1"/>
+          </p:cNvCxnSpPr>
+          <p:nvPr/>
+        </p:nvCxnSpPr>
+        <p:spPr>
+          <a:xfrm rot="16200000" flipH="1">
+            <a:off x="7374015" y="3670750"/>
+            <a:ext cx="459562" cy="217200"/>
+          </a:xfrm>
+          <a:prstGeom prst="bentConnector2">
+            <a:avLst/>
+          </a:prstGeom>
+          <a:ln w="19050">
+            <a:solidFill>
+              <a:srgbClr val="7030A0"/>
+            </a:solidFill>
+            <a:headEnd type="none" w="med" len="med"/>
+            <a:tailEnd type="arrow" w="med" len="med"/>
+          </a:ln>
+          <a:effectLst/>
+        </p:spPr>
+        <p:style>
+          <a:lnRef idx="1">
+            <a:schemeClr val="accent2"/>
+          </a:lnRef>
+          <a:fillRef idx="2">
+            <a:schemeClr val="accent2"/>
+          </a:fillRef>
+          <a:effectRef idx="1">
+            <a:schemeClr val="accent2"/>
+          </a:effectRef>
+          <a:fontRef idx="minor">
+            <a:schemeClr val="dk1"/>
+          </a:fontRef>
+        </p:style>
+      </p:cxnSp>
+      <p:sp>
+        <p:nvSpPr>
+          <p:cNvPr id="73" name="Rectangle 8">
+            <a:extLst>
+              <a:ext uri="{FF2B5EF4-FFF2-40B4-BE49-F238E27FC236}">
+                <a16:creationId xmlns:a16="http://schemas.microsoft.com/office/drawing/2014/main" id="{A60B0850-141C-41BA-8BCF-9B59F7A90DDC}"/>
+              </a:ext>
+            </a:extLst>
+          </p:cNvPr>
+          <p:cNvSpPr/>
+          <p:nvPr/>
+        </p:nvSpPr>
+        <p:spPr>
+          <a:xfrm>
+            <a:off x="7712396" y="3860642"/>
+            <a:ext cx="822003" cy="296977"/>
+          </a:xfrm>
+          <a:prstGeom prst="rect">
+            <a:avLst/>
+          </a:prstGeom>
+          <a:ln w="19050">
+            <a:solidFill>
+              <a:srgbClr val="7030A0"/>
+            </a:solidFill>
+          </a:ln>
+          <a:effectLst/>
+        </p:spPr>
+        <p:style>
+          <a:lnRef idx="1">
+            <a:schemeClr val="accent4"/>
+          </a:lnRef>
+          <a:fillRef idx="2">
+            <a:schemeClr val="accent4"/>
+          </a:fillRef>
+          <a:effectRef idx="1">
+            <a:schemeClr val="accent4"/>
+          </a:effectRef>
+          <a:fontRef idx="minor">
+            <a:schemeClr val="dk1"/>
+          </a:fontRef>
+        </p:style>
+        <p:txBody>
+          <a:bodyPr rtlCol="0" anchor="ctr"/>
+          <a:lstStyle/>
+          <a:p>
+            <a:pPr algn="ctr"/>
+            <a:r>
+              <a:rPr lang="en-SG" sz="1050" dirty="0">
+                <a:solidFill>
+                  <a:srgbClr val="7030A0"/>
+                </a:solidFill>
+              </a:rPr>
+              <a:t>completed</a:t>
+            </a:r>
           </a:p>
         </p:txBody>
       </p:sp>
